--- a/陈文儒.pptx
+++ b/陈文儒.pptx
@@ -4,6 +4,9 @@
   <p:sldMasterIdLst>
     <p:sldMasterId id="2147483648" r:id="rId1"/>
   </p:sldMasterIdLst>
+  <p:notesMasterIdLst>
+    <p:notesMasterId r:id="rId24"/>
+  </p:notesMasterIdLst>
   <p:sldIdLst>
     <p:sldId id="257" r:id="rId2"/>
     <p:sldId id="259" r:id="rId3"/>
@@ -11,7 +14,22 @@
     <p:sldId id="261" r:id="rId5"/>
     <p:sldId id="262" r:id="rId6"/>
     <p:sldId id="263" r:id="rId7"/>
-    <p:sldId id="258" r:id="rId8"/>
+    <p:sldId id="264" r:id="rId8"/>
+    <p:sldId id="265" r:id="rId9"/>
+    <p:sldId id="266" r:id="rId10"/>
+    <p:sldId id="269" r:id="rId11"/>
+    <p:sldId id="268" r:id="rId12"/>
+    <p:sldId id="272" r:id="rId13"/>
+    <p:sldId id="270" r:id="rId14"/>
+    <p:sldId id="271" r:id="rId15"/>
+    <p:sldId id="273" r:id="rId16"/>
+    <p:sldId id="274" r:id="rId17"/>
+    <p:sldId id="276" r:id="rId18"/>
+    <p:sldId id="275" r:id="rId19"/>
+    <p:sldId id="277" r:id="rId20"/>
+    <p:sldId id="267" r:id="rId21"/>
+    <p:sldId id="278" r:id="rId22"/>
+    <p:sldId id="258" r:id="rId23"/>
   </p:sldIdLst>
   <p:sldSz cx="12192000" cy="6858000"/>
   <p:notesSz cx="6858000" cy="9144000"/>
@@ -118,6 +136,607 @@
 </p:presentation>
 </file>
 
+<file path=ppt/notesMasters/notesMaster1.xml><?xml version="1.0" encoding="utf-8"?>
+<p:notesMaster xmlns:a="http://schemas.openxmlformats.org/drawingml/2006/main" xmlns:r="http://schemas.openxmlformats.org/officeDocument/2006/relationships" xmlns:p="http://schemas.openxmlformats.org/presentationml/2006/main">
+  <p:cSld>
+    <p:bg>
+      <p:bgRef idx="1001">
+        <a:schemeClr val="bg1"/>
+      </p:bgRef>
+    </p:bg>
+    <p:spTree>
+      <p:nvGrpSpPr>
+        <p:cNvPr id="1" name=""/>
+        <p:cNvGrpSpPr/>
+        <p:nvPr/>
+      </p:nvGrpSpPr>
+      <p:grpSpPr>
+        <a:xfrm>
+          <a:off x="0" y="0"/>
+          <a:ext cx="0" cy="0"/>
+          <a:chOff x="0" y="0"/>
+          <a:chExt cx="0" cy="0"/>
+        </a:xfrm>
+      </p:grpSpPr>
+      <p:sp>
+        <p:nvSpPr>
+          <p:cNvPr id="2" name="页眉占位符 1"/>
+          <p:cNvSpPr>
+            <a:spLocks noGrp="1"/>
+          </p:cNvSpPr>
+          <p:nvPr>
+            <p:ph type="hdr" sz="quarter"/>
+          </p:nvPr>
+        </p:nvSpPr>
+        <p:spPr>
+          <a:xfrm>
+            <a:off x="0" y="0"/>
+            <a:ext cx="2971800" cy="458788"/>
+          </a:xfrm>
+          <a:prstGeom prst="rect">
+            <a:avLst/>
+          </a:prstGeom>
+        </p:spPr>
+        <p:txBody>
+          <a:bodyPr vert="horz" lIns="91440" tIns="45720" rIns="91440" bIns="45720" rtlCol="0"/>
+          <a:lstStyle>
+            <a:lvl1pPr algn="l">
+              <a:defRPr sz="1200"/>
+            </a:lvl1pPr>
+          </a:lstStyle>
+          <a:p>
+            <a:endParaRPr kumimoji="1" lang="zh-CN" altLang="en-US"/>
+          </a:p>
+        </p:txBody>
+      </p:sp>
+      <p:sp>
+        <p:nvSpPr>
+          <p:cNvPr id="3" name="日期占位符 2"/>
+          <p:cNvSpPr>
+            <a:spLocks noGrp="1"/>
+          </p:cNvSpPr>
+          <p:nvPr>
+            <p:ph type="dt" idx="1"/>
+          </p:nvPr>
+        </p:nvSpPr>
+        <p:spPr>
+          <a:xfrm>
+            <a:off x="3884613" y="0"/>
+            <a:ext cx="2971800" cy="458788"/>
+          </a:xfrm>
+          <a:prstGeom prst="rect">
+            <a:avLst/>
+          </a:prstGeom>
+        </p:spPr>
+        <p:txBody>
+          <a:bodyPr vert="horz" lIns="91440" tIns="45720" rIns="91440" bIns="45720" rtlCol="0"/>
+          <a:lstStyle>
+            <a:lvl1pPr algn="r">
+              <a:defRPr sz="1200"/>
+            </a:lvl1pPr>
+          </a:lstStyle>
+          <a:p>
+            <a:fld id="{815E49A0-7CEB-7943-869A-FE8E8786D922}" type="datetimeFigureOut">
+              <a:rPr kumimoji="1" lang="zh-CN" altLang="en-US" smtClean="0"/>
+              <a:t>2020/9/28</a:t>
+            </a:fld>
+            <a:endParaRPr kumimoji="1" lang="zh-CN" altLang="en-US"/>
+          </a:p>
+        </p:txBody>
+      </p:sp>
+      <p:sp>
+        <p:nvSpPr>
+          <p:cNvPr id="4" name="幻灯片图像占位符 3"/>
+          <p:cNvSpPr>
+            <a:spLocks noGrp="1" noRot="1" noChangeAspect="1"/>
+          </p:cNvSpPr>
+          <p:nvPr>
+            <p:ph type="sldImg" idx="2"/>
+          </p:nvPr>
+        </p:nvSpPr>
+        <p:spPr>
+          <a:xfrm>
+            <a:off x="685800" y="1143000"/>
+            <a:ext cx="5486400" cy="3086100"/>
+          </a:xfrm>
+          <a:prstGeom prst="rect">
+            <a:avLst/>
+          </a:prstGeom>
+          <a:noFill/>
+          <a:ln w="12700">
+            <a:solidFill>
+              <a:prstClr val="black"/>
+            </a:solidFill>
+          </a:ln>
+        </p:spPr>
+        <p:txBody>
+          <a:bodyPr vert="horz" lIns="91440" tIns="45720" rIns="91440" bIns="45720" rtlCol="0" anchor="ctr"/>
+          <a:lstStyle/>
+          <a:p>
+            <a:endParaRPr lang="zh-CN" altLang="en-US"/>
+          </a:p>
+        </p:txBody>
+      </p:sp>
+      <p:sp>
+        <p:nvSpPr>
+          <p:cNvPr id="5" name="备注占位符 4"/>
+          <p:cNvSpPr>
+            <a:spLocks noGrp="1"/>
+          </p:cNvSpPr>
+          <p:nvPr>
+            <p:ph type="body" sz="quarter" idx="3"/>
+          </p:nvPr>
+        </p:nvSpPr>
+        <p:spPr>
+          <a:xfrm>
+            <a:off x="685800" y="4400550"/>
+            <a:ext cx="5486400" cy="3600450"/>
+          </a:xfrm>
+          <a:prstGeom prst="rect">
+            <a:avLst/>
+          </a:prstGeom>
+        </p:spPr>
+        <p:txBody>
+          <a:bodyPr vert="horz" lIns="91440" tIns="45720" rIns="91440" bIns="45720" rtlCol="0"/>
+          <a:lstStyle/>
+          <a:p>
+            <a:pPr lvl="0"/>
+            <a:r>
+              <a:rPr kumimoji="1" lang="zh-CN" altLang="en-US"/>
+              <a:t>单击此处编辑母版文本样式</a:t>
+            </a:r>
+          </a:p>
+          <a:p>
+            <a:pPr lvl="1"/>
+            <a:r>
+              <a:rPr kumimoji="1" lang="zh-CN" altLang="en-US"/>
+              <a:t>二级</a:t>
+            </a:r>
+          </a:p>
+          <a:p>
+            <a:pPr lvl="2"/>
+            <a:r>
+              <a:rPr kumimoji="1" lang="zh-CN" altLang="en-US"/>
+              <a:t>三级</a:t>
+            </a:r>
+          </a:p>
+          <a:p>
+            <a:pPr lvl="3"/>
+            <a:r>
+              <a:rPr kumimoji="1" lang="zh-CN" altLang="en-US"/>
+              <a:t>四级</a:t>
+            </a:r>
+          </a:p>
+          <a:p>
+            <a:pPr lvl="4"/>
+            <a:r>
+              <a:rPr kumimoji="1" lang="zh-CN" altLang="en-US"/>
+              <a:t>五级</a:t>
+            </a:r>
+          </a:p>
+        </p:txBody>
+      </p:sp>
+      <p:sp>
+        <p:nvSpPr>
+          <p:cNvPr id="6" name="页脚占位符 5"/>
+          <p:cNvSpPr>
+            <a:spLocks noGrp="1"/>
+          </p:cNvSpPr>
+          <p:nvPr>
+            <p:ph type="ftr" sz="quarter" idx="4"/>
+          </p:nvPr>
+        </p:nvSpPr>
+        <p:spPr>
+          <a:xfrm>
+            <a:off x="0" y="8685213"/>
+            <a:ext cx="2971800" cy="458787"/>
+          </a:xfrm>
+          <a:prstGeom prst="rect">
+            <a:avLst/>
+          </a:prstGeom>
+        </p:spPr>
+        <p:txBody>
+          <a:bodyPr vert="horz" lIns="91440" tIns="45720" rIns="91440" bIns="45720" rtlCol="0" anchor="b"/>
+          <a:lstStyle>
+            <a:lvl1pPr algn="l">
+              <a:defRPr sz="1200"/>
+            </a:lvl1pPr>
+          </a:lstStyle>
+          <a:p>
+            <a:endParaRPr kumimoji="1" lang="zh-CN" altLang="en-US"/>
+          </a:p>
+        </p:txBody>
+      </p:sp>
+      <p:sp>
+        <p:nvSpPr>
+          <p:cNvPr id="7" name="灯片编号占位符 6"/>
+          <p:cNvSpPr>
+            <a:spLocks noGrp="1"/>
+          </p:cNvSpPr>
+          <p:nvPr>
+            <p:ph type="sldNum" sz="quarter" idx="5"/>
+          </p:nvPr>
+        </p:nvSpPr>
+        <p:spPr>
+          <a:xfrm>
+            <a:off x="3884613" y="8685213"/>
+            <a:ext cx="2971800" cy="458787"/>
+          </a:xfrm>
+          <a:prstGeom prst="rect">
+            <a:avLst/>
+          </a:prstGeom>
+        </p:spPr>
+        <p:txBody>
+          <a:bodyPr vert="horz" lIns="91440" tIns="45720" rIns="91440" bIns="45720" rtlCol="0" anchor="b"/>
+          <a:lstStyle>
+            <a:lvl1pPr algn="r">
+              <a:defRPr sz="1200"/>
+            </a:lvl1pPr>
+          </a:lstStyle>
+          <a:p>
+            <a:fld id="{AEDBDEFF-0AC8-184C-92C7-22EEBC7EC6F4}" type="slidenum">
+              <a:rPr kumimoji="1" lang="zh-CN" altLang="en-US" smtClean="0"/>
+              <a:t>‹#›</a:t>
+            </a:fld>
+            <a:endParaRPr kumimoji="1" lang="zh-CN" altLang="en-US"/>
+          </a:p>
+        </p:txBody>
+      </p:sp>
+    </p:spTree>
+    <p:extLst>
+      <p:ext uri="{BB962C8B-B14F-4D97-AF65-F5344CB8AC3E}">
+        <p14:creationId xmlns:p14="http://schemas.microsoft.com/office/powerpoint/2010/main" val="2046266529"/>
+      </p:ext>
+    </p:extLst>
+  </p:cSld>
+  <p:clrMap bg1="lt1" tx1="dk1" bg2="lt2" tx2="dk2" accent1="accent1" accent2="accent2" accent3="accent3" accent4="accent4" accent5="accent5" accent6="accent6" hlink="hlink" folHlink="folHlink"/>
+  <p:notesStyle>
+    <a:lvl1pPr marL="0" algn="l" defTabSz="914400" rtl="0" eaLnBrk="1" latinLnBrk="0" hangingPunct="1">
+      <a:defRPr sz="1200" kern="1200">
+        <a:solidFill>
+          <a:schemeClr val="tx1"/>
+        </a:solidFill>
+        <a:latin typeface="+mn-lt"/>
+        <a:ea typeface="+mn-ea"/>
+        <a:cs typeface="+mn-cs"/>
+      </a:defRPr>
+    </a:lvl1pPr>
+    <a:lvl2pPr marL="457200" algn="l" defTabSz="914400" rtl="0" eaLnBrk="1" latinLnBrk="0" hangingPunct="1">
+      <a:defRPr sz="1200" kern="1200">
+        <a:solidFill>
+          <a:schemeClr val="tx1"/>
+        </a:solidFill>
+        <a:latin typeface="+mn-lt"/>
+        <a:ea typeface="+mn-ea"/>
+        <a:cs typeface="+mn-cs"/>
+      </a:defRPr>
+    </a:lvl2pPr>
+    <a:lvl3pPr marL="914400" algn="l" defTabSz="914400" rtl="0" eaLnBrk="1" latinLnBrk="0" hangingPunct="1">
+      <a:defRPr sz="1200" kern="1200">
+        <a:solidFill>
+          <a:schemeClr val="tx1"/>
+        </a:solidFill>
+        <a:latin typeface="+mn-lt"/>
+        <a:ea typeface="+mn-ea"/>
+        <a:cs typeface="+mn-cs"/>
+      </a:defRPr>
+    </a:lvl3pPr>
+    <a:lvl4pPr marL="1371600" algn="l" defTabSz="914400" rtl="0" eaLnBrk="1" latinLnBrk="0" hangingPunct="1">
+      <a:defRPr sz="1200" kern="1200">
+        <a:solidFill>
+          <a:schemeClr val="tx1"/>
+        </a:solidFill>
+        <a:latin typeface="+mn-lt"/>
+        <a:ea typeface="+mn-ea"/>
+        <a:cs typeface="+mn-cs"/>
+      </a:defRPr>
+    </a:lvl4pPr>
+    <a:lvl5pPr marL="1828800" algn="l" defTabSz="914400" rtl="0" eaLnBrk="1" latinLnBrk="0" hangingPunct="1">
+      <a:defRPr sz="1200" kern="1200">
+        <a:solidFill>
+          <a:schemeClr val="tx1"/>
+        </a:solidFill>
+        <a:latin typeface="+mn-lt"/>
+        <a:ea typeface="+mn-ea"/>
+        <a:cs typeface="+mn-cs"/>
+      </a:defRPr>
+    </a:lvl5pPr>
+    <a:lvl6pPr marL="2286000" algn="l" defTabSz="914400" rtl="0" eaLnBrk="1" latinLnBrk="0" hangingPunct="1">
+      <a:defRPr sz="1200" kern="1200">
+        <a:solidFill>
+          <a:schemeClr val="tx1"/>
+        </a:solidFill>
+        <a:latin typeface="+mn-lt"/>
+        <a:ea typeface="+mn-ea"/>
+        <a:cs typeface="+mn-cs"/>
+      </a:defRPr>
+    </a:lvl6pPr>
+    <a:lvl7pPr marL="2743200" algn="l" defTabSz="914400" rtl="0" eaLnBrk="1" latinLnBrk="0" hangingPunct="1">
+      <a:defRPr sz="1200" kern="1200">
+        <a:solidFill>
+          <a:schemeClr val="tx1"/>
+        </a:solidFill>
+        <a:latin typeface="+mn-lt"/>
+        <a:ea typeface="+mn-ea"/>
+        <a:cs typeface="+mn-cs"/>
+      </a:defRPr>
+    </a:lvl7pPr>
+    <a:lvl8pPr marL="3200400" algn="l" defTabSz="914400" rtl="0" eaLnBrk="1" latinLnBrk="0" hangingPunct="1">
+      <a:defRPr sz="1200" kern="1200">
+        <a:solidFill>
+          <a:schemeClr val="tx1"/>
+        </a:solidFill>
+        <a:latin typeface="+mn-lt"/>
+        <a:ea typeface="+mn-ea"/>
+        <a:cs typeface="+mn-cs"/>
+      </a:defRPr>
+    </a:lvl8pPr>
+    <a:lvl9pPr marL="3657600" algn="l" defTabSz="914400" rtl="0" eaLnBrk="1" latinLnBrk="0" hangingPunct="1">
+      <a:defRPr sz="1200" kern="1200">
+        <a:solidFill>
+          <a:schemeClr val="tx1"/>
+        </a:solidFill>
+        <a:latin typeface="+mn-lt"/>
+        <a:ea typeface="+mn-ea"/>
+        <a:cs typeface="+mn-cs"/>
+      </a:defRPr>
+    </a:lvl9pPr>
+  </p:notesStyle>
+</p:notesMaster>
+</file>
+
+<file path=ppt/notesSlides/notesSlide1.xml><?xml version="1.0" encoding="utf-8"?>
+<p:notes xmlns:a="http://schemas.openxmlformats.org/drawingml/2006/main" xmlns:r="http://schemas.openxmlformats.org/officeDocument/2006/relationships" xmlns:p="http://schemas.openxmlformats.org/presentationml/2006/main">
+  <p:cSld>
+    <p:spTree>
+      <p:nvGrpSpPr>
+        <p:cNvPr id="1" name=""/>
+        <p:cNvGrpSpPr/>
+        <p:nvPr/>
+      </p:nvGrpSpPr>
+      <p:grpSpPr>
+        <a:xfrm>
+          <a:off x="0" y="0"/>
+          <a:ext cx="0" cy="0"/>
+          <a:chOff x="0" y="0"/>
+          <a:chExt cx="0" cy="0"/>
+        </a:xfrm>
+      </p:grpSpPr>
+      <p:sp>
+        <p:nvSpPr>
+          <p:cNvPr id="2" name="幻灯片图像占位符 1"/>
+          <p:cNvSpPr>
+            <a:spLocks noGrp="1" noRot="1" noChangeAspect="1"/>
+          </p:cNvSpPr>
+          <p:nvPr>
+            <p:ph type="sldImg"/>
+          </p:nvPr>
+        </p:nvSpPr>
+        <p:spPr/>
+      </p:sp>
+      <p:sp>
+        <p:nvSpPr>
+          <p:cNvPr id="3" name="备注占位符 2"/>
+          <p:cNvSpPr>
+            <a:spLocks noGrp="1"/>
+          </p:cNvSpPr>
+          <p:nvPr>
+            <p:ph type="body" idx="1"/>
+          </p:nvPr>
+        </p:nvSpPr>
+        <p:spPr/>
+        <p:txBody>
+          <a:bodyPr/>
+          <a:lstStyle/>
+          <a:p>
+            <a:endParaRPr kumimoji="1" lang="zh-CN" altLang="en-US" dirty="0"/>
+          </a:p>
+        </p:txBody>
+      </p:sp>
+      <p:sp>
+        <p:nvSpPr>
+          <p:cNvPr id="4" name="灯片编号占位符 3"/>
+          <p:cNvSpPr>
+            <a:spLocks noGrp="1"/>
+          </p:cNvSpPr>
+          <p:nvPr>
+            <p:ph type="sldNum" sz="quarter" idx="5"/>
+          </p:nvPr>
+        </p:nvSpPr>
+        <p:spPr/>
+        <p:txBody>
+          <a:bodyPr/>
+          <a:lstStyle/>
+          <a:p>
+            <a:fld id="{AEDBDEFF-0AC8-184C-92C7-22EEBC7EC6F4}" type="slidenum">
+              <a:rPr kumimoji="1" lang="zh-CN" altLang="en-US" smtClean="0"/>
+              <a:t>7</a:t>
+            </a:fld>
+            <a:endParaRPr kumimoji="1" lang="zh-CN" altLang="en-US"/>
+          </a:p>
+        </p:txBody>
+      </p:sp>
+    </p:spTree>
+    <p:extLst>
+      <p:ext uri="{BB962C8B-B14F-4D97-AF65-F5344CB8AC3E}">
+        <p14:creationId xmlns:p14="http://schemas.microsoft.com/office/powerpoint/2010/main" val="702153992"/>
+      </p:ext>
+    </p:extLst>
+  </p:cSld>
+  <p:clrMapOvr>
+    <a:masterClrMapping/>
+  </p:clrMapOvr>
+</p:notes>
+</file>
+
+<file path=ppt/notesSlides/notesSlide2.xml><?xml version="1.0" encoding="utf-8"?>
+<p:notes xmlns:a="http://schemas.openxmlformats.org/drawingml/2006/main" xmlns:r="http://schemas.openxmlformats.org/officeDocument/2006/relationships" xmlns:p="http://schemas.openxmlformats.org/presentationml/2006/main">
+  <p:cSld>
+    <p:spTree>
+      <p:nvGrpSpPr>
+        <p:cNvPr id="1" name=""/>
+        <p:cNvGrpSpPr/>
+        <p:nvPr/>
+      </p:nvGrpSpPr>
+      <p:grpSpPr>
+        <a:xfrm>
+          <a:off x="0" y="0"/>
+          <a:ext cx="0" cy="0"/>
+          <a:chOff x="0" y="0"/>
+          <a:chExt cx="0" cy="0"/>
+        </a:xfrm>
+      </p:grpSpPr>
+      <p:sp>
+        <p:nvSpPr>
+          <p:cNvPr id="2" name="幻灯片图像占位符 1"/>
+          <p:cNvSpPr>
+            <a:spLocks noGrp="1" noRot="1" noChangeAspect="1"/>
+          </p:cNvSpPr>
+          <p:nvPr>
+            <p:ph type="sldImg"/>
+          </p:nvPr>
+        </p:nvSpPr>
+        <p:spPr/>
+      </p:sp>
+      <p:sp>
+        <p:nvSpPr>
+          <p:cNvPr id="3" name="备注占位符 2"/>
+          <p:cNvSpPr>
+            <a:spLocks noGrp="1"/>
+          </p:cNvSpPr>
+          <p:nvPr>
+            <p:ph type="body" idx="1"/>
+          </p:nvPr>
+        </p:nvSpPr>
+        <p:spPr/>
+        <p:txBody>
+          <a:bodyPr/>
+          <a:lstStyle/>
+          <a:p>
+            <a:endParaRPr kumimoji="1" lang="zh-CN" altLang="en-US" dirty="0"/>
+          </a:p>
+        </p:txBody>
+      </p:sp>
+      <p:sp>
+        <p:nvSpPr>
+          <p:cNvPr id="4" name="灯片编号占位符 3"/>
+          <p:cNvSpPr>
+            <a:spLocks noGrp="1"/>
+          </p:cNvSpPr>
+          <p:nvPr>
+            <p:ph type="sldNum" sz="quarter" idx="5"/>
+          </p:nvPr>
+        </p:nvSpPr>
+        <p:spPr/>
+        <p:txBody>
+          <a:bodyPr/>
+          <a:lstStyle/>
+          <a:p>
+            <a:fld id="{AEDBDEFF-0AC8-184C-92C7-22EEBC7EC6F4}" type="slidenum">
+              <a:rPr kumimoji="1" lang="zh-CN" altLang="en-US" smtClean="0"/>
+              <a:t>9</a:t>
+            </a:fld>
+            <a:endParaRPr kumimoji="1" lang="zh-CN" altLang="en-US"/>
+          </a:p>
+        </p:txBody>
+      </p:sp>
+    </p:spTree>
+    <p:extLst>
+      <p:ext uri="{BB962C8B-B14F-4D97-AF65-F5344CB8AC3E}">
+        <p14:creationId xmlns:p14="http://schemas.microsoft.com/office/powerpoint/2010/main" val="2253057496"/>
+      </p:ext>
+    </p:extLst>
+  </p:cSld>
+  <p:clrMapOvr>
+    <a:masterClrMapping/>
+  </p:clrMapOvr>
+</p:notes>
+</file>
+
+<file path=ppt/notesSlides/notesSlide3.xml><?xml version="1.0" encoding="utf-8"?>
+<p:notes xmlns:a="http://schemas.openxmlformats.org/drawingml/2006/main" xmlns:r="http://schemas.openxmlformats.org/officeDocument/2006/relationships" xmlns:p="http://schemas.openxmlformats.org/presentationml/2006/main">
+  <p:cSld>
+    <p:spTree>
+      <p:nvGrpSpPr>
+        <p:cNvPr id="1" name=""/>
+        <p:cNvGrpSpPr/>
+        <p:nvPr/>
+      </p:nvGrpSpPr>
+      <p:grpSpPr>
+        <a:xfrm>
+          <a:off x="0" y="0"/>
+          <a:ext cx="0" cy="0"/>
+          <a:chOff x="0" y="0"/>
+          <a:chExt cx="0" cy="0"/>
+        </a:xfrm>
+      </p:grpSpPr>
+      <p:sp>
+        <p:nvSpPr>
+          <p:cNvPr id="2" name="幻灯片图像占位符 1"/>
+          <p:cNvSpPr>
+            <a:spLocks noGrp="1" noRot="1" noChangeAspect="1"/>
+          </p:cNvSpPr>
+          <p:nvPr>
+            <p:ph type="sldImg"/>
+          </p:nvPr>
+        </p:nvSpPr>
+        <p:spPr/>
+      </p:sp>
+      <p:sp>
+        <p:nvSpPr>
+          <p:cNvPr id="3" name="备注占位符 2"/>
+          <p:cNvSpPr>
+            <a:spLocks noGrp="1"/>
+          </p:cNvSpPr>
+          <p:nvPr>
+            <p:ph type="body" idx="1"/>
+          </p:nvPr>
+        </p:nvSpPr>
+        <p:spPr/>
+        <p:txBody>
+          <a:bodyPr/>
+          <a:lstStyle/>
+          <a:p>
+            <a:endParaRPr kumimoji="1" lang="zh-CN" altLang="en-US" dirty="0"/>
+          </a:p>
+        </p:txBody>
+      </p:sp>
+      <p:sp>
+        <p:nvSpPr>
+          <p:cNvPr id="4" name="灯片编号占位符 3"/>
+          <p:cNvSpPr>
+            <a:spLocks noGrp="1"/>
+          </p:cNvSpPr>
+          <p:nvPr>
+            <p:ph type="sldNum" sz="quarter" idx="5"/>
+          </p:nvPr>
+        </p:nvSpPr>
+        <p:spPr/>
+        <p:txBody>
+          <a:bodyPr/>
+          <a:lstStyle/>
+          <a:p>
+            <a:fld id="{AEDBDEFF-0AC8-184C-92C7-22EEBC7EC6F4}" type="slidenum">
+              <a:rPr kumimoji="1" lang="zh-CN" altLang="en-US" smtClean="0"/>
+              <a:t>17</a:t>
+            </a:fld>
+            <a:endParaRPr kumimoji="1" lang="zh-CN" altLang="en-US"/>
+          </a:p>
+        </p:txBody>
+      </p:sp>
+    </p:spTree>
+    <p:extLst>
+      <p:ext uri="{BB962C8B-B14F-4D97-AF65-F5344CB8AC3E}">
+        <p14:creationId xmlns:p14="http://schemas.microsoft.com/office/powerpoint/2010/main" val="1469348623"/>
+      </p:ext>
+    </p:extLst>
+  </p:cSld>
+  <p:clrMapOvr>
+    <a:masterClrMapping/>
+  </p:clrMapOvr>
+</p:notes>
+</file>
+
 <file path=ppt/slideLayouts/slideLayout1.xml><?xml version="1.0" encoding="utf-8"?>
 <p:sldLayout xmlns:a="http://schemas.openxmlformats.org/drawingml/2006/main" xmlns:r="http://schemas.openxmlformats.org/officeDocument/2006/relationships" xmlns:p="http://schemas.openxmlformats.org/presentationml/2006/main" type="title" preserve="1">
   <p:cSld name="标题幻灯片">
@@ -265,7 +884,7 @@
           <a:p>
             <a:fld id="{82081F3E-35AF-425A-87E8-112B7AD6669B}" type="datetimeFigureOut">
               <a:rPr lang="zh-CN" altLang="en-US" smtClean="0"/>
-              <a:t>2020/9/27</a:t>
+              <a:t>2020/9/28</a:t>
             </a:fld>
             <a:endParaRPr lang="zh-CN" altLang="en-US"/>
           </a:p>
@@ -463,7 +1082,7 @@
           <a:p>
             <a:fld id="{82081F3E-35AF-425A-87E8-112B7AD6669B}" type="datetimeFigureOut">
               <a:rPr lang="zh-CN" altLang="en-US" smtClean="0"/>
-              <a:t>2020/9/27</a:t>
+              <a:t>2020/9/28</a:t>
             </a:fld>
             <a:endParaRPr lang="zh-CN" altLang="en-US"/>
           </a:p>
@@ -671,7 +1290,7 @@
           <a:p>
             <a:fld id="{82081F3E-35AF-425A-87E8-112B7AD6669B}" type="datetimeFigureOut">
               <a:rPr lang="zh-CN" altLang="en-US" smtClean="0"/>
-              <a:t>2020/9/27</a:t>
+              <a:t>2020/9/28</a:t>
             </a:fld>
             <a:endParaRPr lang="zh-CN" altLang="en-US"/>
           </a:p>
@@ -869,7 +1488,7 @@
           <a:p>
             <a:fld id="{82081F3E-35AF-425A-87E8-112B7AD6669B}" type="datetimeFigureOut">
               <a:rPr lang="zh-CN" altLang="en-US" smtClean="0"/>
-              <a:t>2020/9/27</a:t>
+              <a:t>2020/9/28</a:t>
             </a:fld>
             <a:endParaRPr lang="zh-CN" altLang="en-US"/>
           </a:p>
@@ -1144,7 +1763,7 @@
           <a:p>
             <a:fld id="{82081F3E-35AF-425A-87E8-112B7AD6669B}" type="datetimeFigureOut">
               <a:rPr lang="zh-CN" altLang="en-US" smtClean="0"/>
-              <a:t>2020/9/27</a:t>
+              <a:t>2020/9/28</a:t>
             </a:fld>
             <a:endParaRPr lang="zh-CN" altLang="en-US"/>
           </a:p>
@@ -1409,7 +2028,7 @@
           <a:p>
             <a:fld id="{82081F3E-35AF-425A-87E8-112B7AD6669B}" type="datetimeFigureOut">
               <a:rPr lang="zh-CN" altLang="en-US" smtClean="0"/>
-              <a:t>2020/9/27</a:t>
+              <a:t>2020/9/28</a:t>
             </a:fld>
             <a:endParaRPr lang="zh-CN" altLang="en-US"/>
           </a:p>
@@ -1821,7 +2440,7 @@
           <a:p>
             <a:fld id="{82081F3E-35AF-425A-87E8-112B7AD6669B}" type="datetimeFigureOut">
               <a:rPr lang="zh-CN" altLang="en-US" smtClean="0"/>
-              <a:t>2020/9/27</a:t>
+              <a:t>2020/9/28</a:t>
             </a:fld>
             <a:endParaRPr lang="zh-CN" altLang="en-US"/>
           </a:p>
@@ -1962,7 +2581,7 @@
           <a:p>
             <a:fld id="{82081F3E-35AF-425A-87E8-112B7AD6669B}" type="datetimeFigureOut">
               <a:rPr lang="zh-CN" altLang="en-US" smtClean="0"/>
-              <a:t>2020/9/27</a:t>
+              <a:t>2020/9/28</a:t>
             </a:fld>
             <a:endParaRPr lang="zh-CN" altLang="en-US"/>
           </a:p>
@@ -2075,7 +2694,7 @@
           <a:p>
             <a:fld id="{82081F3E-35AF-425A-87E8-112B7AD6669B}" type="datetimeFigureOut">
               <a:rPr lang="zh-CN" altLang="en-US" smtClean="0"/>
-              <a:t>2020/9/27</a:t>
+              <a:t>2020/9/28</a:t>
             </a:fld>
             <a:endParaRPr lang="zh-CN" altLang="en-US"/>
           </a:p>
@@ -2386,7 +3005,7 @@
           <a:p>
             <a:fld id="{82081F3E-35AF-425A-87E8-112B7AD6669B}" type="datetimeFigureOut">
               <a:rPr lang="zh-CN" altLang="en-US" smtClean="0"/>
-              <a:t>2020/9/27</a:t>
+              <a:t>2020/9/28</a:t>
             </a:fld>
             <a:endParaRPr lang="zh-CN" altLang="en-US"/>
           </a:p>
@@ -2674,7 +3293,7 @@
           <a:p>
             <a:fld id="{82081F3E-35AF-425A-87E8-112B7AD6669B}" type="datetimeFigureOut">
               <a:rPr lang="zh-CN" altLang="en-US" smtClean="0"/>
-              <a:t>2020/9/27</a:t>
+              <a:t>2020/9/28</a:t>
             </a:fld>
             <a:endParaRPr lang="zh-CN" altLang="en-US"/>
           </a:p>
@@ -2915,7 +3534,7 @@
           <a:p>
             <a:fld id="{82081F3E-35AF-425A-87E8-112B7AD6669B}" type="datetimeFigureOut">
               <a:rPr lang="zh-CN" altLang="en-US" smtClean="0"/>
-              <a:t>2020/9/27</a:t>
+              <a:t>2020/9/28</a:t>
             </a:fld>
             <a:endParaRPr lang="zh-CN" altLang="en-US"/>
           </a:p>
@@ -3406,6 +4025,1962 @@
 </p:sld>
 </file>
 
+<file path=ppt/slides/slide10.xml><?xml version="1.0" encoding="utf-8"?>
+<p:sld xmlns:a="http://schemas.openxmlformats.org/drawingml/2006/main" xmlns:r="http://schemas.openxmlformats.org/officeDocument/2006/relationships" xmlns:p="http://schemas.openxmlformats.org/presentationml/2006/main">
+  <p:cSld>
+    <p:spTree>
+      <p:nvGrpSpPr>
+        <p:cNvPr id="1" name=""/>
+        <p:cNvGrpSpPr/>
+        <p:nvPr/>
+      </p:nvGrpSpPr>
+      <p:grpSpPr>
+        <a:xfrm>
+          <a:off x="0" y="0"/>
+          <a:ext cx="0" cy="0"/>
+          <a:chOff x="0" y="0"/>
+          <a:chExt cx="0" cy="0"/>
+        </a:xfrm>
+      </p:grpSpPr>
+      <p:sp>
+        <p:nvSpPr>
+          <p:cNvPr id="2" name="标题 1">
+            <a:extLst>
+              <a:ext uri="{FF2B5EF4-FFF2-40B4-BE49-F238E27FC236}">
+                <a16:creationId xmlns:a16="http://schemas.microsoft.com/office/drawing/2014/main" id="{2ED9A50A-A9D5-6A46-B68E-E18704DD315B}"/>
+              </a:ext>
+            </a:extLst>
+          </p:cNvPr>
+          <p:cNvSpPr>
+            <a:spLocks noGrp="1"/>
+          </p:cNvSpPr>
+          <p:nvPr>
+            <p:ph type="title"/>
+          </p:nvPr>
+        </p:nvSpPr>
+        <p:spPr/>
+        <p:txBody>
+          <a:bodyPr/>
+          <a:lstStyle/>
+          <a:p>
+            <a:r>
+              <a:rPr kumimoji="1" lang="zh-CN" altLang="en-US" dirty="0"/>
+              <a:t>规律</a:t>
+            </a:r>
+          </a:p>
+        </p:txBody>
+      </p:sp>
+      <mc:AlternateContent xmlns:mc="http://schemas.openxmlformats.org/markup-compatibility/2006">
+        <mc:Choice xmlns:a14="http://schemas.microsoft.com/office/drawing/2010/main" Requires="a14">
+          <p:sp>
+            <p:nvSpPr>
+              <p:cNvPr id="3" name="内容占位符 2">
+                <a:extLst>
+                  <a:ext uri="{FF2B5EF4-FFF2-40B4-BE49-F238E27FC236}">
+                    <a16:creationId xmlns:a16="http://schemas.microsoft.com/office/drawing/2014/main" id="{0F7B9527-49EC-964C-AEEF-B150186CC701}"/>
+                  </a:ext>
+                </a:extLst>
+              </p:cNvPr>
+              <p:cNvSpPr>
+                <a:spLocks noGrp="1"/>
+              </p:cNvSpPr>
+              <p:nvPr>
+                <p:ph idx="1"/>
+              </p:nvPr>
+            </p:nvSpPr>
+            <p:spPr/>
+            <p:txBody>
+              <a:bodyPr/>
+              <a:lstStyle/>
+              <a:p>
+                <a:r>
+                  <a:rPr kumimoji="1" lang="zh-CN" altLang="en-US" dirty="0"/>
+                  <a:t>核心思想是什么？</a:t>
+                </a:r>
+                <a:endParaRPr kumimoji="1" lang="en-US" altLang="zh-CN" dirty="0"/>
+              </a:p>
+              <a:p>
+                <a:pPr lvl="1"/>
+                <a14:m>
+                  <m:oMath xmlns:m="http://schemas.openxmlformats.org/officeDocument/2006/math">
+                    <m:r>
+                      <a:rPr lang="en-US" altLang="zh-CN" i="1">
+                        <a:latin typeface="Cambria Math" panose="02040503050406030204" pitchFamily="18" charset="0"/>
+                      </a:rPr>
+                      <m:t>𝐿</m:t>
+                    </m:r>
+                    <m:d>
+                      <m:dPr>
+                        <m:ctrlPr>
+                          <a:rPr lang="zh-CN" altLang="zh-CN" i="1">
+                            <a:latin typeface="Cambria Math" panose="02040503050406030204" pitchFamily="18" charset="0"/>
+                          </a:rPr>
+                        </m:ctrlPr>
+                      </m:dPr>
+                      <m:e>
+                        <m:r>
+                          <a:rPr lang="en-US" altLang="zh-CN" i="1">
+                            <a:latin typeface="Cambria Math" panose="02040503050406030204" pitchFamily="18" charset="0"/>
+                          </a:rPr>
+                          <m:t>𝜃</m:t>
+                        </m:r>
+                      </m:e>
+                    </m:d>
+                    <m:r>
+                      <a:rPr lang="en-US" altLang="zh-CN" i="1">
+                        <a:latin typeface="Cambria Math" panose="02040503050406030204" pitchFamily="18" charset="0"/>
+                      </a:rPr>
+                      <m:t>=</m:t>
+                    </m:r>
+                    <m:sSub>
+                      <m:sSubPr>
+                        <m:ctrlPr>
+                          <a:rPr lang="zh-CN" altLang="zh-CN" i="1">
+                            <a:latin typeface="Cambria Math" panose="02040503050406030204" pitchFamily="18" charset="0"/>
+                          </a:rPr>
+                        </m:ctrlPr>
+                      </m:sSubPr>
+                      <m:e>
+                        <m:r>
+                          <a:rPr lang="en-US" altLang="zh-CN" i="1">
+                            <a:latin typeface="Cambria Math" panose="02040503050406030204" pitchFamily="18" charset="0"/>
+                          </a:rPr>
+                          <m:t>𝐿</m:t>
+                        </m:r>
+                      </m:e>
+                      <m:sub>
+                        <m:r>
+                          <a:rPr lang="en-US" altLang="zh-CN" i="1">
+                            <a:latin typeface="Cambria Math" panose="02040503050406030204" pitchFamily="18" charset="0"/>
+                          </a:rPr>
+                          <m:t>𝐵</m:t>
+                        </m:r>
+                      </m:sub>
+                    </m:sSub>
+                    <m:d>
+                      <m:dPr>
+                        <m:ctrlPr>
+                          <a:rPr lang="zh-CN" altLang="zh-CN" i="1">
+                            <a:latin typeface="Cambria Math" panose="02040503050406030204" pitchFamily="18" charset="0"/>
+                          </a:rPr>
+                        </m:ctrlPr>
+                      </m:dPr>
+                      <m:e>
+                        <m:r>
+                          <a:rPr lang="en-US" altLang="zh-CN" i="1">
+                            <a:latin typeface="Cambria Math" panose="02040503050406030204" pitchFamily="18" charset="0"/>
+                          </a:rPr>
+                          <m:t>𝜃</m:t>
+                        </m:r>
+                      </m:e>
+                    </m:d>
+                    <m:r>
+                      <a:rPr lang="en-US" altLang="zh-CN" i="1">
+                        <a:latin typeface="Cambria Math" panose="02040503050406030204" pitchFamily="18" charset="0"/>
+                      </a:rPr>
+                      <m:t>+ </m:t>
+                    </m:r>
+                    <m:nary>
+                      <m:naryPr>
+                        <m:chr m:val="∑"/>
+                        <m:limLoc m:val="undOvr"/>
+                        <m:supHide m:val="on"/>
+                        <m:ctrlPr>
+                          <a:rPr lang="zh-CN" altLang="zh-CN" i="1">
+                            <a:latin typeface="Cambria Math" panose="02040503050406030204" pitchFamily="18" charset="0"/>
+                          </a:rPr>
+                        </m:ctrlPr>
+                      </m:naryPr>
+                      <m:sub>
+                        <m:r>
+                          <a:rPr lang="en-US" altLang="zh-CN" i="1">
+                            <a:latin typeface="Cambria Math" panose="02040503050406030204" pitchFamily="18" charset="0"/>
+                          </a:rPr>
+                          <m:t>𝑖</m:t>
+                        </m:r>
+                      </m:sub>
+                      <m:sup/>
+                      <m:e>
+                        <m:f>
+                          <m:fPr>
+                            <m:ctrlPr>
+                              <a:rPr lang="zh-CN" altLang="zh-CN" i="1">
+                                <a:latin typeface="Cambria Math" panose="02040503050406030204" pitchFamily="18" charset="0"/>
+                              </a:rPr>
+                            </m:ctrlPr>
+                          </m:fPr>
+                          <m:num>
+                            <m:r>
+                              <a:rPr lang="en-US" altLang="zh-CN" i="1">
+                                <a:latin typeface="Cambria Math" panose="02040503050406030204" pitchFamily="18" charset="0"/>
+                              </a:rPr>
+                              <m:t>𝜆</m:t>
+                            </m:r>
+                          </m:num>
+                          <m:den>
+                            <m:r>
+                              <a:rPr lang="en-US" altLang="zh-CN" i="1">
+                                <a:latin typeface="Cambria Math" panose="02040503050406030204" pitchFamily="18" charset="0"/>
+                              </a:rPr>
+                              <m:t>2</m:t>
+                            </m:r>
+                          </m:den>
+                        </m:f>
+                        <m:sSup>
+                          <m:sSupPr>
+                            <m:ctrlPr>
+                              <a:rPr lang="zh-CN" altLang="zh-CN" i="1">
+                                <a:latin typeface="Cambria Math" panose="02040503050406030204" pitchFamily="18" charset="0"/>
+                              </a:rPr>
+                            </m:ctrlPr>
+                          </m:sSupPr>
+                          <m:e>
+                            <m:sSub>
+                              <m:sSubPr>
+                                <m:ctrlPr>
+                                  <a:rPr lang="zh-CN" altLang="zh-CN" i="1">
+                                    <a:latin typeface="Cambria Math" panose="02040503050406030204" pitchFamily="18" charset="0"/>
+                                  </a:rPr>
+                                </m:ctrlPr>
+                              </m:sSubPr>
+                              <m:e>
+                                <m:r>
+                                  <a:rPr lang="en-US" altLang="zh-CN" i="1">
+                                    <a:latin typeface="Cambria Math" panose="02040503050406030204" pitchFamily="18" charset="0"/>
+                                  </a:rPr>
+                                  <m:t>𝐹</m:t>
+                                </m:r>
+                              </m:e>
+                              <m:sub>
+                                <m:r>
+                                  <a:rPr lang="en-US" altLang="zh-CN" i="1">
+                                    <a:latin typeface="Cambria Math" panose="02040503050406030204" pitchFamily="18" charset="0"/>
+                                  </a:rPr>
+                                  <m:t>𝑖</m:t>
+                                </m:r>
+                              </m:sub>
+                            </m:sSub>
+                            <m:r>
+                              <a:rPr lang="en-US" altLang="zh-CN" i="1">
+                                <a:latin typeface="Cambria Math" panose="02040503050406030204" pitchFamily="18" charset="0"/>
+                              </a:rPr>
+                              <m:t>(</m:t>
+                            </m:r>
+                            <m:sSub>
+                              <m:sSubPr>
+                                <m:ctrlPr>
+                                  <a:rPr lang="zh-CN" altLang="zh-CN" i="1">
+                                    <a:latin typeface="Cambria Math" panose="02040503050406030204" pitchFamily="18" charset="0"/>
+                                  </a:rPr>
+                                </m:ctrlPr>
+                              </m:sSubPr>
+                              <m:e>
+                                <m:r>
+                                  <a:rPr lang="en-US" altLang="zh-CN" i="1">
+                                    <a:latin typeface="Cambria Math" panose="02040503050406030204" pitchFamily="18" charset="0"/>
+                                  </a:rPr>
+                                  <m:t>𝜃</m:t>
+                                </m:r>
+                              </m:e>
+                              <m:sub>
+                                <m:r>
+                                  <a:rPr lang="en-US" altLang="zh-CN" i="1">
+                                    <a:latin typeface="Cambria Math" panose="02040503050406030204" pitchFamily="18" charset="0"/>
+                                  </a:rPr>
+                                  <m:t>𝑖</m:t>
+                                </m:r>
+                              </m:sub>
+                            </m:sSub>
+                            <m:r>
+                              <a:rPr lang="en-US" altLang="zh-CN" i="1">
+                                <a:latin typeface="Cambria Math" panose="02040503050406030204" pitchFamily="18" charset="0"/>
+                              </a:rPr>
+                              <m:t>−</m:t>
+                            </m:r>
+                            <m:sSub>
+                              <m:sSubPr>
+                                <m:ctrlPr>
+                                  <a:rPr lang="zh-CN" altLang="zh-CN" i="1">
+                                    <a:latin typeface="Cambria Math" panose="02040503050406030204" pitchFamily="18" charset="0"/>
+                                  </a:rPr>
+                                </m:ctrlPr>
+                              </m:sSubPr>
+                              <m:e>
+                                <m:r>
+                                  <a:rPr lang="en-US" altLang="zh-CN" i="1">
+                                    <a:latin typeface="Cambria Math" panose="02040503050406030204" pitchFamily="18" charset="0"/>
+                                  </a:rPr>
+                                  <m:t>𝜃</m:t>
+                                </m:r>
+                              </m:e>
+                              <m:sub>
+                                <m:r>
+                                  <a:rPr lang="en-US" altLang="zh-CN" i="1">
+                                    <a:latin typeface="Cambria Math" panose="02040503050406030204" pitchFamily="18" charset="0"/>
+                                  </a:rPr>
+                                  <m:t>𝐴</m:t>
+                                </m:r>
+                                <m:r>
+                                  <a:rPr lang="en-US" altLang="zh-CN" i="1">
+                                    <a:latin typeface="Cambria Math" panose="02040503050406030204" pitchFamily="18" charset="0"/>
+                                  </a:rPr>
+                                  <m:t>, </m:t>
+                                </m:r>
+                                <m:r>
+                                  <a:rPr lang="en-US" altLang="zh-CN" i="1">
+                                    <a:latin typeface="Cambria Math" panose="02040503050406030204" pitchFamily="18" charset="0"/>
+                                  </a:rPr>
+                                  <m:t>𝑖</m:t>
+                                </m:r>
+                              </m:sub>
+                            </m:sSub>
+                            <m:r>
+                              <a:rPr lang="en-US" altLang="zh-CN" i="1">
+                                <a:latin typeface="Cambria Math" panose="02040503050406030204" pitchFamily="18" charset="0"/>
+                              </a:rPr>
+                              <m:t>)</m:t>
+                            </m:r>
+                          </m:e>
+                          <m:sup>
+                            <m:r>
+                              <a:rPr lang="en-US" altLang="zh-CN" i="1">
+                                <a:latin typeface="Cambria Math" panose="02040503050406030204" pitchFamily="18" charset="0"/>
+                              </a:rPr>
+                              <m:t>2</m:t>
+                            </m:r>
+                          </m:sup>
+                        </m:sSup>
+                      </m:e>
+                    </m:nary>
+                  </m:oMath>
+                </a14:m>
+                <a:endParaRPr kumimoji="1" lang="en-US" altLang="zh-CN" dirty="0"/>
+              </a:p>
+              <a:p>
+                <a:r>
+                  <a:rPr kumimoji="1" lang="zh-CN" altLang="en-US" dirty="0"/>
+                  <a:t>约束梯度的方向！</a:t>
+                </a:r>
+                <a:endParaRPr kumimoji="1" lang="en-US" altLang="zh-CN" dirty="0"/>
+              </a:p>
+              <a:p>
+                <a:endParaRPr kumimoji="1" lang="zh-CN" altLang="en-US" dirty="0"/>
+              </a:p>
+            </p:txBody>
+          </p:sp>
+        </mc:Choice>
+        <mc:Fallback>
+          <p:sp>
+            <p:nvSpPr>
+              <p:cNvPr id="3" name="内容占位符 2">
+                <a:extLst>
+                  <a:ext uri="{FF2B5EF4-FFF2-40B4-BE49-F238E27FC236}">
+                    <a16:creationId xmlns:a16="http://schemas.microsoft.com/office/drawing/2014/main" id="{0F7B9527-49EC-964C-AEEF-B150186CC701}"/>
+                  </a:ext>
+                </a:extLst>
+              </p:cNvPr>
+              <p:cNvSpPr>
+                <a:spLocks noGrp="1" noRot="1" noChangeAspect="1" noMove="1" noResize="1" noEditPoints="1" noAdjustHandles="1" noChangeArrowheads="1" noChangeShapeType="1" noTextEdit="1"/>
+              </p:cNvSpPr>
+              <p:nvPr>
+                <p:ph idx="1"/>
+              </p:nvPr>
+            </p:nvSpPr>
+            <p:spPr>
+              <a:blipFill>
+                <a:blip r:embed="rId2"/>
+                <a:stretch>
+                  <a:fillRect l="-965" t="-2632"/>
+                </a:stretch>
+              </a:blipFill>
+            </p:spPr>
+            <p:txBody>
+              <a:bodyPr/>
+              <a:lstStyle/>
+              <a:p>
+                <a:r>
+                  <a:rPr lang="zh-CN" altLang="en-US">
+                    <a:noFill/>
+                  </a:rPr>
+                  <a:t> </a:t>
+                </a:r>
+              </a:p>
+            </p:txBody>
+          </p:sp>
+        </mc:Fallback>
+      </mc:AlternateContent>
+      <p:sp>
+        <p:nvSpPr>
+          <p:cNvPr id="4" name="框架 3">
+            <a:extLst>
+              <a:ext uri="{FF2B5EF4-FFF2-40B4-BE49-F238E27FC236}">
+                <a16:creationId xmlns:a16="http://schemas.microsoft.com/office/drawing/2014/main" id="{BC7D37F7-D6FC-CE49-88FF-E451B9325FF0}"/>
+              </a:ext>
+            </a:extLst>
+          </p:cNvPr>
+          <p:cNvSpPr/>
+          <p:nvPr/>
+        </p:nvSpPr>
+        <p:spPr>
+          <a:xfrm>
+            <a:off x="3671891" y="2200277"/>
+            <a:ext cx="2628900" cy="700088"/>
+          </a:xfrm>
+          <a:prstGeom prst="frame">
+            <a:avLst/>
+          </a:prstGeom>
+          <a:solidFill>
+            <a:srgbClr val="FF0000"/>
+          </a:solidFill>
+        </p:spPr>
+        <p:style>
+          <a:lnRef idx="2">
+            <a:schemeClr val="accent6"/>
+          </a:lnRef>
+          <a:fillRef idx="1">
+            <a:schemeClr val="lt1"/>
+          </a:fillRef>
+          <a:effectRef idx="0">
+            <a:schemeClr val="accent6"/>
+          </a:effectRef>
+          <a:fontRef idx="minor">
+            <a:schemeClr val="dk1"/>
+          </a:fontRef>
+        </p:style>
+        <p:txBody>
+          <a:bodyPr rtlCol="0" anchor="ctr"/>
+          <a:lstStyle/>
+          <a:p>
+            <a:pPr algn="ctr"/>
+            <a:endParaRPr kumimoji="1" lang="zh-CN" altLang="en-US">
+              <a:solidFill>
+                <a:schemeClr val="tx1"/>
+              </a:solidFill>
+            </a:endParaRPr>
+          </a:p>
+        </p:txBody>
+      </p:sp>
+    </p:spTree>
+    <p:extLst>
+      <p:ext uri="{BB962C8B-B14F-4D97-AF65-F5344CB8AC3E}">
+        <p14:creationId xmlns:p14="http://schemas.microsoft.com/office/powerpoint/2010/main" val="361340072"/>
+      </p:ext>
+    </p:extLst>
+  </p:cSld>
+  <p:clrMapOvr>
+    <a:masterClrMapping/>
+  </p:clrMapOvr>
+</p:sld>
+</file>
+
+<file path=ppt/slides/slide11.xml><?xml version="1.0" encoding="utf-8"?>
+<p:sld xmlns:a="http://schemas.openxmlformats.org/drawingml/2006/main" xmlns:r="http://schemas.openxmlformats.org/officeDocument/2006/relationships" xmlns:p="http://schemas.openxmlformats.org/presentationml/2006/main">
+  <p:cSld>
+    <p:spTree>
+      <p:nvGrpSpPr>
+        <p:cNvPr id="1" name=""/>
+        <p:cNvGrpSpPr/>
+        <p:nvPr/>
+      </p:nvGrpSpPr>
+      <p:grpSpPr>
+        <a:xfrm>
+          <a:off x="0" y="0"/>
+          <a:ext cx="0" cy="0"/>
+          <a:chOff x="0" y="0"/>
+          <a:chExt cx="0" cy="0"/>
+        </a:xfrm>
+      </p:grpSpPr>
+      <p:sp>
+        <p:nvSpPr>
+          <p:cNvPr id="2" name="标题 1">
+            <a:extLst>
+              <a:ext uri="{FF2B5EF4-FFF2-40B4-BE49-F238E27FC236}">
+                <a16:creationId xmlns:a16="http://schemas.microsoft.com/office/drawing/2014/main" id="{DD6F34A1-CCF7-0143-976C-510E9AAA66FD}"/>
+              </a:ext>
+            </a:extLst>
+          </p:cNvPr>
+          <p:cNvSpPr>
+            <a:spLocks noGrp="1"/>
+          </p:cNvSpPr>
+          <p:nvPr>
+            <p:ph type="title"/>
+          </p:nvPr>
+        </p:nvSpPr>
+        <p:spPr>
+          <a:xfrm>
+            <a:off x="338138" y="0"/>
+            <a:ext cx="10515600" cy="1325563"/>
+          </a:xfrm>
+        </p:spPr>
+        <p:txBody>
+          <a:bodyPr/>
+          <a:lstStyle/>
+          <a:p>
+            <a:r>
+              <a:rPr lang="en" altLang="zh-CN" dirty="0"/>
+              <a:t>Learning without Forgetting</a:t>
+            </a:r>
+            <a:endParaRPr kumimoji="1" lang="zh-CN" altLang="en-US" dirty="0"/>
+          </a:p>
+        </p:txBody>
+      </p:sp>
+      <p:pic>
+        <p:nvPicPr>
+          <p:cNvPr id="5" name="图片 4">
+            <a:extLst>
+              <a:ext uri="{FF2B5EF4-FFF2-40B4-BE49-F238E27FC236}">
+                <a16:creationId xmlns:a16="http://schemas.microsoft.com/office/drawing/2014/main" id="{D16DB2EF-0046-B741-B60C-51461D7E59D5}"/>
+              </a:ext>
+            </a:extLst>
+          </p:cNvPr>
+          <p:cNvPicPr>
+            <a:picLocks noChangeAspect="1"/>
+          </p:cNvPicPr>
+          <p:nvPr/>
+        </p:nvPicPr>
+        <p:blipFill>
+          <a:blip r:embed="rId2"/>
+          <a:stretch>
+            <a:fillRect/>
+          </a:stretch>
+        </p:blipFill>
+        <p:spPr>
+          <a:xfrm>
+            <a:off x="1843087" y="1248583"/>
+            <a:ext cx="8158163" cy="5609417"/>
+          </a:xfrm>
+          <a:prstGeom prst="rect">
+            <a:avLst/>
+          </a:prstGeom>
+        </p:spPr>
+      </p:pic>
+    </p:spTree>
+    <p:extLst>
+      <p:ext uri="{BB962C8B-B14F-4D97-AF65-F5344CB8AC3E}">
+        <p14:creationId xmlns:p14="http://schemas.microsoft.com/office/powerpoint/2010/main" val="1385193961"/>
+      </p:ext>
+    </p:extLst>
+  </p:cSld>
+  <p:clrMapOvr>
+    <a:masterClrMapping/>
+  </p:clrMapOvr>
+</p:sld>
+</file>
+
+<file path=ppt/slides/slide12.xml><?xml version="1.0" encoding="utf-8"?>
+<p:sld xmlns:a="http://schemas.openxmlformats.org/drawingml/2006/main" xmlns:r="http://schemas.openxmlformats.org/officeDocument/2006/relationships" xmlns:p="http://schemas.openxmlformats.org/presentationml/2006/main">
+  <p:cSld>
+    <p:spTree>
+      <p:nvGrpSpPr>
+        <p:cNvPr id="1" name=""/>
+        <p:cNvGrpSpPr/>
+        <p:nvPr/>
+      </p:nvGrpSpPr>
+      <p:grpSpPr>
+        <a:xfrm>
+          <a:off x="0" y="0"/>
+          <a:ext cx="0" cy="0"/>
+          <a:chOff x="0" y="0"/>
+          <a:chExt cx="0" cy="0"/>
+        </a:xfrm>
+      </p:grpSpPr>
+      <p:sp>
+        <p:nvSpPr>
+          <p:cNvPr id="2" name="标题 1">
+            <a:extLst>
+              <a:ext uri="{FF2B5EF4-FFF2-40B4-BE49-F238E27FC236}">
+                <a16:creationId xmlns:a16="http://schemas.microsoft.com/office/drawing/2014/main" id="{DD6F34A1-CCF7-0143-976C-510E9AAA66FD}"/>
+              </a:ext>
+            </a:extLst>
+          </p:cNvPr>
+          <p:cNvSpPr>
+            <a:spLocks noGrp="1"/>
+          </p:cNvSpPr>
+          <p:nvPr>
+            <p:ph type="title"/>
+          </p:nvPr>
+        </p:nvSpPr>
+        <p:spPr/>
+        <p:txBody>
+          <a:bodyPr/>
+          <a:lstStyle/>
+          <a:p>
+            <a:r>
+              <a:rPr lang="en" altLang="zh-CN" dirty="0"/>
+              <a:t>Learning without Forgetting</a:t>
+            </a:r>
+            <a:endParaRPr kumimoji="1" lang="zh-CN" altLang="en-US" dirty="0"/>
+          </a:p>
+        </p:txBody>
+      </p:sp>
+      <mc:AlternateContent xmlns:mc="http://schemas.openxmlformats.org/markup-compatibility/2006">
+        <mc:Choice xmlns:a14="http://schemas.microsoft.com/office/drawing/2010/main" Requires="a14">
+          <p:sp>
+            <p:nvSpPr>
+              <p:cNvPr id="3" name="内容占位符 2">
+                <a:extLst>
+                  <a:ext uri="{FF2B5EF4-FFF2-40B4-BE49-F238E27FC236}">
+                    <a16:creationId xmlns:a16="http://schemas.microsoft.com/office/drawing/2014/main" id="{E3F7EBF0-1E79-1F4E-A670-363547308DFD}"/>
+                  </a:ext>
+                </a:extLst>
+              </p:cNvPr>
+              <p:cNvSpPr>
+                <a:spLocks noGrp="1"/>
+              </p:cNvSpPr>
+              <p:nvPr>
+                <p:ph idx="1"/>
+              </p:nvPr>
+            </p:nvSpPr>
+            <p:spPr/>
+            <p:txBody>
+              <a:bodyPr/>
+              <a:lstStyle/>
+              <a:p>
+                <a:r>
+                  <a:rPr kumimoji="1" lang="zh-CN" altLang="en-US" dirty="0"/>
+                  <a:t>知识蒸馏</a:t>
+                </a:r>
+                <a:endParaRPr kumimoji="1" lang="en-US" altLang="zh-CN" dirty="0"/>
+              </a:p>
+              <a:p>
+                <a:endParaRPr kumimoji="1" lang="en-US" altLang="zh-CN" dirty="0"/>
+              </a:p>
+              <a:p>
+                <a14:m>
+                  <m:oMath xmlns:m="http://schemas.openxmlformats.org/officeDocument/2006/math">
+                    <m:r>
+                      <a:rPr lang="en-US" altLang="zh-CN" i="1">
+                        <a:latin typeface="Cambria Math" panose="02040503050406030204" pitchFamily="18" charset="0"/>
+                      </a:rPr>
+                      <m:t>𝐿</m:t>
+                    </m:r>
+                    <m:d>
+                      <m:dPr>
+                        <m:ctrlPr>
+                          <a:rPr lang="zh-CN" altLang="zh-CN" i="1">
+                            <a:latin typeface="Cambria Math" panose="02040503050406030204" pitchFamily="18" charset="0"/>
+                          </a:rPr>
+                        </m:ctrlPr>
+                      </m:dPr>
+                      <m:e>
+                        <m:r>
+                          <a:rPr lang="en-US" altLang="zh-CN" i="1">
+                            <a:latin typeface="Cambria Math" panose="02040503050406030204" pitchFamily="18" charset="0"/>
+                          </a:rPr>
+                          <m:t>𝜃</m:t>
+                        </m:r>
+                      </m:e>
+                    </m:d>
+                    <m:r>
+                      <a:rPr lang="en-US" altLang="zh-CN" i="1">
+                        <a:latin typeface="Cambria Math" panose="02040503050406030204" pitchFamily="18" charset="0"/>
+                      </a:rPr>
+                      <m:t>=</m:t>
+                    </m:r>
+                    <m:sSub>
+                      <m:sSubPr>
+                        <m:ctrlPr>
+                          <a:rPr lang="zh-CN" altLang="zh-CN" i="1">
+                            <a:latin typeface="Cambria Math" panose="02040503050406030204" pitchFamily="18" charset="0"/>
+                          </a:rPr>
+                        </m:ctrlPr>
+                      </m:sSubPr>
+                      <m:e>
+                        <m:r>
+                          <a:rPr lang="en-US" altLang="zh-CN" i="1">
+                            <a:latin typeface="Cambria Math" panose="02040503050406030204" pitchFamily="18" charset="0"/>
+                          </a:rPr>
+                          <m:t>𝐿</m:t>
+                        </m:r>
+                      </m:e>
+                      <m:sub>
+                        <m:r>
+                          <a:rPr lang="en-US" altLang="zh-CN" i="1">
+                            <a:latin typeface="Cambria Math" panose="02040503050406030204" pitchFamily="18" charset="0"/>
+                          </a:rPr>
+                          <m:t>𝐵</m:t>
+                        </m:r>
+                      </m:sub>
+                    </m:sSub>
+                    <m:d>
+                      <m:dPr>
+                        <m:ctrlPr>
+                          <a:rPr lang="zh-CN" altLang="zh-CN" i="1">
+                            <a:latin typeface="Cambria Math" panose="02040503050406030204" pitchFamily="18" charset="0"/>
+                          </a:rPr>
+                        </m:ctrlPr>
+                      </m:dPr>
+                      <m:e>
+                        <m:r>
+                          <a:rPr lang="en-US" altLang="zh-CN" i="1">
+                            <a:latin typeface="Cambria Math" panose="02040503050406030204" pitchFamily="18" charset="0"/>
+                          </a:rPr>
+                          <m:t>𝜃</m:t>
+                        </m:r>
+                      </m:e>
+                    </m:d>
+                    <m:r>
+                      <a:rPr lang="en-US" altLang="zh-CN" i="1">
+                        <a:latin typeface="Cambria Math" panose="02040503050406030204" pitchFamily="18" charset="0"/>
+                      </a:rPr>
+                      <m:t>+</m:t>
+                    </m:r>
+                    <m:sSub>
+                      <m:sSubPr>
+                        <m:ctrlPr>
+                          <a:rPr lang="zh-CN" altLang="zh-CN" i="1">
+                            <a:latin typeface="Cambria Math" panose="02040503050406030204" pitchFamily="18" charset="0"/>
+                          </a:rPr>
+                        </m:ctrlPr>
+                      </m:sSubPr>
+                      <m:e>
+                        <m:r>
+                          <a:rPr lang="en-US" altLang="zh-CN" i="1">
+                            <a:latin typeface="Cambria Math" panose="02040503050406030204" pitchFamily="18" charset="0"/>
+                          </a:rPr>
+                          <m:t>𝐿</m:t>
+                        </m:r>
+                      </m:e>
+                      <m:sub>
+                        <m:r>
+                          <a:rPr lang="en-US" altLang="zh-CN" b="0" i="1" smtClean="0">
+                            <a:latin typeface="Cambria Math" panose="02040503050406030204" pitchFamily="18" charset="0"/>
+                          </a:rPr>
+                          <m:t>𝐴</m:t>
+                        </m:r>
+                      </m:sub>
+                    </m:sSub>
+                    <m:d>
+                      <m:dPr>
+                        <m:ctrlPr>
+                          <a:rPr lang="zh-CN" altLang="zh-CN" i="1">
+                            <a:latin typeface="Cambria Math" panose="02040503050406030204" pitchFamily="18" charset="0"/>
+                          </a:rPr>
+                        </m:ctrlPr>
+                      </m:dPr>
+                      <m:e>
+                        <m:r>
+                          <a:rPr lang="en-US" altLang="zh-CN" i="1">
+                            <a:latin typeface="Cambria Math" panose="02040503050406030204" pitchFamily="18" charset="0"/>
+                          </a:rPr>
+                          <m:t>𝜃</m:t>
+                        </m:r>
+                      </m:e>
+                    </m:d>
+                  </m:oMath>
+                </a14:m>
+                <a:endParaRPr kumimoji="1" lang="zh-CN" altLang="en-US" dirty="0"/>
+              </a:p>
+            </p:txBody>
+          </p:sp>
+        </mc:Choice>
+        <mc:Fallback>
+          <p:sp>
+            <p:nvSpPr>
+              <p:cNvPr id="3" name="内容占位符 2">
+                <a:extLst>
+                  <a:ext uri="{FF2B5EF4-FFF2-40B4-BE49-F238E27FC236}">
+                    <a16:creationId xmlns:a16="http://schemas.microsoft.com/office/drawing/2014/main" id="{E3F7EBF0-1E79-1F4E-A670-363547308DFD}"/>
+                  </a:ext>
+                </a:extLst>
+              </p:cNvPr>
+              <p:cNvSpPr>
+                <a:spLocks noGrp="1" noRot="1" noChangeAspect="1" noMove="1" noResize="1" noEditPoints="1" noAdjustHandles="1" noChangeArrowheads="1" noChangeShapeType="1" noTextEdit="1"/>
+              </p:cNvSpPr>
+              <p:nvPr>
+                <p:ph idx="1"/>
+              </p:nvPr>
+            </p:nvSpPr>
+            <p:spPr>
+              <a:blipFill>
+                <a:blip r:embed="rId2"/>
+                <a:stretch>
+                  <a:fillRect l="-965" t="-2632"/>
+                </a:stretch>
+              </a:blipFill>
+            </p:spPr>
+            <p:txBody>
+              <a:bodyPr/>
+              <a:lstStyle/>
+              <a:p>
+                <a:r>
+                  <a:rPr lang="zh-CN" altLang="en-US">
+                    <a:noFill/>
+                  </a:rPr>
+                  <a:t> </a:t>
+                </a:r>
+              </a:p>
+            </p:txBody>
+          </p:sp>
+        </mc:Fallback>
+      </mc:AlternateContent>
+      <p:pic>
+        <p:nvPicPr>
+          <p:cNvPr id="4" name="图片 3">
+            <a:extLst>
+              <a:ext uri="{FF2B5EF4-FFF2-40B4-BE49-F238E27FC236}">
+                <a16:creationId xmlns:a16="http://schemas.microsoft.com/office/drawing/2014/main" id="{5A2C207A-5C48-B94E-85A2-4429D0F6C203}"/>
+              </a:ext>
+            </a:extLst>
+          </p:cNvPr>
+          <p:cNvPicPr>
+            <a:picLocks noChangeAspect="1"/>
+          </p:cNvPicPr>
+          <p:nvPr/>
+        </p:nvPicPr>
+        <p:blipFill>
+          <a:blip r:embed="rId3"/>
+          <a:stretch>
+            <a:fillRect/>
+          </a:stretch>
+        </p:blipFill>
+        <p:spPr>
+          <a:xfrm>
+            <a:off x="838200" y="3597736"/>
+            <a:ext cx="10044113" cy="807116"/>
+          </a:xfrm>
+          <a:prstGeom prst="rect">
+            <a:avLst/>
+          </a:prstGeom>
+        </p:spPr>
+      </p:pic>
+    </p:spTree>
+    <p:extLst>
+      <p:ext uri="{BB962C8B-B14F-4D97-AF65-F5344CB8AC3E}">
+        <p14:creationId xmlns:p14="http://schemas.microsoft.com/office/powerpoint/2010/main" val="2443179271"/>
+      </p:ext>
+    </p:extLst>
+  </p:cSld>
+  <p:clrMapOvr>
+    <a:masterClrMapping/>
+  </p:clrMapOvr>
+</p:sld>
+</file>
+
+<file path=ppt/slides/slide13.xml><?xml version="1.0" encoding="utf-8"?>
+<p:sld xmlns:a="http://schemas.openxmlformats.org/drawingml/2006/main" xmlns:r="http://schemas.openxmlformats.org/officeDocument/2006/relationships" xmlns:p="http://schemas.openxmlformats.org/presentationml/2006/main">
+  <p:cSld>
+    <p:spTree>
+      <p:nvGrpSpPr>
+        <p:cNvPr id="1" name=""/>
+        <p:cNvGrpSpPr/>
+        <p:nvPr/>
+      </p:nvGrpSpPr>
+      <p:grpSpPr>
+        <a:xfrm>
+          <a:off x="0" y="0"/>
+          <a:ext cx="0" cy="0"/>
+          <a:chOff x="0" y="0"/>
+          <a:chExt cx="0" cy="0"/>
+        </a:xfrm>
+      </p:grpSpPr>
+      <mc:AlternateContent xmlns:mc="http://schemas.openxmlformats.org/markup-compatibility/2006">
+        <mc:Choice xmlns:a14="http://schemas.microsoft.com/office/drawing/2010/main" Requires="a14">
+          <p:sp>
+            <p:nvSpPr>
+              <p:cNvPr id="2" name="标题 1">
+                <a:extLst>
+                  <a:ext uri="{FF2B5EF4-FFF2-40B4-BE49-F238E27FC236}">
+                    <a16:creationId xmlns:a16="http://schemas.microsoft.com/office/drawing/2014/main" id="{6124F34D-0D1F-C343-8EA9-38EF41B53B95}"/>
+                  </a:ext>
+                </a:extLst>
+              </p:cNvPr>
+              <p:cNvSpPr>
+                <a:spLocks noGrp="1"/>
+              </p:cNvSpPr>
+              <p:nvPr>
+                <p:ph type="title"/>
+              </p:nvPr>
+            </p:nvSpPr>
+            <p:spPr/>
+            <p:txBody>
+              <a:bodyPr/>
+              <a:lstStyle/>
+              <a:p>
+                <a14:m>
+                  <m:oMath xmlns:m="http://schemas.openxmlformats.org/officeDocument/2006/math">
+                    <m:sSub>
+                      <m:sSubPr>
+                        <m:ctrlPr>
+                          <a:rPr lang="zh-CN" altLang="zh-CN" i="1">
+                            <a:latin typeface="Cambria Math" panose="02040503050406030204" pitchFamily="18" charset="0"/>
+                          </a:rPr>
+                        </m:ctrlPr>
+                      </m:sSubPr>
+                      <m:e>
+                        <m:r>
+                          <a:rPr lang="en-US" altLang="zh-CN" i="1">
+                            <a:latin typeface="Cambria Math" panose="02040503050406030204" pitchFamily="18" charset="0"/>
+                          </a:rPr>
+                          <m:t>𝐿</m:t>
+                        </m:r>
+                      </m:e>
+                      <m:sub>
+                        <m:r>
+                          <a:rPr lang="en-US" altLang="zh-CN" i="1">
+                            <a:latin typeface="Cambria Math" panose="02040503050406030204" pitchFamily="18" charset="0"/>
+                          </a:rPr>
+                          <m:t>𝐴</m:t>
+                        </m:r>
+                      </m:sub>
+                    </m:sSub>
+                    <m:d>
+                      <m:dPr>
+                        <m:ctrlPr>
+                          <a:rPr lang="zh-CN" altLang="zh-CN" i="1">
+                            <a:latin typeface="Cambria Math" panose="02040503050406030204" pitchFamily="18" charset="0"/>
+                          </a:rPr>
+                        </m:ctrlPr>
+                      </m:dPr>
+                      <m:e>
+                        <m:r>
+                          <a:rPr lang="en-US" altLang="zh-CN" i="1">
+                            <a:latin typeface="Cambria Math" panose="02040503050406030204" pitchFamily="18" charset="0"/>
+                          </a:rPr>
+                          <m:t>𝜃</m:t>
+                        </m:r>
+                      </m:e>
+                    </m:d>
+                  </m:oMath>
+                </a14:m>
+                <a:r>
+                  <a:rPr kumimoji="1" lang="zh-CN" altLang="en-US" dirty="0"/>
+                  <a:t> 怎么算</a:t>
+                </a:r>
+              </a:p>
+            </p:txBody>
+          </p:sp>
+        </mc:Choice>
+        <mc:Fallback>
+          <p:sp>
+            <p:nvSpPr>
+              <p:cNvPr id="2" name="标题 1">
+                <a:extLst>
+                  <a:ext uri="{FF2B5EF4-FFF2-40B4-BE49-F238E27FC236}">
+                    <a16:creationId xmlns:a16="http://schemas.microsoft.com/office/drawing/2014/main" id="{6124F34D-0D1F-C343-8EA9-38EF41B53B95}"/>
+                  </a:ext>
+                </a:extLst>
+              </p:cNvPr>
+              <p:cNvSpPr>
+                <a:spLocks noGrp="1" noRot="1" noChangeAspect="1" noMove="1" noResize="1" noEditPoints="1" noAdjustHandles="1" noChangeArrowheads="1" noChangeShapeType="1" noTextEdit="1"/>
+              </p:cNvSpPr>
+              <p:nvPr>
+                <p:ph type="title"/>
+              </p:nvPr>
+            </p:nvSpPr>
+            <p:spPr>
+              <a:blipFill>
+                <a:blip r:embed="rId2"/>
+                <a:stretch>
+                  <a:fillRect l="-844"/>
+                </a:stretch>
+              </a:blipFill>
+            </p:spPr>
+            <p:txBody>
+              <a:bodyPr/>
+              <a:lstStyle/>
+              <a:p>
+                <a:r>
+                  <a:rPr lang="zh-CN" altLang="en-US">
+                    <a:noFill/>
+                  </a:rPr>
+                  <a:t> </a:t>
+                </a:r>
+              </a:p>
+            </p:txBody>
+          </p:sp>
+        </mc:Fallback>
+      </mc:AlternateContent>
+      <p:sp>
+        <p:nvSpPr>
+          <p:cNvPr id="3" name="内容占位符 2">
+            <a:extLst>
+              <a:ext uri="{FF2B5EF4-FFF2-40B4-BE49-F238E27FC236}">
+                <a16:creationId xmlns:a16="http://schemas.microsoft.com/office/drawing/2014/main" id="{78A95655-40C7-3043-9DEA-C7F92EEF2754}"/>
+              </a:ext>
+            </a:extLst>
+          </p:cNvPr>
+          <p:cNvSpPr>
+            <a:spLocks noGrp="1"/>
+          </p:cNvSpPr>
+          <p:nvPr>
+            <p:ph idx="1"/>
+          </p:nvPr>
+        </p:nvSpPr>
+        <p:spPr/>
+        <p:txBody>
+          <a:bodyPr/>
+          <a:lstStyle/>
+          <a:p>
+            <a:endParaRPr kumimoji="1" lang="zh-CN" altLang="en-US" dirty="0"/>
+          </a:p>
+        </p:txBody>
+      </p:sp>
+      <p:pic>
+        <p:nvPicPr>
+          <p:cNvPr id="4" name="图片 3">
+            <a:extLst>
+              <a:ext uri="{FF2B5EF4-FFF2-40B4-BE49-F238E27FC236}">
+                <a16:creationId xmlns:a16="http://schemas.microsoft.com/office/drawing/2014/main" id="{D64055B3-BDC8-174E-BB9C-857618B25A7D}"/>
+              </a:ext>
+            </a:extLst>
+          </p:cNvPr>
+          <p:cNvPicPr>
+            <a:picLocks noChangeAspect="1"/>
+          </p:cNvPicPr>
+          <p:nvPr/>
+        </p:nvPicPr>
+        <p:blipFill>
+          <a:blip r:embed="rId3"/>
+          <a:stretch>
+            <a:fillRect/>
+          </a:stretch>
+        </p:blipFill>
+        <p:spPr>
+          <a:xfrm>
+            <a:off x="1154113" y="1825625"/>
+            <a:ext cx="7226300" cy="3886200"/>
+          </a:xfrm>
+          <a:prstGeom prst="rect">
+            <a:avLst/>
+          </a:prstGeom>
+        </p:spPr>
+      </p:pic>
+    </p:spTree>
+    <p:extLst>
+      <p:ext uri="{BB962C8B-B14F-4D97-AF65-F5344CB8AC3E}">
+        <p14:creationId xmlns:p14="http://schemas.microsoft.com/office/powerpoint/2010/main" val="4038162140"/>
+      </p:ext>
+    </p:extLst>
+  </p:cSld>
+  <p:clrMapOvr>
+    <a:masterClrMapping/>
+  </p:clrMapOvr>
+</p:sld>
+</file>
+
+<file path=ppt/slides/slide14.xml><?xml version="1.0" encoding="utf-8"?>
+<p:sld xmlns:a="http://schemas.openxmlformats.org/drawingml/2006/main" xmlns:r="http://schemas.openxmlformats.org/officeDocument/2006/relationships" xmlns:p="http://schemas.openxmlformats.org/presentationml/2006/main">
+  <p:cSld>
+    <p:spTree>
+      <p:nvGrpSpPr>
+        <p:cNvPr id="1" name=""/>
+        <p:cNvGrpSpPr/>
+        <p:nvPr/>
+      </p:nvGrpSpPr>
+      <p:grpSpPr>
+        <a:xfrm>
+          <a:off x="0" y="0"/>
+          <a:ext cx="0" cy="0"/>
+          <a:chOff x="0" y="0"/>
+          <a:chExt cx="0" cy="0"/>
+        </a:xfrm>
+      </p:grpSpPr>
+      <p:pic>
+        <p:nvPicPr>
+          <p:cNvPr id="4" name="图片 3">
+            <a:extLst>
+              <a:ext uri="{FF2B5EF4-FFF2-40B4-BE49-F238E27FC236}">
+                <a16:creationId xmlns:a16="http://schemas.microsoft.com/office/drawing/2014/main" id="{5E2A4EAD-593D-954F-98E2-8EE653E96ECC}"/>
+              </a:ext>
+            </a:extLst>
+          </p:cNvPr>
+          <p:cNvPicPr>
+            <a:picLocks noChangeAspect="1"/>
+          </p:cNvPicPr>
+          <p:nvPr/>
+        </p:nvPicPr>
+        <p:blipFill>
+          <a:blip r:embed="rId2"/>
+          <a:stretch>
+            <a:fillRect/>
+          </a:stretch>
+        </p:blipFill>
+        <p:spPr>
+          <a:xfrm>
+            <a:off x="0" y="764979"/>
+            <a:ext cx="12192000" cy="5328042"/>
+          </a:xfrm>
+          <a:prstGeom prst="rect">
+            <a:avLst/>
+          </a:prstGeom>
+        </p:spPr>
+      </p:pic>
+    </p:spTree>
+    <p:extLst>
+      <p:ext uri="{BB962C8B-B14F-4D97-AF65-F5344CB8AC3E}">
+        <p14:creationId xmlns:p14="http://schemas.microsoft.com/office/powerpoint/2010/main" val="4007523631"/>
+      </p:ext>
+    </p:extLst>
+  </p:cSld>
+  <p:clrMapOvr>
+    <a:masterClrMapping/>
+  </p:clrMapOvr>
+</p:sld>
+</file>
+
+<file path=ppt/slides/slide15.xml><?xml version="1.0" encoding="utf-8"?>
+<p:sld xmlns:a="http://schemas.openxmlformats.org/drawingml/2006/main" xmlns:r="http://schemas.openxmlformats.org/officeDocument/2006/relationships" xmlns:p="http://schemas.openxmlformats.org/presentationml/2006/main">
+  <p:cSld>
+    <p:spTree>
+      <p:nvGrpSpPr>
+        <p:cNvPr id="1" name=""/>
+        <p:cNvGrpSpPr/>
+        <p:nvPr/>
+      </p:nvGrpSpPr>
+      <p:grpSpPr>
+        <a:xfrm>
+          <a:off x="0" y="0"/>
+          <a:ext cx="0" cy="0"/>
+          <a:chOff x="0" y="0"/>
+          <a:chExt cx="0" cy="0"/>
+        </a:xfrm>
+      </p:grpSpPr>
+      <p:sp>
+        <p:nvSpPr>
+          <p:cNvPr id="2" name="标题 1">
+            <a:extLst>
+              <a:ext uri="{FF2B5EF4-FFF2-40B4-BE49-F238E27FC236}">
+                <a16:creationId xmlns:a16="http://schemas.microsoft.com/office/drawing/2014/main" id="{70E15C25-38A1-B544-A865-4362D5776C8B}"/>
+              </a:ext>
+            </a:extLst>
+          </p:cNvPr>
+          <p:cNvSpPr>
+            <a:spLocks noGrp="1"/>
+          </p:cNvSpPr>
+          <p:nvPr>
+            <p:ph type="title"/>
+          </p:nvPr>
+        </p:nvSpPr>
+        <p:spPr/>
+        <p:txBody>
+          <a:bodyPr/>
+          <a:lstStyle/>
+          <a:p>
+            <a:r>
+              <a:rPr lang="en" altLang="zh-CN" dirty="0"/>
+              <a:t>Memory Aware Synapses</a:t>
+            </a:r>
+            <a:endParaRPr kumimoji="1" lang="zh-CN" altLang="en-US" dirty="0"/>
+          </a:p>
+        </p:txBody>
+      </p:sp>
+      <mc:AlternateContent xmlns:mc="http://schemas.openxmlformats.org/markup-compatibility/2006">
+        <mc:Choice xmlns:a14="http://schemas.microsoft.com/office/drawing/2010/main" Requires="a14">
+          <p:sp>
+            <p:nvSpPr>
+              <p:cNvPr id="3" name="内容占位符 2">
+                <a:extLst>
+                  <a:ext uri="{FF2B5EF4-FFF2-40B4-BE49-F238E27FC236}">
+                    <a16:creationId xmlns:a16="http://schemas.microsoft.com/office/drawing/2014/main" id="{FD4B2500-BEAC-BB40-8041-8CA905A8F7F6}"/>
+                  </a:ext>
+                </a:extLst>
+              </p:cNvPr>
+              <p:cNvSpPr>
+                <a:spLocks noGrp="1"/>
+              </p:cNvSpPr>
+              <p:nvPr>
+                <p:ph idx="1"/>
+              </p:nvPr>
+            </p:nvSpPr>
+            <p:spPr/>
+            <p:txBody>
+              <a:bodyPr/>
+              <a:lstStyle/>
+              <a:p>
+                <a:r>
+                  <a:rPr kumimoji="1" lang="zh-CN" altLang="en-US" dirty="0"/>
+                  <a:t>计算每个参数的重要程度，即</a:t>
+                </a:r>
+                <a14:m>
+                  <m:oMath xmlns:m="http://schemas.openxmlformats.org/officeDocument/2006/math">
+                    <m:sSub>
+                      <m:sSubPr>
+                        <m:ctrlPr>
+                          <a:rPr lang="zh-CN" altLang="zh-CN" i="1"/>
+                        </m:ctrlPr>
+                      </m:sSubPr>
+                      <m:e>
+                        <m:r>
+                          <m:rPr>
+                            <m:sty m:val="p"/>
+                          </m:rPr>
+                          <a:rPr lang="en-US" altLang="zh-CN" i="1">
+                            <a:latin typeface="Cambria Math" panose="02040503050406030204" pitchFamily="18" charset="0"/>
+                          </a:rPr>
+                          <m:t>θ</m:t>
+                        </m:r>
+                      </m:e>
+                      <m:sub>
+                        <m:r>
+                          <m:rPr>
+                            <m:sty m:val="p"/>
+                          </m:rPr>
+                          <a:rPr lang="en-US" altLang="zh-CN" i="1">
+                            <a:latin typeface="Cambria Math" panose="02040503050406030204" pitchFamily="18" charset="0"/>
+                          </a:rPr>
+                          <m:t>i</m:t>
+                        </m:r>
+                        <m:r>
+                          <a:rPr lang="en-US" altLang="zh-CN" b="0" i="1" smtClean="0">
+                            <a:latin typeface="Cambria Math" panose="02040503050406030204" pitchFamily="18" charset="0"/>
+                          </a:rPr>
+                          <m:t>,</m:t>
+                        </m:r>
+                        <m:r>
+                          <a:rPr lang="en-US" altLang="zh-CN" b="0" i="1" smtClean="0">
+                            <a:latin typeface="Cambria Math" panose="02040503050406030204" pitchFamily="18" charset="0"/>
+                          </a:rPr>
+                          <m:t>𝑗</m:t>
+                        </m:r>
+                      </m:sub>
+                    </m:sSub>
+                  </m:oMath>
+                </a14:m>
+                <a:r>
+                  <a:rPr lang="zh-CN" altLang="en-US" dirty="0">
+                    <a:effectLst/>
+                  </a:rPr>
+                  <a:t>对应的</a:t>
+                </a:r>
+                <a14:m>
+                  <m:oMath xmlns:m="http://schemas.openxmlformats.org/officeDocument/2006/math">
+                    <m:sSub>
+                      <m:sSubPr>
+                        <m:ctrlPr>
+                          <a:rPr lang="zh-CN" altLang="zh-CN" i="1">
+                            <a:latin typeface="Cambria Math" panose="02040503050406030204" pitchFamily="18" charset="0"/>
+                          </a:rPr>
+                        </m:ctrlPr>
+                      </m:sSubPr>
+                      <m:e>
+                        <m:r>
+                          <m:rPr>
+                            <m:nor/>
+                          </m:rPr>
+                          <a:rPr lang="en-US" altLang="zh-CN" dirty="0"/>
+                          <m:t>Ω</m:t>
+                        </m:r>
+                      </m:e>
+                      <m:sub>
+                        <m:r>
+                          <m:rPr>
+                            <m:sty m:val="p"/>
+                          </m:rPr>
+                          <a:rPr lang="en-US" altLang="zh-CN" i="1">
+                            <a:latin typeface="Cambria Math" panose="02040503050406030204" pitchFamily="18" charset="0"/>
+                          </a:rPr>
+                          <m:t>i</m:t>
+                        </m:r>
+                        <m:r>
+                          <a:rPr lang="en-US" altLang="zh-CN" i="1">
+                            <a:latin typeface="Cambria Math" panose="02040503050406030204" pitchFamily="18" charset="0"/>
+                          </a:rPr>
+                          <m:t>,</m:t>
+                        </m:r>
+                        <m:r>
+                          <a:rPr lang="en-US" altLang="zh-CN" i="1">
+                            <a:latin typeface="Cambria Math" panose="02040503050406030204" pitchFamily="18" charset="0"/>
+                          </a:rPr>
+                          <m:t>𝑗</m:t>
+                        </m:r>
+                      </m:sub>
+                    </m:sSub>
+                  </m:oMath>
+                </a14:m>
+                <a:r>
+                  <a:rPr kumimoji="1" lang="zh-CN" altLang="en-US" dirty="0"/>
+                  <a:t>。</a:t>
+                </a:r>
+                <a:endParaRPr kumimoji="1" lang="en-US" altLang="zh-CN" dirty="0"/>
+              </a:p>
+              <a:p>
+                <a:r>
+                  <a:rPr kumimoji="1" lang="zh-CN" altLang="en-US" dirty="0"/>
+                  <a:t>改变</a:t>
+                </a:r>
+                <a14:m>
+                  <m:oMath xmlns:m="http://schemas.openxmlformats.org/officeDocument/2006/math">
+                    <m:sSub>
+                      <m:sSubPr>
+                        <m:ctrlPr>
+                          <a:rPr lang="zh-CN" altLang="zh-CN" i="1">
+                            <a:latin typeface="Cambria Math" panose="02040503050406030204" pitchFamily="18" charset="0"/>
+                          </a:rPr>
+                        </m:ctrlPr>
+                      </m:sSubPr>
+                      <m:e>
+                        <m:r>
+                          <m:rPr>
+                            <m:sty m:val="p"/>
+                          </m:rPr>
+                          <a:rPr lang="en-US" altLang="zh-CN" i="1">
+                            <a:latin typeface="Cambria Math" panose="02040503050406030204" pitchFamily="18" charset="0"/>
+                          </a:rPr>
+                          <m:t>θ</m:t>
+                        </m:r>
+                      </m:e>
+                      <m:sub>
+                        <m:r>
+                          <m:rPr>
+                            <m:sty m:val="p"/>
+                          </m:rPr>
+                          <a:rPr lang="en-US" altLang="zh-CN" i="1">
+                            <a:latin typeface="Cambria Math" panose="02040503050406030204" pitchFamily="18" charset="0"/>
+                          </a:rPr>
+                          <m:t>i</m:t>
+                        </m:r>
+                        <m:r>
+                          <a:rPr lang="en-US" altLang="zh-CN" i="1">
+                            <a:latin typeface="Cambria Math" panose="02040503050406030204" pitchFamily="18" charset="0"/>
+                          </a:rPr>
+                          <m:t>,</m:t>
+                        </m:r>
+                        <m:r>
+                          <a:rPr lang="en-US" altLang="zh-CN" i="1">
+                            <a:latin typeface="Cambria Math" panose="02040503050406030204" pitchFamily="18" charset="0"/>
+                          </a:rPr>
+                          <m:t>𝑗</m:t>
+                        </m:r>
+                      </m:sub>
+                    </m:sSub>
+                  </m:oMath>
+                </a14:m>
+                <a:r>
+                  <a:rPr kumimoji="1" lang="zh-CN" altLang="en-US" dirty="0"/>
+                  <a:t>大小来计算权重</a:t>
+                </a:r>
+                <a:endParaRPr kumimoji="1" lang="en-US" altLang="zh-CN" dirty="0"/>
+              </a:p>
+              <a:p>
+                <a:endParaRPr kumimoji="1" lang="en-US" altLang="zh-CN" dirty="0"/>
+              </a:p>
+              <a:p>
+                <a:pPr marL="0" indent="0">
+                  <a:buNone/>
+                </a:pPr>
+                <a:r>
+                  <a:rPr kumimoji="1" lang="zh-CN" altLang="en-US" dirty="0"/>
+                  <a:t>上述的过程每个任务都要计算</a:t>
+                </a:r>
+                <a:endParaRPr kumimoji="1" lang="en-US" altLang="zh-CN" dirty="0"/>
+              </a:p>
+              <a:p>
+                <a:endParaRPr kumimoji="1" lang="zh-CN" altLang="en-US" dirty="0"/>
+              </a:p>
+            </p:txBody>
+          </p:sp>
+        </mc:Choice>
+        <mc:Fallback>
+          <p:sp>
+            <p:nvSpPr>
+              <p:cNvPr id="3" name="内容占位符 2">
+                <a:extLst>
+                  <a:ext uri="{FF2B5EF4-FFF2-40B4-BE49-F238E27FC236}">
+                    <a16:creationId xmlns:a16="http://schemas.microsoft.com/office/drawing/2014/main" id="{FD4B2500-BEAC-BB40-8041-8CA905A8F7F6}"/>
+                  </a:ext>
+                </a:extLst>
+              </p:cNvPr>
+              <p:cNvSpPr>
+                <a:spLocks noGrp="1" noRot="1" noChangeAspect="1" noMove="1" noResize="1" noEditPoints="1" noAdjustHandles="1" noChangeArrowheads="1" noChangeShapeType="1" noTextEdit="1"/>
+              </p:cNvSpPr>
+              <p:nvPr>
+                <p:ph idx="1"/>
+              </p:nvPr>
+            </p:nvSpPr>
+            <p:spPr>
+              <a:blipFill>
+                <a:blip r:embed="rId2"/>
+                <a:stretch>
+                  <a:fillRect l="-1086" t="-2339"/>
+                </a:stretch>
+              </a:blipFill>
+            </p:spPr>
+            <p:txBody>
+              <a:bodyPr/>
+              <a:lstStyle/>
+              <a:p>
+                <a:r>
+                  <a:rPr lang="zh-CN" altLang="en-US">
+                    <a:noFill/>
+                  </a:rPr>
+                  <a:t> </a:t>
+                </a:r>
+              </a:p>
+            </p:txBody>
+          </p:sp>
+        </mc:Fallback>
+      </mc:AlternateContent>
+    </p:spTree>
+    <p:extLst>
+      <p:ext uri="{BB962C8B-B14F-4D97-AF65-F5344CB8AC3E}">
+        <p14:creationId xmlns:p14="http://schemas.microsoft.com/office/powerpoint/2010/main" val="3909039872"/>
+      </p:ext>
+    </p:extLst>
+  </p:cSld>
+  <p:clrMapOvr>
+    <a:masterClrMapping/>
+  </p:clrMapOvr>
+</p:sld>
+</file>
+
+<file path=ppt/slides/slide16.xml><?xml version="1.0" encoding="utf-8"?>
+<p:sld xmlns:a="http://schemas.openxmlformats.org/drawingml/2006/main" xmlns:r="http://schemas.openxmlformats.org/officeDocument/2006/relationships" xmlns:p="http://schemas.openxmlformats.org/presentationml/2006/main">
+  <p:cSld>
+    <p:spTree>
+      <p:nvGrpSpPr>
+        <p:cNvPr id="1" name=""/>
+        <p:cNvGrpSpPr/>
+        <p:nvPr/>
+      </p:nvGrpSpPr>
+      <p:grpSpPr>
+        <a:xfrm>
+          <a:off x="0" y="0"/>
+          <a:ext cx="0" cy="0"/>
+          <a:chOff x="0" y="0"/>
+          <a:chExt cx="0" cy="0"/>
+        </a:xfrm>
+      </p:grpSpPr>
+      <p:sp>
+        <p:nvSpPr>
+          <p:cNvPr id="2" name="标题 1">
+            <a:extLst>
+              <a:ext uri="{FF2B5EF4-FFF2-40B4-BE49-F238E27FC236}">
+                <a16:creationId xmlns:a16="http://schemas.microsoft.com/office/drawing/2014/main" id="{C6FFB326-EB79-9142-832E-3806048B801A}"/>
+              </a:ext>
+            </a:extLst>
+          </p:cNvPr>
+          <p:cNvSpPr>
+            <a:spLocks noGrp="1"/>
+          </p:cNvSpPr>
+          <p:nvPr>
+            <p:ph type="title"/>
+          </p:nvPr>
+        </p:nvSpPr>
+        <p:spPr/>
+        <p:txBody>
+          <a:bodyPr/>
+          <a:lstStyle/>
+          <a:p>
+            <a:r>
+              <a:rPr kumimoji="1" lang="zh-CN" altLang="en-US" dirty="0"/>
+              <a:t>计算权重</a:t>
+            </a:r>
+          </a:p>
+        </p:txBody>
+      </p:sp>
+      <p:sp>
+        <p:nvSpPr>
+          <p:cNvPr id="3" name="内容占位符 2">
+            <a:extLst>
+              <a:ext uri="{FF2B5EF4-FFF2-40B4-BE49-F238E27FC236}">
+                <a16:creationId xmlns:a16="http://schemas.microsoft.com/office/drawing/2014/main" id="{33860C82-B8D6-0549-900F-4C50A063F27D}"/>
+              </a:ext>
+            </a:extLst>
+          </p:cNvPr>
+          <p:cNvSpPr>
+            <a:spLocks noGrp="1"/>
+          </p:cNvSpPr>
+          <p:nvPr>
+            <p:ph idx="1"/>
+          </p:nvPr>
+        </p:nvSpPr>
+        <p:spPr/>
+        <p:txBody>
+          <a:bodyPr/>
+          <a:lstStyle/>
+          <a:p>
+            <a:r>
+              <a:rPr kumimoji="1" lang="zh-CN" altLang="en-US" dirty="0"/>
+              <a:t>假设</a:t>
+            </a:r>
+            <a:r>
+              <a:rPr kumimoji="1" lang="en-US" altLang="zh-CN" dirty="0"/>
+              <a:t>F</a:t>
+            </a:r>
+            <a:r>
+              <a:rPr kumimoji="1" lang="zh-CN" altLang="en-US" dirty="0"/>
+              <a:t>是前向传播的近似函数。</a:t>
+            </a:r>
+            <a:endParaRPr kumimoji="1" lang="en-US" altLang="zh-CN" dirty="0"/>
+          </a:p>
+          <a:p>
+            <a:r>
+              <a:rPr kumimoji="1" lang="zh-CN" altLang="en-US" dirty="0"/>
+              <a:t>假设参数改变值为</a:t>
+            </a:r>
+            <a:r>
+              <a:rPr lang="el-GR" altLang="zh-CN" dirty="0"/>
+              <a:t>δ</a:t>
+            </a:r>
+            <a:endParaRPr lang="en-US" altLang="zh-CN" dirty="0"/>
+          </a:p>
+          <a:p>
+            <a:endParaRPr lang="en-US" altLang="zh-CN" dirty="0"/>
+          </a:p>
+          <a:p>
+            <a:endParaRPr lang="en-US" altLang="zh-CN" dirty="0"/>
+          </a:p>
+          <a:p>
+            <a:endParaRPr lang="en-US" altLang="zh-CN" dirty="0"/>
+          </a:p>
+          <a:p>
+            <a:r>
+              <a:rPr lang="zh-CN" altLang="el-GR" dirty="0"/>
+              <a:t>于是</a:t>
+            </a:r>
+            <a:r>
+              <a:rPr lang="zh-CN" altLang="en-US" dirty="0"/>
+              <a:t>权重：</a:t>
+            </a:r>
+            <a:endParaRPr lang="en-US" altLang="zh-CN" dirty="0"/>
+          </a:p>
+          <a:p>
+            <a:endParaRPr lang="en-US" altLang="zh-CN" dirty="0"/>
+          </a:p>
+          <a:p>
+            <a:endParaRPr kumimoji="1" lang="zh-CN" altLang="en-US" dirty="0"/>
+          </a:p>
+        </p:txBody>
+      </p:sp>
+      <p:pic>
+        <p:nvPicPr>
+          <p:cNvPr id="5" name="图片 4">
+            <a:extLst>
+              <a:ext uri="{FF2B5EF4-FFF2-40B4-BE49-F238E27FC236}">
+                <a16:creationId xmlns:a16="http://schemas.microsoft.com/office/drawing/2014/main" id="{7F0B365D-C1E2-064B-A2EE-1092165BA212}"/>
+              </a:ext>
+            </a:extLst>
+          </p:cNvPr>
+          <p:cNvPicPr>
+            <a:picLocks noChangeAspect="1"/>
+          </p:cNvPicPr>
+          <p:nvPr/>
+        </p:nvPicPr>
+        <p:blipFill>
+          <a:blip r:embed="rId2"/>
+          <a:stretch>
+            <a:fillRect/>
+          </a:stretch>
+        </p:blipFill>
+        <p:spPr>
+          <a:xfrm>
+            <a:off x="2203450" y="2749550"/>
+            <a:ext cx="7785100" cy="1358900"/>
+          </a:xfrm>
+          <a:prstGeom prst="rect">
+            <a:avLst/>
+          </a:prstGeom>
+        </p:spPr>
+      </p:pic>
+      <p:pic>
+        <p:nvPicPr>
+          <p:cNvPr id="6" name="图片 5">
+            <a:extLst>
+              <a:ext uri="{FF2B5EF4-FFF2-40B4-BE49-F238E27FC236}">
+                <a16:creationId xmlns:a16="http://schemas.microsoft.com/office/drawing/2014/main" id="{42271EA9-511A-9044-918B-D226399337E2}"/>
+              </a:ext>
+            </a:extLst>
+          </p:cNvPr>
+          <p:cNvPicPr>
+            <a:picLocks noChangeAspect="1"/>
+          </p:cNvPicPr>
+          <p:nvPr/>
+        </p:nvPicPr>
+        <p:blipFill>
+          <a:blip r:embed="rId3"/>
+          <a:stretch>
+            <a:fillRect/>
+          </a:stretch>
+        </p:blipFill>
+        <p:spPr>
+          <a:xfrm>
+            <a:off x="2570163" y="3429000"/>
+            <a:ext cx="3708400" cy="927100"/>
+          </a:xfrm>
+          <a:prstGeom prst="rect">
+            <a:avLst/>
+          </a:prstGeom>
+        </p:spPr>
+      </p:pic>
+      <p:pic>
+        <p:nvPicPr>
+          <p:cNvPr id="7" name="图片 6">
+            <a:extLst>
+              <a:ext uri="{FF2B5EF4-FFF2-40B4-BE49-F238E27FC236}">
+                <a16:creationId xmlns:a16="http://schemas.microsoft.com/office/drawing/2014/main" id="{0B9D42EA-BB5A-134E-B039-8418723F0944}"/>
+              </a:ext>
+            </a:extLst>
+          </p:cNvPr>
+          <p:cNvPicPr>
+            <a:picLocks noChangeAspect="1"/>
+          </p:cNvPicPr>
+          <p:nvPr/>
+        </p:nvPicPr>
+        <p:blipFill>
+          <a:blip r:embed="rId4"/>
+          <a:stretch>
+            <a:fillRect/>
+          </a:stretch>
+        </p:blipFill>
+        <p:spPr>
+          <a:xfrm>
+            <a:off x="2570163" y="4787900"/>
+            <a:ext cx="5168900" cy="1498600"/>
+          </a:xfrm>
+          <a:prstGeom prst="rect">
+            <a:avLst/>
+          </a:prstGeom>
+        </p:spPr>
+      </p:pic>
+    </p:spTree>
+    <p:extLst>
+      <p:ext uri="{BB962C8B-B14F-4D97-AF65-F5344CB8AC3E}">
+        <p14:creationId xmlns:p14="http://schemas.microsoft.com/office/powerpoint/2010/main" val="3795708189"/>
+      </p:ext>
+    </p:extLst>
+  </p:cSld>
+  <p:clrMapOvr>
+    <a:masterClrMapping/>
+  </p:clrMapOvr>
+</p:sld>
+</file>
+
+<file path=ppt/slides/slide17.xml><?xml version="1.0" encoding="utf-8"?>
+<p:sld xmlns:a="http://schemas.openxmlformats.org/drawingml/2006/main" xmlns:r="http://schemas.openxmlformats.org/officeDocument/2006/relationships" xmlns:p="http://schemas.openxmlformats.org/presentationml/2006/main">
+  <p:cSld>
+    <p:spTree>
+      <p:nvGrpSpPr>
+        <p:cNvPr id="1" name=""/>
+        <p:cNvGrpSpPr/>
+        <p:nvPr/>
+      </p:nvGrpSpPr>
+      <p:grpSpPr>
+        <a:xfrm>
+          <a:off x="0" y="0"/>
+          <a:ext cx="0" cy="0"/>
+          <a:chOff x="0" y="0"/>
+          <a:chExt cx="0" cy="0"/>
+        </a:xfrm>
+      </p:grpSpPr>
+      <p:sp>
+        <p:nvSpPr>
+          <p:cNvPr id="2" name="标题 1">
+            <a:extLst>
+              <a:ext uri="{FF2B5EF4-FFF2-40B4-BE49-F238E27FC236}">
+                <a16:creationId xmlns:a16="http://schemas.microsoft.com/office/drawing/2014/main" id="{C6FFB326-EB79-9142-832E-3806048B801A}"/>
+              </a:ext>
+            </a:extLst>
+          </p:cNvPr>
+          <p:cNvSpPr>
+            <a:spLocks noGrp="1"/>
+          </p:cNvSpPr>
+          <p:nvPr>
+            <p:ph type="title"/>
+          </p:nvPr>
+        </p:nvSpPr>
+        <p:spPr/>
+        <p:txBody>
+          <a:bodyPr/>
+          <a:lstStyle/>
+          <a:p>
+            <a:r>
+              <a:rPr kumimoji="1" lang="zh-CN" altLang="en-US" dirty="0"/>
+              <a:t>计算权重</a:t>
+            </a:r>
+          </a:p>
+        </p:txBody>
+      </p:sp>
+      <p:sp>
+        <p:nvSpPr>
+          <p:cNvPr id="3" name="内容占位符 2">
+            <a:extLst>
+              <a:ext uri="{FF2B5EF4-FFF2-40B4-BE49-F238E27FC236}">
+                <a16:creationId xmlns:a16="http://schemas.microsoft.com/office/drawing/2014/main" id="{33860C82-B8D6-0549-900F-4C50A063F27D}"/>
+              </a:ext>
+            </a:extLst>
+          </p:cNvPr>
+          <p:cNvSpPr>
+            <a:spLocks noGrp="1"/>
+          </p:cNvSpPr>
+          <p:nvPr>
+            <p:ph idx="1"/>
+          </p:nvPr>
+        </p:nvSpPr>
+        <p:spPr/>
+        <p:txBody>
+          <a:bodyPr/>
+          <a:lstStyle/>
+          <a:p>
+            <a:r>
+              <a:rPr kumimoji="1" lang="zh-CN" altLang="en-US" dirty="0"/>
+              <a:t>输出是多维的情况下，做一个改变：</a:t>
+            </a:r>
+            <a:endParaRPr lang="en-US" altLang="zh-CN" dirty="0"/>
+          </a:p>
+          <a:p>
+            <a:endParaRPr kumimoji="1" lang="zh-CN" altLang="en-US" dirty="0"/>
+          </a:p>
+        </p:txBody>
+      </p:sp>
+      <p:pic>
+        <p:nvPicPr>
+          <p:cNvPr id="8" name="内容占位符 3">
+            <a:extLst>
+              <a:ext uri="{FF2B5EF4-FFF2-40B4-BE49-F238E27FC236}">
+                <a16:creationId xmlns:a16="http://schemas.microsoft.com/office/drawing/2014/main" id="{67164615-D3D3-4B41-A7D9-24525E3C724B}"/>
+              </a:ext>
+            </a:extLst>
+          </p:cNvPr>
+          <p:cNvPicPr>
+            <a:picLocks noChangeAspect="1"/>
+          </p:cNvPicPr>
+          <p:nvPr/>
+        </p:nvPicPr>
+        <p:blipFill>
+          <a:blip r:embed="rId3"/>
+          <a:stretch>
+            <a:fillRect/>
+          </a:stretch>
+        </p:blipFill>
+        <p:spPr>
+          <a:xfrm>
+            <a:off x="1824038" y="2458244"/>
+            <a:ext cx="6743700" cy="1257300"/>
+          </a:xfrm>
+          <a:prstGeom prst="rect">
+            <a:avLst/>
+          </a:prstGeom>
+        </p:spPr>
+      </p:pic>
+    </p:spTree>
+    <p:extLst>
+      <p:ext uri="{BB962C8B-B14F-4D97-AF65-F5344CB8AC3E}">
+        <p14:creationId xmlns:p14="http://schemas.microsoft.com/office/powerpoint/2010/main" val="2321335383"/>
+      </p:ext>
+    </p:extLst>
+  </p:cSld>
+  <p:clrMapOvr>
+    <a:masterClrMapping/>
+  </p:clrMapOvr>
+</p:sld>
+</file>
+
+<file path=ppt/slides/slide18.xml><?xml version="1.0" encoding="utf-8"?>
+<p:sld xmlns:a="http://schemas.openxmlformats.org/drawingml/2006/main" xmlns:r="http://schemas.openxmlformats.org/officeDocument/2006/relationships" xmlns:p="http://schemas.openxmlformats.org/presentationml/2006/main">
+  <p:cSld>
+    <p:spTree>
+      <p:nvGrpSpPr>
+        <p:cNvPr id="1" name=""/>
+        <p:cNvGrpSpPr/>
+        <p:nvPr/>
+      </p:nvGrpSpPr>
+      <p:grpSpPr>
+        <a:xfrm>
+          <a:off x="0" y="0"/>
+          <a:ext cx="0" cy="0"/>
+          <a:chOff x="0" y="0"/>
+          <a:chExt cx="0" cy="0"/>
+        </a:xfrm>
+      </p:grpSpPr>
+      <p:sp>
+        <p:nvSpPr>
+          <p:cNvPr id="2" name="标题 1">
+            <a:extLst>
+              <a:ext uri="{FF2B5EF4-FFF2-40B4-BE49-F238E27FC236}">
+                <a16:creationId xmlns:a16="http://schemas.microsoft.com/office/drawing/2014/main" id="{08877343-C9F5-3D4E-A111-6F2C0C7BD024}"/>
+              </a:ext>
+            </a:extLst>
+          </p:cNvPr>
+          <p:cNvSpPr>
+            <a:spLocks noGrp="1"/>
+          </p:cNvSpPr>
+          <p:nvPr>
+            <p:ph type="title"/>
+          </p:nvPr>
+        </p:nvSpPr>
+        <p:spPr/>
+        <p:txBody>
+          <a:bodyPr/>
+          <a:lstStyle/>
+          <a:p>
+            <a:r>
+              <a:rPr kumimoji="1" lang="zh-CN" altLang="en-US" dirty="0"/>
+              <a:t>计算</a:t>
+            </a:r>
+            <a:r>
+              <a:rPr kumimoji="1" lang="en-US" altLang="zh-CN" dirty="0"/>
+              <a:t>Loss</a:t>
+            </a:r>
+            <a:endParaRPr kumimoji="1" lang="zh-CN" altLang="en-US" dirty="0"/>
+          </a:p>
+        </p:txBody>
+      </p:sp>
+      <p:sp>
+        <p:nvSpPr>
+          <p:cNvPr id="6" name="内容占位符 5">
+            <a:extLst>
+              <a:ext uri="{FF2B5EF4-FFF2-40B4-BE49-F238E27FC236}">
+                <a16:creationId xmlns:a16="http://schemas.microsoft.com/office/drawing/2014/main" id="{EC9F2D1E-2021-D745-B816-6115DB4A3785}"/>
+              </a:ext>
+            </a:extLst>
+          </p:cNvPr>
+          <p:cNvSpPr>
+            <a:spLocks noGrp="1"/>
+          </p:cNvSpPr>
+          <p:nvPr>
+            <p:ph idx="1"/>
+          </p:nvPr>
+        </p:nvSpPr>
+        <p:spPr/>
+        <p:txBody>
+          <a:bodyPr/>
+          <a:lstStyle/>
+          <a:p>
+            <a:r>
+              <a:rPr kumimoji="1" lang="zh-CN" altLang="en-US" dirty="0"/>
+              <a:t>熟悉的公式</a:t>
+            </a:r>
+            <a:endParaRPr kumimoji="1" lang="en-US" altLang="zh-CN" dirty="0"/>
+          </a:p>
+          <a:p>
+            <a:endParaRPr kumimoji="1" lang="zh-CN" altLang="en-US" dirty="0"/>
+          </a:p>
+        </p:txBody>
+      </p:sp>
+      <p:pic>
+        <p:nvPicPr>
+          <p:cNvPr id="7" name="图片 6">
+            <a:extLst>
+              <a:ext uri="{FF2B5EF4-FFF2-40B4-BE49-F238E27FC236}">
+                <a16:creationId xmlns:a16="http://schemas.microsoft.com/office/drawing/2014/main" id="{1B27146B-E7FB-7847-86C2-5CD142DDF345}"/>
+              </a:ext>
+            </a:extLst>
+          </p:cNvPr>
+          <p:cNvPicPr>
+            <a:picLocks noChangeAspect="1"/>
+          </p:cNvPicPr>
+          <p:nvPr/>
+        </p:nvPicPr>
+        <p:blipFill>
+          <a:blip r:embed="rId2"/>
+          <a:stretch>
+            <a:fillRect/>
+          </a:stretch>
+        </p:blipFill>
+        <p:spPr>
+          <a:xfrm>
+            <a:off x="3016250" y="2806700"/>
+            <a:ext cx="6159500" cy="1244600"/>
+          </a:xfrm>
+          <a:prstGeom prst="rect">
+            <a:avLst/>
+          </a:prstGeom>
+        </p:spPr>
+      </p:pic>
+    </p:spTree>
+    <p:extLst>
+      <p:ext uri="{BB962C8B-B14F-4D97-AF65-F5344CB8AC3E}">
+        <p14:creationId xmlns:p14="http://schemas.microsoft.com/office/powerpoint/2010/main" val="3487052366"/>
+      </p:ext>
+    </p:extLst>
+  </p:cSld>
+  <p:clrMapOvr>
+    <a:masterClrMapping/>
+  </p:clrMapOvr>
+</p:sld>
+</file>
+
+<file path=ppt/slides/slide19.xml><?xml version="1.0" encoding="utf-8"?>
+<p:sld xmlns:a="http://schemas.openxmlformats.org/drawingml/2006/main" xmlns:r="http://schemas.openxmlformats.org/officeDocument/2006/relationships" xmlns:p="http://schemas.openxmlformats.org/presentationml/2006/main">
+  <p:cSld>
+    <p:spTree>
+      <p:nvGrpSpPr>
+        <p:cNvPr id="1" name=""/>
+        <p:cNvGrpSpPr/>
+        <p:nvPr/>
+      </p:nvGrpSpPr>
+      <p:grpSpPr>
+        <a:xfrm>
+          <a:off x="0" y="0"/>
+          <a:ext cx="0" cy="0"/>
+          <a:chOff x="0" y="0"/>
+          <a:chExt cx="0" cy="0"/>
+        </a:xfrm>
+      </p:grpSpPr>
+      <p:sp>
+        <p:nvSpPr>
+          <p:cNvPr id="2" name="标题 1">
+            <a:extLst>
+              <a:ext uri="{FF2B5EF4-FFF2-40B4-BE49-F238E27FC236}">
+                <a16:creationId xmlns:a16="http://schemas.microsoft.com/office/drawing/2014/main" id="{0360DDC2-34C2-BD4C-8C27-4BB32D877B5A}"/>
+              </a:ext>
+            </a:extLst>
+          </p:cNvPr>
+          <p:cNvSpPr>
+            <a:spLocks noGrp="1"/>
+          </p:cNvSpPr>
+          <p:nvPr>
+            <p:ph type="title"/>
+          </p:nvPr>
+        </p:nvSpPr>
+        <p:spPr/>
+        <p:txBody>
+          <a:bodyPr/>
+          <a:lstStyle/>
+          <a:p>
+            <a:r>
+              <a:rPr kumimoji="1" lang="zh-CN" altLang="en-US" dirty="0"/>
+              <a:t>与上面两个对比</a:t>
+            </a:r>
+          </a:p>
+        </p:txBody>
+      </p:sp>
+      <p:pic>
+        <p:nvPicPr>
+          <p:cNvPr id="4" name="内容占位符 3">
+            <a:extLst>
+              <a:ext uri="{FF2B5EF4-FFF2-40B4-BE49-F238E27FC236}">
+                <a16:creationId xmlns:a16="http://schemas.microsoft.com/office/drawing/2014/main" id="{585C5930-A4B2-7047-84AE-D398C1382CB6}"/>
+              </a:ext>
+            </a:extLst>
+          </p:cNvPr>
+          <p:cNvPicPr>
+            <a:picLocks noGrp="1" noChangeAspect="1"/>
+          </p:cNvPicPr>
+          <p:nvPr>
+            <p:ph idx="1"/>
+          </p:nvPr>
+        </p:nvPicPr>
+        <p:blipFill>
+          <a:blip r:embed="rId2"/>
+          <a:stretch>
+            <a:fillRect/>
+          </a:stretch>
+        </p:blipFill>
+        <p:spPr>
+          <a:xfrm>
+            <a:off x="2279650" y="1956594"/>
+            <a:ext cx="7632700" cy="4089400"/>
+          </a:xfrm>
+          <a:prstGeom prst="rect">
+            <a:avLst/>
+          </a:prstGeom>
+        </p:spPr>
+      </p:pic>
+    </p:spTree>
+    <p:extLst>
+      <p:ext uri="{BB962C8B-B14F-4D97-AF65-F5344CB8AC3E}">
+        <p14:creationId xmlns:p14="http://schemas.microsoft.com/office/powerpoint/2010/main" val="2517855398"/>
+      </p:ext>
+    </p:extLst>
+  </p:cSld>
+  <p:clrMapOvr>
+    <a:masterClrMapping/>
+  </p:clrMapOvr>
+</p:sld>
+</file>
+
 <file path=ppt/slides/slide2.xml><?xml version="1.0" encoding="utf-8"?>
 <p:sld xmlns:a="http://schemas.openxmlformats.org/drawingml/2006/main" xmlns:r="http://schemas.openxmlformats.org/officeDocument/2006/relationships" xmlns:p="http://schemas.openxmlformats.org/presentationml/2006/main">
   <p:cSld>
@@ -3547,6 +6122,356 @@
     <p:extLst>
       <p:ext uri="{BB962C8B-B14F-4D97-AF65-F5344CB8AC3E}">
         <p14:creationId xmlns:p14="http://schemas.microsoft.com/office/powerpoint/2010/main" val="3666352829"/>
+      </p:ext>
+    </p:extLst>
+  </p:cSld>
+  <p:clrMapOvr>
+    <a:masterClrMapping/>
+  </p:clrMapOvr>
+</p:sld>
+</file>
+
+<file path=ppt/slides/slide20.xml><?xml version="1.0" encoding="utf-8"?>
+<p:sld xmlns:a="http://schemas.openxmlformats.org/drawingml/2006/main" xmlns:r="http://schemas.openxmlformats.org/officeDocument/2006/relationships" xmlns:p="http://schemas.openxmlformats.org/presentationml/2006/main">
+  <p:cSld>
+    <p:spTree>
+      <p:nvGrpSpPr>
+        <p:cNvPr id="1" name=""/>
+        <p:cNvGrpSpPr/>
+        <p:nvPr/>
+      </p:nvGrpSpPr>
+      <p:grpSpPr>
+        <a:xfrm>
+          <a:off x="0" y="0"/>
+          <a:ext cx="0" cy="0"/>
+          <a:chOff x="0" y="0"/>
+          <a:chExt cx="0" cy="0"/>
+        </a:xfrm>
+      </p:grpSpPr>
+      <p:sp>
+        <p:nvSpPr>
+          <p:cNvPr id="2" name="标题 1">
+            <a:extLst>
+              <a:ext uri="{FF2B5EF4-FFF2-40B4-BE49-F238E27FC236}">
+                <a16:creationId xmlns:a16="http://schemas.microsoft.com/office/drawing/2014/main" id="{22F5F385-452E-6B49-97EF-7EE2832CCA63}"/>
+              </a:ext>
+            </a:extLst>
+          </p:cNvPr>
+          <p:cNvSpPr>
+            <a:spLocks noGrp="1"/>
+          </p:cNvSpPr>
+          <p:nvPr>
+            <p:ph type="title"/>
+          </p:nvPr>
+        </p:nvSpPr>
+        <p:spPr/>
+        <p:txBody>
+          <a:bodyPr/>
+          <a:lstStyle/>
+          <a:p>
+            <a:r>
+              <a:rPr kumimoji="1" lang="zh-CN" altLang="en-US" dirty="0"/>
+              <a:t>上述的论文（按照顺序）</a:t>
+            </a:r>
+          </a:p>
+        </p:txBody>
+      </p:sp>
+      <p:sp>
+        <p:nvSpPr>
+          <p:cNvPr id="3" name="内容占位符 2">
+            <a:extLst>
+              <a:ext uri="{FF2B5EF4-FFF2-40B4-BE49-F238E27FC236}">
+                <a16:creationId xmlns:a16="http://schemas.microsoft.com/office/drawing/2014/main" id="{A85AE157-5581-8B46-BF39-0F76ADE97D88}"/>
+              </a:ext>
+            </a:extLst>
+          </p:cNvPr>
+          <p:cNvSpPr>
+            <a:spLocks noGrp="1"/>
+          </p:cNvSpPr>
+          <p:nvPr>
+            <p:ph idx="1"/>
+          </p:nvPr>
+        </p:nvSpPr>
+        <p:spPr/>
+        <p:txBody>
+          <a:bodyPr/>
+          <a:lstStyle/>
+          <a:p>
+            <a:r>
+              <a:rPr kumimoji="1" lang="en" altLang="zh-CN" dirty="0"/>
+              <a:t>Overcoming catastrophic forgetting in neural</a:t>
+            </a:r>
+          </a:p>
+          <a:p>
+            <a:r>
+              <a:rPr lang="en" altLang="zh-CN" dirty="0"/>
+              <a:t>Learning without Forgetting</a:t>
+            </a:r>
+          </a:p>
+          <a:p>
+            <a:r>
+              <a:rPr lang="en" altLang="zh-CN" dirty="0"/>
+              <a:t>Memory Aware Synapses: Learning what (not) to forget</a:t>
+            </a:r>
+          </a:p>
+          <a:p>
+            <a:endParaRPr kumimoji="1" lang="zh-CN" altLang="en-US" dirty="0"/>
+          </a:p>
+        </p:txBody>
+      </p:sp>
+    </p:spTree>
+    <p:extLst>
+      <p:ext uri="{BB962C8B-B14F-4D97-AF65-F5344CB8AC3E}">
+        <p14:creationId xmlns:p14="http://schemas.microsoft.com/office/powerpoint/2010/main" val="3127662407"/>
+      </p:ext>
+    </p:extLst>
+  </p:cSld>
+  <p:clrMapOvr>
+    <a:masterClrMapping/>
+  </p:clrMapOvr>
+</p:sld>
+</file>
+
+<file path=ppt/slides/slide21.xml><?xml version="1.0" encoding="utf-8"?>
+<p:sld xmlns:a="http://schemas.openxmlformats.org/drawingml/2006/main" xmlns:r="http://schemas.openxmlformats.org/officeDocument/2006/relationships" xmlns:p="http://schemas.openxmlformats.org/presentationml/2006/main">
+  <p:cSld>
+    <p:spTree>
+      <p:nvGrpSpPr>
+        <p:cNvPr id="1" name=""/>
+        <p:cNvGrpSpPr/>
+        <p:nvPr/>
+      </p:nvGrpSpPr>
+      <p:grpSpPr>
+        <a:xfrm>
+          <a:off x="0" y="0"/>
+          <a:ext cx="0" cy="0"/>
+          <a:chOff x="0" y="0"/>
+          <a:chExt cx="0" cy="0"/>
+        </a:xfrm>
+      </p:grpSpPr>
+      <p:sp>
+        <p:nvSpPr>
+          <p:cNvPr id="2" name="标题 1">
+            <a:extLst>
+              <a:ext uri="{FF2B5EF4-FFF2-40B4-BE49-F238E27FC236}">
+                <a16:creationId xmlns:a16="http://schemas.microsoft.com/office/drawing/2014/main" id="{979E63F8-AF71-0F41-AED9-CDDC76600C3A}"/>
+              </a:ext>
+            </a:extLst>
+          </p:cNvPr>
+          <p:cNvSpPr>
+            <a:spLocks noGrp="1"/>
+          </p:cNvSpPr>
+          <p:nvPr>
+            <p:ph type="title"/>
+          </p:nvPr>
+        </p:nvSpPr>
+        <p:spPr/>
+        <p:txBody>
+          <a:bodyPr/>
+          <a:lstStyle/>
+          <a:p>
+            <a:r>
+              <a:rPr kumimoji="1" lang="zh-CN" altLang="en-US" dirty="0"/>
+              <a:t>总结</a:t>
+            </a:r>
+          </a:p>
+        </p:txBody>
+      </p:sp>
+      <p:sp>
+        <p:nvSpPr>
+          <p:cNvPr id="3" name="内容占位符 2">
+            <a:extLst>
+              <a:ext uri="{FF2B5EF4-FFF2-40B4-BE49-F238E27FC236}">
+                <a16:creationId xmlns:a16="http://schemas.microsoft.com/office/drawing/2014/main" id="{AFAAD002-4446-5344-9FC3-531F68D9E8BA}"/>
+              </a:ext>
+            </a:extLst>
+          </p:cNvPr>
+          <p:cNvSpPr>
+            <a:spLocks noGrp="1"/>
+          </p:cNvSpPr>
+          <p:nvPr>
+            <p:ph idx="1"/>
+          </p:nvPr>
+        </p:nvSpPr>
+        <p:spPr/>
+        <p:txBody>
+          <a:bodyPr/>
+          <a:lstStyle/>
+          <a:p>
+            <a:r>
+              <a:rPr kumimoji="1" lang="zh-CN" altLang="en-US" dirty="0"/>
+              <a:t>方法：</a:t>
+            </a:r>
+            <a:endParaRPr kumimoji="1" lang="en-US" altLang="zh-CN" dirty="0"/>
+          </a:p>
+          <a:p>
+            <a:r>
+              <a:rPr kumimoji="1" lang="en-US" altLang="zh-CN" dirty="0"/>
+              <a:t>1</a:t>
+            </a:r>
+            <a:r>
+              <a:rPr kumimoji="1" lang="zh-CN" altLang="en-US" dirty="0"/>
+              <a:t>、</a:t>
+            </a:r>
+            <a:r>
+              <a:rPr kumimoji="1" lang="en-US" altLang="zh-CN" dirty="0"/>
+              <a:t>regularization</a:t>
+            </a:r>
+          </a:p>
+          <a:p>
+            <a:r>
+              <a:rPr kumimoji="1" lang="en-US" altLang="zh-CN" dirty="0"/>
+              <a:t>2</a:t>
+            </a:r>
+            <a:r>
+              <a:rPr kumimoji="1" lang="zh-CN" altLang="en-US" dirty="0"/>
+              <a:t>、训练新模型，模型聚合</a:t>
+            </a:r>
+            <a:endParaRPr kumimoji="1" lang="en-US" altLang="zh-CN" dirty="0"/>
+          </a:p>
+          <a:p>
+            <a:r>
+              <a:rPr kumimoji="1" lang="en-US" altLang="zh-CN" dirty="0"/>
+              <a:t>3</a:t>
+            </a:r>
+            <a:r>
+              <a:rPr kumimoji="1" lang="zh-CN" altLang="en-US" dirty="0"/>
+              <a:t>、重复训练之前的数据</a:t>
+            </a:r>
+            <a:endParaRPr kumimoji="1" lang="en-US" altLang="zh-CN" dirty="0"/>
+          </a:p>
+          <a:p>
+            <a:r>
+              <a:rPr kumimoji="1" lang="en-US" altLang="zh-CN" dirty="0"/>
+              <a:t>4</a:t>
+            </a:r>
+            <a:r>
+              <a:rPr kumimoji="1" lang="zh-CN" altLang="en-US" dirty="0"/>
+              <a:t>、长短时记忆，不断将短时记忆整合到长时记忆中</a:t>
+            </a:r>
+            <a:endParaRPr kumimoji="1" lang="en-US" altLang="zh-CN" dirty="0"/>
+          </a:p>
+          <a:p>
+            <a:r>
+              <a:rPr kumimoji="1" lang="en-US" altLang="zh-CN" dirty="0"/>
+              <a:t>5</a:t>
+            </a:r>
+            <a:r>
+              <a:rPr kumimoji="1" lang="zh-CN" altLang="en-US" dirty="0"/>
+              <a:t>、尽可能让学习的知识记在少数的神经元上</a:t>
+            </a:r>
+          </a:p>
+        </p:txBody>
+      </p:sp>
+    </p:spTree>
+    <p:extLst>
+      <p:ext uri="{BB962C8B-B14F-4D97-AF65-F5344CB8AC3E}">
+        <p14:creationId xmlns:p14="http://schemas.microsoft.com/office/powerpoint/2010/main" val="1030938928"/>
+      </p:ext>
+    </p:extLst>
+  </p:cSld>
+  <p:clrMapOvr>
+    <a:masterClrMapping/>
+  </p:clrMapOvr>
+</p:sld>
+</file>
+
+<file path=ppt/slides/slide22.xml><?xml version="1.0" encoding="utf-8"?>
+<p:sld xmlns:a="http://schemas.openxmlformats.org/drawingml/2006/main" xmlns:r="http://schemas.openxmlformats.org/officeDocument/2006/relationships" xmlns:p="http://schemas.openxmlformats.org/presentationml/2006/main">
+  <p:cSld>
+    <p:spTree>
+      <p:nvGrpSpPr>
+        <p:cNvPr id="1" name=""/>
+        <p:cNvGrpSpPr/>
+        <p:nvPr/>
+      </p:nvGrpSpPr>
+      <p:grpSpPr>
+        <a:xfrm>
+          <a:off x="0" y="0"/>
+          <a:ext cx="0" cy="0"/>
+          <a:chOff x="0" y="0"/>
+          <a:chExt cx="0" cy="0"/>
+        </a:xfrm>
+      </p:grpSpPr>
+      <p:sp>
+        <p:nvSpPr>
+          <p:cNvPr id="2" name="标题 1">
+            <a:extLst>
+              <a:ext uri="{FF2B5EF4-FFF2-40B4-BE49-F238E27FC236}">
+                <a16:creationId xmlns:a16="http://schemas.microsoft.com/office/drawing/2014/main" id="{246904B2-A85E-4E42-85E6-F8A8003BEB61}"/>
+              </a:ext>
+            </a:extLst>
+          </p:cNvPr>
+          <p:cNvSpPr>
+            <a:spLocks noGrp="1"/>
+          </p:cNvSpPr>
+          <p:nvPr>
+            <p:ph type="title"/>
+          </p:nvPr>
+        </p:nvSpPr>
+        <p:spPr/>
+        <p:txBody>
+          <a:bodyPr/>
+          <a:lstStyle/>
+          <a:p>
+            <a:r>
+              <a:rPr lang="zh-CN" altLang="en-US" dirty="0"/>
+              <a:t>下周工作</a:t>
+            </a:r>
+          </a:p>
+        </p:txBody>
+      </p:sp>
+      <p:sp>
+        <p:nvSpPr>
+          <p:cNvPr id="3" name="内容占位符 2">
+            <a:extLst>
+              <a:ext uri="{FF2B5EF4-FFF2-40B4-BE49-F238E27FC236}">
+                <a16:creationId xmlns:a16="http://schemas.microsoft.com/office/drawing/2014/main" id="{9A9913A6-2D6C-4311-A3E4-7C7E9C7F93C3}"/>
+              </a:ext>
+            </a:extLst>
+          </p:cNvPr>
+          <p:cNvSpPr>
+            <a:spLocks noGrp="1"/>
+          </p:cNvSpPr>
+          <p:nvPr>
+            <p:ph idx="1"/>
+          </p:nvPr>
+        </p:nvSpPr>
+        <p:spPr/>
+        <p:txBody>
+          <a:bodyPr/>
+          <a:lstStyle/>
+          <a:p>
+            <a:r>
+              <a:rPr lang="zh-CN" altLang="en-US" dirty="0"/>
+              <a:t>推荐论文阅读（比如</a:t>
+            </a:r>
+            <a:r>
+              <a:rPr lang="en-US" altLang="zh-CN" dirty="0"/>
+              <a:t>continual learning</a:t>
+            </a:r>
+            <a:r>
+              <a:rPr lang="zh-CN" altLang="en-US" dirty="0"/>
+              <a:t>？）</a:t>
+            </a:r>
+            <a:endParaRPr lang="en-US" altLang="zh-CN" dirty="0"/>
+          </a:p>
+          <a:p>
+            <a:pPr marL="457200" lvl="1" indent="0">
+              <a:buNone/>
+            </a:pPr>
+            <a:r>
+              <a:rPr lang="zh-CN" altLang="en-US" dirty="0"/>
+              <a:t>做成读书报告（几篇）</a:t>
+            </a:r>
+            <a:endParaRPr lang="en-US" altLang="zh-CN" dirty="0"/>
+          </a:p>
+        </p:txBody>
+      </p:sp>
+    </p:spTree>
+    <p:extLst>
+      <p:ext uri="{BB962C8B-B14F-4D97-AF65-F5344CB8AC3E}">
+        <p14:creationId xmlns:p14="http://schemas.microsoft.com/office/powerpoint/2010/main" val="3796536439"/>
       </p:ext>
     </p:extLst>
   </p:cSld>
@@ -3937,31 +6862,851 @@
           </a:p>
         </p:txBody>
       </p:sp>
-      <p:sp>
-        <p:nvSpPr>
-          <p:cNvPr id="3" name="内容占位符 2">
-            <a:extLst>
-              <a:ext uri="{FF2B5EF4-FFF2-40B4-BE49-F238E27FC236}">
-                <a16:creationId xmlns:a16="http://schemas.microsoft.com/office/drawing/2014/main" id="{9804B1EA-384E-48F1-B0F3-D0B31430F239}"/>
-              </a:ext>
-            </a:extLst>
-          </p:cNvPr>
-          <p:cNvSpPr>
-            <a:spLocks noGrp="1"/>
-          </p:cNvSpPr>
-          <p:nvPr>
-            <p:ph idx="1"/>
-          </p:nvPr>
-        </p:nvSpPr>
-        <p:spPr/>
-        <p:txBody>
-          <a:bodyPr/>
-          <a:lstStyle/>
-          <a:p>
-            <a:endParaRPr lang="zh-CN" altLang="en-US"/>
-          </a:p>
-        </p:txBody>
-      </p:sp>
+      <mc:AlternateContent xmlns:mc="http://schemas.openxmlformats.org/markup-compatibility/2006">
+        <mc:Choice xmlns:a14="http://schemas.microsoft.com/office/drawing/2010/main" Requires="a14">
+          <p:graphicFrame>
+            <p:nvGraphicFramePr>
+              <p:cNvPr id="5" name="内容占位符 4">
+                <a:extLst>
+                  <a:ext uri="{FF2B5EF4-FFF2-40B4-BE49-F238E27FC236}">
+                    <a16:creationId xmlns:a16="http://schemas.microsoft.com/office/drawing/2014/main" id="{5DB5ABF3-BAFA-CD4F-83BF-1EF46B91C5FE}"/>
+                  </a:ext>
+                </a:extLst>
+              </p:cNvPr>
+              <p:cNvGraphicFramePr>
+                <a:graphicFrameLocks noGrp="1"/>
+              </p:cNvGraphicFramePr>
+              <p:nvPr>
+                <p:ph idx="1"/>
+                <p:extLst>
+                  <p:ext uri="{D42A27DB-BD31-4B8C-83A1-F6EECF244321}">
+                    <p14:modId xmlns:p14="http://schemas.microsoft.com/office/powerpoint/2010/main" val="766320750"/>
+                  </p:ext>
+                </p:extLst>
+              </p:nvPr>
+            </p:nvGraphicFramePr>
+            <p:xfrm>
+              <a:off x="1155192" y="2553749"/>
+              <a:ext cx="9622917" cy="2439923"/>
+            </p:xfrm>
+            <a:graphic>
+              <a:graphicData uri="http://schemas.openxmlformats.org/drawingml/2006/table">
+                <a:tbl>
+                  <a:tblPr firstRow="1" firstCol="1" bandRow="1"/>
+                  <a:tblGrid>
+                    <a:gridCol w="8708879">
+                      <a:extLst>
+                        <a:ext uri="{9D8B030D-6E8A-4147-A177-3AD203B41FA5}">
+                          <a16:colId xmlns:a16="http://schemas.microsoft.com/office/drawing/2014/main" val="1113274642"/>
+                        </a:ext>
+                      </a:extLst>
+                    </a:gridCol>
+                    <a:gridCol w="914038">
+                      <a:extLst>
+                        <a:ext uri="{9D8B030D-6E8A-4147-A177-3AD203B41FA5}">
+                          <a16:colId xmlns:a16="http://schemas.microsoft.com/office/drawing/2014/main" val="3100557621"/>
+                        </a:ext>
+                      </a:extLst>
+                    </a:gridCol>
+                  </a:tblGrid>
+                  <a:tr h="2439923">
+                    <a:tc>
+                      <a:txBody>
+                        <a:bodyPr/>
+                        <a:lstStyle/>
+                        <a:p>
+                          <a:pPr indent="266700" algn="ctr">
+                            <a:lnSpc>
+                              <a:spcPct val="150000"/>
+                            </a:lnSpc>
+                            <a:spcAft>
+                              <a:spcPts val="0"/>
+                            </a:spcAft>
+                          </a:pPr>
+                          <a14:m>
+                            <m:oMathPara xmlns:m="http://schemas.openxmlformats.org/officeDocument/2006/math">
+                              <m:oMathParaPr>
+                                <m:jc m:val="centerGroup"/>
+                              </m:oMathParaPr>
+                              <m:oMath xmlns:m="http://schemas.openxmlformats.org/officeDocument/2006/math">
+                                <m:r>
+                                  <a:rPr lang="en-US" sz="2400" i="1" kern="100">
+                                    <a:effectLst/>
+                                    <a:latin typeface="Cambria Math" panose="02040503050406030204" pitchFamily="18" charset="0"/>
+                                    <a:ea typeface="仿宋_GB2312"/>
+                                  </a:rPr>
+                                  <m:t>𝑙𝑜𝑔𝑝</m:t>
+                                </m:r>
+                                <m:d>
+                                  <m:dPr>
+                                    <m:ctrlPr>
+                                      <a:rPr lang="zh-CN" sz="2400" i="1" kern="100">
+                                        <a:effectLst/>
+                                        <a:latin typeface="Cambria Math" panose="02040503050406030204" pitchFamily="18" charset="0"/>
+                                        <a:ea typeface="Cambria Math" panose="02040503050406030204" pitchFamily="18" charset="0"/>
+                                      </a:rPr>
+                                    </m:ctrlPr>
+                                  </m:dPr>
+                                  <m:e>
+                                    <m:r>
+                                      <a:rPr lang="en-US" sz="2400" i="1" kern="100">
+                                        <a:effectLst/>
+                                        <a:latin typeface="Cambria Math" panose="02040503050406030204" pitchFamily="18" charset="0"/>
+                                        <a:ea typeface="仿宋_GB2312"/>
+                                      </a:rPr>
+                                      <m:t>𝜃</m:t>
+                                    </m:r>
+                                  </m:e>
+                                  <m:e>
+                                    <m:r>
+                                      <a:rPr lang="en-US" sz="2400" i="1" kern="100">
+                                        <a:effectLst/>
+                                        <a:latin typeface="Cambria Math" panose="02040503050406030204" pitchFamily="18" charset="0"/>
+                                        <a:ea typeface="仿宋_GB2312"/>
+                                      </a:rPr>
+                                      <m:t>𝐷</m:t>
+                                    </m:r>
+                                  </m:e>
+                                </m:d>
+                                <m:r>
+                                  <a:rPr lang="en-US" sz="2400" i="1" kern="100">
+                                    <a:effectLst/>
+                                    <a:latin typeface="Cambria Math" panose="02040503050406030204" pitchFamily="18" charset="0"/>
+                                    <a:ea typeface="仿宋_GB2312"/>
+                                  </a:rPr>
+                                  <m:t>=</m:t>
+                                </m:r>
+                                <m:r>
+                                  <a:rPr lang="en-US" sz="2400" i="1" kern="100">
+                                    <a:effectLst/>
+                                    <a:latin typeface="Cambria Math" panose="02040503050406030204" pitchFamily="18" charset="0"/>
+                                    <a:ea typeface="仿宋_GB2312"/>
+                                  </a:rPr>
+                                  <m:t>𝑙𝑜𝑔𝑝</m:t>
+                                </m:r>
+                                <m:d>
+                                  <m:dPr>
+                                    <m:ctrlPr>
+                                      <a:rPr lang="zh-CN" sz="2400" i="1" kern="100">
+                                        <a:effectLst/>
+                                        <a:latin typeface="Cambria Math" panose="02040503050406030204" pitchFamily="18" charset="0"/>
+                                        <a:ea typeface="Cambria Math" panose="02040503050406030204" pitchFamily="18" charset="0"/>
+                                      </a:rPr>
+                                    </m:ctrlPr>
+                                  </m:dPr>
+                                  <m:e>
+                                    <m:r>
+                                      <a:rPr lang="en-US" sz="2400" i="1" kern="100">
+                                        <a:effectLst/>
+                                        <a:latin typeface="Cambria Math" panose="02040503050406030204" pitchFamily="18" charset="0"/>
+                                        <a:ea typeface="仿宋_GB2312"/>
+                                      </a:rPr>
+                                      <m:t>𝐷</m:t>
+                                    </m:r>
+                                  </m:e>
+                                  <m:e>
+                                    <m:r>
+                                      <a:rPr lang="en-US" sz="2400" i="1" kern="100">
+                                        <a:effectLst/>
+                                        <a:latin typeface="Cambria Math" panose="02040503050406030204" pitchFamily="18" charset="0"/>
+                                        <a:ea typeface="仿宋_GB2312"/>
+                                      </a:rPr>
+                                      <m:t>𝜃</m:t>
+                                    </m:r>
+                                  </m:e>
+                                </m:d>
+                                <m:r>
+                                  <a:rPr lang="en-US" sz="2400" i="1" kern="100">
+                                    <a:effectLst/>
+                                    <a:latin typeface="Cambria Math" panose="02040503050406030204" pitchFamily="18" charset="0"/>
+                                    <a:ea typeface="仿宋_GB2312"/>
+                                  </a:rPr>
+                                  <m:t>+</m:t>
+                                </m:r>
+                                <m:r>
+                                  <a:rPr lang="en-US" sz="2400" i="1" kern="100">
+                                    <a:effectLst/>
+                                    <a:latin typeface="Cambria Math" panose="02040503050406030204" pitchFamily="18" charset="0"/>
+                                    <a:ea typeface="仿宋_GB2312"/>
+                                  </a:rPr>
+                                  <m:t>𝑙𝑜𝑔𝑝</m:t>
+                                </m:r>
+                                <m:d>
+                                  <m:dPr>
+                                    <m:ctrlPr>
+                                      <a:rPr lang="zh-CN" sz="2400" i="1" kern="100">
+                                        <a:effectLst/>
+                                        <a:latin typeface="Cambria Math" panose="02040503050406030204" pitchFamily="18" charset="0"/>
+                                        <a:ea typeface="Cambria Math" panose="02040503050406030204" pitchFamily="18" charset="0"/>
+                                      </a:rPr>
+                                    </m:ctrlPr>
+                                  </m:dPr>
+                                  <m:e>
+                                    <m:r>
+                                      <a:rPr lang="en-US" sz="2400" i="1" kern="100">
+                                        <a:effectLst/>
+                                        <a:latin typeface="Cambria Math" panose="02040503050406030204" pitchFamily="18" charset="0"/>
+                                        <a:ea typeface="仿宋_GB2312"/>
+                                      </a:rPr>
+                                      <m:t>𝜃</m:t>
+                                    </m:r>
+                                  </m:e>
+                                </m:d>
+                                <m:r>
+                                  <a:rPr lang="en-US" sz="2400" i="1" kern="100">
+                                    <a:effectLst/>
+                                    <a:latin typeface="Cambria Math" panose="02040503050406030204" pitchFamily="18" charset="0"/>
+                                    <a:ea typeface="仿宋_GB2312"/>
+                                  </a:rPr>
+                                  <m:t>−</m:t>
+                                </m:r>
+                                <m:r>
+                                  <a:rPr lang="en-US" sz="2400" i="1" kern="100">
+                                    <a:effectLst/>
+                                    <a:latin typeface="Cambria Math" panose="02040503050406030204" pitchFamily="18" charset="0"/>
+                                    <a:ea typeface="仿宋_GB2312"/>
+                                  </a:rPr>
+                                  <m:t>𝑙𝑜𝑔𝑝</m:t>
+                                </m:r>
+                                <m:r>
+                                  <a:rPr lang="en-US" sz="2400" i="1" kern="100">
+                                    <a:effectLst/>
+                                    <a:latin typeface="Cambria Math" panose="02040503050406030204" pitchFamily="18" charset="0"/>
+                                    <a:ea typeface="仿宋_GB2312"/>
+                                  </a:rPr>
+                                  <m:t>(</m:t>
+                                </m:r>
+                                <m:r>
+                                  <a:rPr lang="en-US" sz="2400" i="1" kern="100">
+                                    <a:effectLst/>
+                                    <a:latin typeface="Cambria Math" panose="02040503050406030204" pitchFamily="18" charset="0"/>
+                                    <a:ea typeface="仿宋_GB2312"/>
+                                  </a:rPr>
+                                  <m:t>𝐷</m:t>
+                                </m:r>
+                                <m:r>
+                                  <a:rPr lang="en-US" sz="2400" i="1" kern="100">
+                                    <a:effectLst/>
+                                    <a:latin typeface="Cambria Math" panose="02040503050406030204" pitchFamily="18" charset="0"/>
+                                    <a:ea typeface="仿宋_GB2312"/>
+                                  </a:rPr>
+                                  <m:t>)</m:t>
+                                </m:r>
+                              </m:oMath>
+                            </m:oMathPara>
+                          </a14:m>
+                          <a:endParaRPr lang="zh-CN" sz="1800" kern="100" dirty="0">
+                            <a:effectLst/>
+                            <a:latin typeface="Times New Roman" panose="02020603050405020304" pitchFamily="18" charset="0"/>
+                            <a:ea typeface="宋体" panose="02010600030101010101" pitchFamily="2" charset="-122"/>
+                          </a:endParaRPr>
+                        </a:p>
+                      </a:txBody>
+                      <a:tcPr marL="68580" marR="68580" marT="0" marB="0" anchor="ctr">
+                        <a:lnL>
+                          <a:noFill/>
+                        </a:lnL>
+                        <a:lnR>
+                          <a:noFill/>
+                        </a:lnR>
+                        <a:lnT>
+                          <a:noFill/>
+                        </a:lnT>
+                        <a:lnB>
+                          <a:noFill/>
+                        </a:lnB>
+                      </a:tcPr>
+                    </a:tc>
+                    <a:tc>
+                      <a:txBody>
+                        <a:bodyPr/>
+                        <a:lstStyle/>
+                        <a:p>
+                          <a:pPr indent="266700" algn="ctr">
+                            <a:lnSpc>
+                              <a:spcPct val="150000"/>
+                            </a:lnSpc>
+                            <a:spcAft>
+                              <a:spcPts val="0"/>
+                            </a:spcAft>
+                          </a:pPr>
+                          <a:r>
+                            <a:rPr lang="zh-CN" sz="2400" kern="100" dirty="0">
+                              <a:effectLst/>
+                              <a:latin typeface="Times New Roman" panose="02020603050405020304" pitchFamily="18" charset="0"/>
+                              <a:ea typeface="仿宋_GB2312"/>
+                              <a:cs typeface="Times New Roman" panose="02020603050405020304" pitchFamily="18" charset="0"/>
+                            </a:rPr>
+                            <a:t>（</a:t>
+                          </a:r>
+                          <a:r>
+                            <a:rPr lang="en-US" sz="2400" kern="100" dirty="0">
+                              <a:effectLst/>
+                              <a:latin typeface="Times New Roman" panose="02020603050405020304" pitchFamily="18" charset="0"/>
+                              <a:ea typeface="仿宋_GB2312"/>
+                              <a:cs typeface="Times New Roman" panose="02020603050405020304" pitchFamily="18" charset="0"/>
+                            </a:rPr>
+                            <a:t>1</a:t>
+                          </a:r>
+                          <a:r>
+                            <a:rPr lang="zh-CN" sz="2400" kern="100" dirty="0">
+                              <a:effectLst/>
+                              <a:latin typeface="Times New Roman" panose="02020603050405020304" pitchFamily="18" charset="0"/>
+                              <a:ea typeface="仿宋_GB2312"/>
+                              <a:cs typeface="Times New Roman" panose="02020603050405020304" pitchFamily="18" charset="0"/>
+                            </a:rPr>
+                            <a:t>）</a:t>
+                          </a:r>
+                          <a:endParaRPr lang="zh-CN" sz="1800" kern="100" dirty="0">
+                            <a:effectLst/>
+                            <a:latin typeface="Times New Roman" panose="02020603050405020304" pitchFamily="18" charset="0"/>
+                            <a:ea typeface="宋体" panose="02010600030101010101" pitchFamily="2" charset="-122"/>
+                          </a:endParaRPr>
+                        </a:p>
+                      </a:txBody>
+                      <a:tcPr marL="68580" marR="68580" marT="0" marB="0" anchor="ctr">
+                        <a:lnL>
+                          <a:noFill/>
+                        </a:lnL>
+                        <a:lnR>
+                          <a:noFill/>
+                        </a:lnR>
+                        <a:lnT>
+                          <a:noFill/>
+                        </a:lnT>
+                        <a:lnB>
+                          <a:noFill/>
+                        </a:lnB>
+                      </a:tcPr>
+                    </a:tc>
+                    <a:extLst>
+                      <a:ext uri="{0D108BD9-81ED-4DB2-BD59-A6C34878D82A}">
+                        <a16:rowId xmlns:a16="http://schemas.microsoft.com/office/drawing/2014/main" val="935353878"/>
+                      </a:ext>
+                    </a:extLst>
+                  </a:tr>
+                </a:tbl>
+              </a:graphicData>
+            </a:graphic>
+          </p:graphicFrame>
+        </mc:Choice>
+        <mc:Fallback>
+          <p:graphicFrame>
+            <p:nvGraphicFramePr>
+              <p:cNvPr id="5" name="内容占位符 4">
+                <a:extLst>
+                  <a:ext uri="{FF2B5EF4-FFF2-40B4-BE49-F238E27FC236}">
+                    <a16:creationId xmlns:a16="http://schemas.microsoft.com/office/drawing/2014/main" id="{5DB5ABF3-BAFA-CD4F-83BF-1EF46B91C5FE}"/>
+                  </a:ext>
+                </a:extLst>
+              </p:cNvPr>
+              <p:cNvGraphicFramePr>
+                <a:graphicFrameLocks noGrp="1"/>
+              </p:cNvGraphicFramePr>
+              <p:nvPr>
+                <p:ph idx="1"/>
+                <p:extLst>
+                  <p:ext uri="{D42A27DB-BD31-4B8C-83A1-F6EECF244321}">
+                    <p14:modId xmlns:p14="http://schemas.microsoft.com/office/powerpoint/2010/main" val="766320750"/>
+                  </p:ext>
+                </p:extLst>
+              </p:nvPr>
+            </p:nvGraphicFramePr>
+            <p:xfrm>
+              <a:off x="1155192" y="2553749"/>
+              <a:ext cx="9622917" cy="2439923"/>
+            </p:xfrm>
+            <a:graphic>
+              <a:graphicData uri="http://schemas.openxmlformats.org/drawingml/2006/table">
+                <a:tbl>
+                  <a:tblPr firstRow="1" firstCol="1" bandRow="1"/>
+                  <a:tblGrid>
+                    <a:gridCol w="8708879">
+                      <a:extLst>
+                        <a:ext uri="{9D8B030D-6E8A-4147-A177-3AD203B41FA5}">
+                          <a16:colId xmlns:a16="http://schemas.microsoft.com/office/drawing/2014/main" val="1113274642"/>
+                        </a:ext>
+                      </a:extLst>
+                    </a:gridCol>
+                    <a:gridCol w="914038">
+                      <a:extLst>
+                        <a:ext uri="{9D8B030D-6E8A-4147-A177-3AD203B41FA5}">
+                          <a16:colId xmlns:a16="http://schemas.microsoft.com/office/drawing/2014/main" val="3100557621"/>
+                        </a:ext>
+                      </a:extLst>
+                    </a:gridCol>
+                  </a:tblGrid>
+                  <a:tr h="2439923">
+                    <a:tc>
+                      <a:txBody>
+                        <a:bodyPr/>
+                        <a:lstStyle/>
+                        <a:p>
+                          <a:endParaRPr lang="zh-CN"/>
+                        </a:p>
+                      </a:txBody>
+                      <a:tcPr marL="68580" marR="68580" marT="0" marB="0" anchor="ctr">
+                        <a:lnL>
+                          <a:noFill/>
+                        </a:lnL>
+                        <a:lnR>
+                          <a:noFill/>
+                        </a:lnR>
+                        <a:lnT>
+                          <a:noFill/>
+                        </a:lnT>
+                        <a:lnB>
+                          <a:noFill/>
+                        </a:lnB>
+                        <a:blipFill>
+                          <a:blip r:embed="rId2"/>
+                          <a:stretch>
+                            <a:fillRect r="-10480"/>
+                          </a:stretch>
+                        </a:blipFill>
+                      </a:tcPr>
+                    </a:tc>
+                    <a:tc>
+                      <a:txBody>
+                        <a:bodyPr/>
+                        <a:lstStyle/>
+                        <a:p>
+                          <a:pPr indent="266700" algn="ctr">
+                            <a:lnSpc>
+                              <a:spcPct val="150000"/>
+                            </a:lnSpc>
+                            <a:spcAft>
+                              <a:spcPts val="0"/>
+                            </a:spcAft>
+                          </a:pPr>
+                          <a:r>
+                            <a:rPr lang="zh-CN" sz="2400" kern="100" dirty="0">
+                              <a:effectLst/>
+                              <a:latin typeface="Times New Roman" panose="02020603050405020304" pitchFamily="18" charset="0"/>
+                              <a:ea typeface="仿宋_GB2312"/>
+                              <a:cs typeface="Times New Roman" panose="02020603050405020304" pitchFamily="18" charset="0"/>
+                            </a:rPr>
+                            <a:t>（</a:t>
+                          </a:r>
+                          <a:r>
+                            <a:rPr lang="en-US" sz="2400" kern="100" dirty="0">
+                              <a:effectLst/>
+                              <a:latin typeface="Times New Roman" panose="02020603050405020304" pitchFamily="18" charset="0"/>
+                              <a:ea typeface="仿宋_GB2312"/>
+                              <a:cs typeface="Times New Roman" panose="02020603050405020304" pitchFamily="18" charset="0"/>
+                            </a:rPr>
+                            <a:t>1</a:t>
+                          </a:r>
+                          <a:r>
+                            <a:rPr lang="zh-CN" sz="2400" kern="100" dirty="0">
+                              <a:effectLst/>
+                              <a:latin typeface="Times New Roman" panose="02020603050405020304" pitchFamily="18" charset="0"/>
+                              <a:ea typeface="仿宋_GB2312"/>
+                              <a:cs typeface="Times New Roman" panose="02020603050405020304" pitchFamily="18" charset="0"/>
+                            </a:rPr>
+                            <a:t>）</a:t>
+                          </a:r>
+                          <a:endParaRPr lang="zh-CN" sz="1800" kern="100" dirty="0">
+                            <a:effectLst/>
+                            <a:latin typeface="Times New Roman" panose="02020603050405020304" pitchFamily="18" charset="0"/>
+                            <a:ea typeface="宋体" panose="02010600030101010101" pitchFamily="2" charset="-122"/>
+                          </a:endParaRPr>
+                        </a:p>
+                      </a:txBody>
+                      <a:tcPr marL="68580" marR="68580" marT="0" marB="0" anchor="ctr">
+                        <a:lnL>
+                          <a:noFill/>
+                        </a:lnL>
+                        <a:lnR>
+                          <a:noFill/>
+                        </a:lnR>
+                        <a:lnT>
+                          <a:noFill/>
+                        </a:lnT>
+                        <a:lnB>
+                          <a:noFill/>
+                        </a:lnB>
+                      </a:tcPr>
+                    </a:tc>
+                    <a:extLst>
+                      <a:ext uri="{0D108BD9-81ED-4DB2-BD59-A6C34878D82A}">
+                        <a16:rowId xmlns:a16="http://schemas.microsoft.com/office/drawing/2014/main" val="935353878"/>
+                      </a:ext>
+                    </a:extLst>
+                  </a:tr>
+                </a:tbl>
+              </a:graphicData>
+            </a:graphic>
+          </p:graphicFrame>
+        </mc:Fallback>
+      </mc:AlternateContent>
+      <mc:AlternateContent xmlns:mc="http://schemas.openxmlformats.org/markup-compatibility/2006">
+        <mc:Choice xmlns:a14="http://schemas.microsoft.com/office/drawing/2010/main" Requires="a14">
+          <p:sp>
+            <p:nvSpPr>
+              <p:cNvPr id="7" name="内容占位符 2">
+                <a:extLst>
+                  <a:ext uri="{FF2B5EF4-FFF2-40B4-BE49-F238E27FC236}">
+                    <a16:creationId xmlns:a16="http://schemas.microsoft.com/office/drawing/2014/main" id="{FE64825A-DE2A-D04E-B986-41EB4FD82913}"/>
+                  </a:ext>
+                </a:extLst>
+              </p:cNvPr>
+              <p:cNvSpPr txBox="1">
+                <a:spLocks/>
+              </p:cNvSpPr>
+              <p:nvPr/>
+            </p:nvSpPr>
+            <p:spPr>
+              <a:xfrm>
+                <a:off x="521208" y="1690688"/>
+                <a:ext cx="10515600" cy="4351338"/>
+              </a:xfrm>
+              <a:prstGeom prst="rect">
+                <a:avLst/>
+              </a:prstGeom>
+            </p:spPr>
+            <p:txBody>
+              <a:bodyPr vert="horz" lIns="91440" tIns="45720" rIns="91440" bIns="45720" rtlCol="0">
+                <a:normAutofit/>
+              </a:bodyPr>
+              <a:lstStyle>
+                <a:lvl1pPr marL="228600" indent="-228600" algn="l" defTabSz="914400" rtl="0" eaLnBrk="1" latinLnBrk="0" hangingPunct="1">
+                  <a:lnSpc>
+                    <a:spcPct val="90000"/>
+                  </a:lnSpc>
+                  <a:spcBef>
+                    <a:spcPts val="1000"/>
+                  </a:spcBef>
+                  <a:buFont typeface="Arial" panose="020B0604020202020204" pitchFamily="34" charset="0"/>
+                  <a:buChar char="•"/>
+                  <a:defRPr sz="2800" kern="1200">
+                    <a:solidFill>
+                      <a:schemeClr val="tx1"/>
+                    </a:solidFill>
+                    <a:latin typeface="+mn-lt"/>
+                    <a:ea typeface="+mn-ea"/>
+                    <a:cs typeface="+mn-cs"/>
+                  </a:defRPr>
+                </a:lvl1pPr>
+                <a:lvl2pPr marL="685800" indent="-228600" algn="l" defTabSz="914400" rtl="0" eaLnBrk="1" latinLnBrk="0" hangingPunct="1">
+                  <a:lnSpc>
+                    <a:spcPct val="90000"/>
+                  </a:lnSpc>
+                  <a:spcBef>
+                    <a:spcPts val="500"/>
+                  </a:spcBef>
+                  <a:buFont typeface="Arial" panose="020B0604020202020204" pitchFamily="34" charset="0"/>
+                  <a:buChar char="•"/>
+                  <a:defRPr sz="2400" kern="1200">
+                    <a:solidFill>
+                      <a:schemeClr val="tx1"/>
+                    </a:solidFill>
+                    <a:latin typeface="+mn-lt"/>
+                    <a:ea typeface="+mn-ea"/>
+                    <a:cs typeface="+mn-cs"/>
+                  </a:defRPr>
+                </a:lvl2pPr>
+                <a:lvl3pPr marL="1143000" indent="-228600" algn="l" defTabSz="914400" rtl="0" eaLnBrk="1" latinLnBrk="0" hangingPunct="1">
+                  <a:lnSpc>
+                    <a:spcPct val="90000"/>
+                  </a:lnSpc>
+                  <a:spcBef>
+                    <a:spcPts val="500"/>
+                  </a:spcBef>
+                  <a:buFont typeface="Arial" panose="020B0604020202020204" pitchFamily="34" charset="0"/>
+                  <a:buChar char="•"/>
+                  <a:defRPr sz="2000" kern="1200">
+                    <a:solidFill>
+                      <a:schemeClr val="tx1"/>
+                    </a:solidFill>
+                    <a:latin typeface="+mn-lt"/>
+                    <a:ea typeface="+mn-ea"/>
+                    <a:cs typeface="+mn-cs"/>
+                  </a:defRPr>
+                </a:lvl3pPr>
+                <a:lvl4pPr marL="1600200" indent="-228600" algn="l" defTabSz="914400" rtl="0" eaLnBrk="1" latinLnBrk="0" hangingPunct="1">
+                  <a:lnSpc>
+                    <a:spcPct val="90000"/>
+                  </a:lnSpc>
+                  <a:spcBef>
+                    <a:spcPts val="500"/>
+                  </a:spcBef>
+                  <a:buFont typeface="Arial" panose="020B0604020202020204" pitchFamily="34" charset="0"/>
+                  <a:buChar char="•"/>
+                  <a:defRPr sz="1800" kern="1200">
+                    <a:solidFill>
+                      <a:schemeClr val="tx1"/>
+                    </a:solidFill>
+                    <a:latin typeface="+mn-lt"/>
+                    <a:ea typeface="+mn-ea"/>
+                    <a:cs typeface="+mn-cs"/>
+                  </a:defRPr>
+                </a:lvl4pPr>
+                <a:lvl5pPr marL="2057400" indent="-228600" algn="l" defTabSz="914400" rtl="0" eaLnBrk="1" latinLnBrk="0" hangingPunct="1">
+                  <a:lnSpc>
+                    <a:spcPct val="90000"/>
+                  </a:lnSpc>
+                  <a:spcBef>
+                    <a:spcPts val="500"/>
+                  </a:spcBef>
+                  <a:buFont typeface="Arial" panose="020B0604020202020204" pitchFamily="34" charset="0"/>
+                  <a:buChar char="•"/>
+                  <a:defRPr sz="1800" kern="1200">
+                    <a:solidFill>
+                      <a:schemeClr val="tx1"/>
+                    </a:solidFill>
+                    <a:latin typeface="+mn-lt"/>
+                    <a:ea typeface="+mn-ea"/>
+                    <a:cs typeface="+mn-cs"/>
+                  </a:defRPr>
+                </a:lvl5pPr>
+                <a:lvl6pPr marL="2514600" indent="-228600" algn="l" defTabSz="914400" rtl="0" eaLnBrk="1" latinLnBrk="0" hangingPunct="1">
+                  <a:lnSpc>
+                    <a:spcPct val="90000"/>
+                  </a:lnSpc>
+                  <a:spcBef>
+                    <a:spcPts val="500"/>
+                  </a:spcBef>
+                  <a:buFont typeface="Arial" panose="020B0604020202020204" pitchFamily="34" charset="0"/>
+                  <a:buChar char="•"/>
+                  <a:defRPr sz="1800" kern="1200">
+                    <a:solidFill>
+                      <a:schemeClr val="tx1"/>
+                    </a:solidFill>
+                    <a:latin typeface="+mn-lt"/>
+                    <a:ea typeface="+mn-ea"/>
+                    <a:cs typeface="+mn-cs"/>
+                  </a:defRPr>
+                </a:lvl6pPr>
+                <a:lvl7pPr marL="2971800" indent="-228600" algn="l" defTabSz="914400" rtl="0" eaLnBrk="1" latinLnBrk="0" hangingPunct="1">
+                  <a:lnSpc>
+                    <a:spcPct val="90000"/>
+                  </a:lnSpc>
+                  <a:spcBef>
+                    <a:spcPts val="500"/>
+                  </a:spcBef>
+                  <a:buFont typeface="Arial" panose="020B0604020202020204" pitchFamily="34" charset="0"/>
+                  <a:buChar char="•"/>
+                  <a:defRPr sz="1800" kern="1200">
+                    <a:solidFill>
+                      <a:schemeClr val="tx1"/>
+                    </a:solidFill>
+                    <a:latin typeface="+mn-lt"/>
+                    <a:ea typeface="+mn-ea"/>
+                    <a:cs typeface="+mn-cs"/>
+                  </a:defRPr>
+                </a:lvl7pPr>
+                <a:lvl8pPr marL="3429000" indent="-228600" algn="l" defTabSz="914400" rtl="0" eaLnBrk="1" latinLnBrk="0" hangingPunct="1">
+                  <a:lnSpc>
+                    <a:spcPct val="90000"/>
+                  </a:lnSpc>
+                  <a:spcBef>
+                    <a:spcPts val="500"/>
+                  </a:spcBef>
+                  <a:buFont typeface="Arial" panose="020B0604020202020204" pitchFamily="34" charset="0"/>
+                  <a:buChar char="•"/>
+                  <a:defRPr sz="1800" kern="1200">
+                    <a:solidFill>
+                      <a:schemeClr val="tx1"/>
+                    </a:solidFill>
+                    <a:latin typeface="+mn-lt"/>
+                    <a:ea typeface="+mn-ea"/>
+                    <a:cs typeface="+mn-cs"/>
+                  </a:defRPr>
+                </a:lvl8pPr>
+                <a:lvl9pPr marL="3886200" indent="-228600" algn="l" defTabSz="914400" rtl="0" eaLnBrk="1" latinLnBrk="0" hangingPunct="1">
+                  <a:lnSpc>
+                    <a:spcPct val="90000"/>
+                  </a:lnSpc>
+                  <a:spcBef>
+                    <a:spcPts val="500"/>
+                  </a:spcBef>
+                  <a:buFont typeface="Arial" panose="020B0604020202020204" pitchFamily="34" charset="0"/>
+                  <a:buChar char="•"/>
+                  <a:defRPr sz="1800" kern="1200">
+                    <a:solidFill>
+                      <a:schemeClr val="tx1"/>
+                    </a:solidFill>
+                    <a:latin typeface="+mn-lt"/>
+                    <a:ea typeface="+mn-ea"/>
+                    <a:cs typeface="+mn-cs"/>
+                  </a:defRPr>
+                </a:lvl9pPr>
+              </a:lstStyle>
+              <a:p>
+                <a:r>
+                  <a:rPr lang="zh-CN" altLang="zh-CN" dirty="0"/>
+                  <a:t>通过概率来计算这个强度的概率。给定一个数据集</a:t>
+                </a:r>
+                <a:r>
+                  <a:rPr lang="en-US" altLang="zh-CN" dirty="0"/>
+                  <a:t>D</a:t>
+                </a:r>
+                <a:r>
+                  <a:rPr lang="zh-CN" altLang="zh-CN" dirty="0"/>
+                  <a:t>，通过θ的先验概率，计算θ关于</a:t>
+                </a:r>
+                <a:r>
+                  <a:rPr lang="en-US" altLang="zh-CN" dirty="0"/>
+                  <a:t>D</a:t>
+                </a:r>
+                <a:r>
+                  <a:rPr lang="zh-CN" altLang="zh-CN" dirty="0"/>
+                  <a:t>的条件概率： </a:t>
+                </a:r>
+                <a:endParaRPr lang="en-US" altLang="zh-CN" dirty="0"/>
+              </a:p>
+              <a:p>
+                <a:r>
+                  <a:rPr lang="zh-CN" altLang="zh-CN" dirty="0"/>
+                  <a:t>上述公式的</a:t>
+                </a:r>
+                <a14:m>
+                  <m:oMath xmlns:m="http://schemas.openxmlformats.org/officeDocument/2006/math">
+                    <m:r>
+                      <a:rPr lang="en-US" altLang="zh-CN" i="1"/>
+                      <m:t>𝑙𝑜𝑔𝑝</m:t>
+                    </m:r>
+                    <m:d>
+                      <m:dPr>
+                        <m:ctrlPr>
+                          <a:rPr lang="zh-CN" altLang="zh-CN" i="1"/>
+                        </m:ctrlPr>
+                      </m:dPr>
+                      <m:e>
+                        <m:r>
+                          <a:rPr lang="en-US" altLang="zh-CN" i="1"/>
+                          <m:t>𝐷</m:t>
+                        </m:r>
+                      </m:e>
+                      <m:e>
+                        <m:r>
+                          <a:rPr lang="en-US" altLang="zh-CN" i="1"/>
+                          <m:t>𝜃</m:t>
+                        </m:r>
+                      </m:e>
+                    </m:d>
+                  </m:oMath>
+                </a14:m>
+                <a:r>
+                  <a:rPr lang="zh-CN" altLang="zh-CN" dirty="0"/>
+                  <a:t>实际上的值是，简单的来说是这个问题的</a:t>
+                </a:r>
+                <a:r>
+                  <a:rPr lang="en-US" altLang="zh-CN" dirty="0"/>
+                  <a:t>loss</a:t>
+                </a:r>
+                <a:r>
+                  <a:rPr lang="zh-CN" altLang="zh-CN" dirty="0"/>
+                  <a:t>值的负数：</a:t>
+                </a:r>
+                <a:r>
+                  <a:rPr lang="en-US" altLang="zh-CN" dirty="0"/>
+                  <a:t>-L(</a:t>
+                </a:r>
+                <a:r>
+                  <a:rPr lang="zh-CN" altLang="zh-CN" dirty="0"/>
+                  <a:t>θ</a:t>
+                </a:r>
+                <a:r>
+                  <a:rPr lang="en-US" altLang="zh-CN" dirty="0"/>
+                  <a:t>)</a:t>
+                </a:r>
+                <a:r>
+                  <a:rPr lang="zh-CN" altLang="zh-CN" dirty="0"/>
+                  <a:t>。</a:t>
+                </a:r>
+                <a:r>
+                  <a:rPr lang="zh-CN" altLang="zh-CN" dirty="0">
+                    <a:effectLst/>
+                  </a:rPr>
+                  <a:t> </a:t>
+                </a:r>
+                <a:endParaRPr lang="zh-CN" altLang="en-US" dirty="0"/>
+              </a:p>
+            </p:txBody>
+          </p:sp>
+        </mc:Choice>
+        <mc:Fallback>
+          <p:sp>
+            <p:nvSpPr>
+              <p:cNvPr id="7" name="内容占位符 2">
+                <a:extLst>
+                  <a:ext uri="{FF2B5EF4-FFF2-40B4-BE49-F238E27FC236}">
+                    <a16:creationId xmlns:a16="http://schemas.microsoft.com/office/drawing/2014/main" id="{FE64825A-DE2A-D04E-B986-41EB4FD82913}"/>
+                  </a:ext>
+                </a:extLst>
+              </p:cNvPr>
+              <p:cNvSpPr txBox="1">
+                <a:spLocks noRot="1" noChangeAspect="1" noMove="1" noResize="1" noEditPoints="1" noAdjustHandles="1" noChangeArrowheads="1" noChangeShapeType="1" noTextEdit="1"/>
+              </p:cNvSpPr>
+              <p:nvPr/>
+            </p:nvSpPr>
+            <p:spPr>
+              <a:xfrm>
+                <a:off x="521208" y="1690688"/>
+                <a:ext cx="10515600" cy="4351338"/>
+              </a:xfrm>
+              <a:prstGeom prst="rect">
+                <a:avLst/>
+              </a:prstGeom>
+              <a:blipFill>
+                <a:blip r:embed="rId3"/>
+                <a:stretch>
+                  <a:fillRect l="-965" t="-2326" r="-603"/>
+                </a:stretch>
+              </a:blipFill>
+            </p:spPr>
+            <p:txBody>
+              <a:bodyPr/>
+              <a:lstStyle/>
+              <a:p>
+                <a:r>
+                  <a:rPr lang="zh-CN" altLang="en-US">
+                    <a:noFill/>
+                  </a:rPr>
+                  <a:t> </a:t>
+                </a:r>
+              </a:p>
+            </p:txBody>
+          </p:sp>
+        </mc:Fallback>
+      </mc:AlternateContent>
+      <p:pic>
+        <p:nvPicPr>
+          <p:cNvPr id="8" name="图片 7" descr="文本, 信件&#10;&#10;描述已自动生成">
+            <a:extLst>
+              <a:ext uri="{FF2B5EF4-FFF2-40B4-BE49-F238E27FC236}">
+                <a16:creationId xmlns:a16="http://schemas.microsoft.com/office/drawing/2014/main" id="{12A3A86F-2A70-B04F-B00E-8E114DA174A8}"/>
+              </a:ext>
+            </a:extLst>
+          </p:cNvPr>
+          <p:cNvPicPr/>
+          <p:nvPr/>
+        </p:nvPicPr>
+        <p:blipFill rotWithShape="1">
+          <a:blip r:embed="rId4"/>
+          <a:srcRect l="24468" r="12416" b="16034"/>
+          <a:stretch/>
+        </p:blipFill>
+        <p:spPr bwMode="auto">
+          <a:xfrm rot="16200000">
+            <a:off x="4253515" y="2156931"/>
+            <a:ext cx="2792286" cy="6606168"/>
+          </a:xfrm>
+          <a:prstGeom prst="rect">
+            <a:avLst/>
+          </a:prstGeom>
+          <a:ln>
+            <a:noFill/>
+          </a:ln>
+          <a:extLst>
+            <a:ext uri="{53640926-AAD7-44D8-BBD7-CCE9431645EC}">
+              <a14:shadowObscured xmlns:a14="http://schemas.microsoft.com/office/drawing/2010/main"/>
+            </a:ext>
+          </a:extLst>
+        </p:spPr>
+      </p:pic>
     </p:spTree>
     <p:extLst>
       <p:ext uri="{BB962C8B-B14F-4D97-AF65-F5344CB8AC3E}">
@@ -3997,7 +7742,7 @@
           <p:cNvPr id="2" name="标题 1">
             <a:extLst>
               <a:ext uri="{FF2B5EF4-FFF2-40B4-BE49-F238E27FC236}">
-                <a16:creationId xmlns:a16="http://schemas.microsoft.com/office/drawing/2014/main" id="{246904B2-A85E-4E42-85E6-F8A8003BEB61}"/>
+                <a16:creationId xmlns:a16="http://schemas.microsoft.com/office/drawing/2014/main" id="{92006F59-D1B3-49F2-AB8C-1EB9A6CC07C9}"/>
               </a:ext>
             </a:extLst>
           </p:cNvPr>
@@ -4015,62 +7760,1670 @@
           <a:p>
             <a:r>
               <a:rPr lang="zh-CN" altLang="en-US" dirty="0"/>
-              <a:t>下周工作</a:t>
-            </a:r>
-          </a:p>
-        </p:txBody>
-      </p:sp>
-      <p:sp>
-        <p:nvSpPr>
-          <p:cNvPr id="3" name="内容占位符 2">
-            <a:extLst>
-              <a:ext uri="{FF2B5EF4-FFF2-40B4-BE49-F238E27FC236}">
-                <a16:creationId xmlns:a16="http://schemas.microsoft.com/office/drawing/2014/main" id="{9A9913A6-2D6C-4311-A3E4-7C7E9C7F93C3}"/>
-              </a:ext>
-            </a:extLst>
-          </p:cNvPr>
-          <p:cNvSpPr>
-            <a:spLocks noGrp="1"/>
-          </p:cNvSpPr>
-          <p:nvPr>
-            <p:ph idx="1"/>
-          </p:nvPr>
-        </p:nvSpPr>
-        <p:spPr/>
-        <p:txBody>
-          <a:bodyPr/>
-          <a:lstStyle/>
-          <a:p>
+              <a:t>计算强度</a:t>
+            </a:r>
+            <a:r>
+              <a:rPr lang="en-US" altLang="zh-CN" dirty="0"/>
+              <a:t>——</a:t>
+            </a:r>
             <a:r>
               <a:rPr lang="zh-CN" altLang="en-US" dirty="0"/>
-              <a:t>推荐论文阅读（比如</a:t>
+              <a:t>假定有两个个任务时</a:t>
+            </a:r>
+          </a:p>
+        </p:txBody>
+      </p:sp>
+      <mc:AlternateContent xmlns:mc="http://schemas.openxmlformats.org/markup-compatibility/2006">
+        <mc:Choice xmlns:a14="http://schemas.microsoft.com/office/drawing/2010/main" Requires="a14">
+          <p:graphicFrame>
+            <p:nvGraphicFramePr>
+              <p:cNvPr id="5" name="内容占位符 4">
+                <a:extLst>
+                  <a:ext uri="{FF2B5EF4-FFF2-40B4-BE49-F238E27FC236}">
+                    <a16:creationId xmlns:a16="http://schemas.microsoft.com/office/drawing/2014/main" id="{5DB5ABF3-BAFA-CD4F-83BF-1EF46B91C5FE}"/>
+                  </a:ext>
+                </a:extLst>
+              </p:cNvPr>
+              <p:cNvGraphicFramePr>
+                <a:graphicFrameLocks noGrp="1"/>
+              </p:cNvGraphicFramePr>
+              <p:nvPr>
+                <p:ph idx="1"/>
+                <p:extLst>
+                  <p:ext uri="{D42A27DB-BD31-4B8C-83A1-F6EECF244321}">
+                    <p14:modId xmlns:p14="http://schemas.microsoft.com/office/powerpoint/2010/main" val="3354002215"/>
+                  </p:ext>
+                </p:extLst>
+              </p:nvPr>
+            </p:nvGraphicFramePr>
+            <p:xfrm>
+              <a:off x="838200" y="1310165"/>
+              <a:ext cx="9622917" cy="2439923"/>
+            </p:xfrm>
+            <a:graphic>
+              <a:graphicData uri="http://schemas.openxmlformats.org/drawingml/2006/table">
+                <a:tbl>
+                  <a:tblPr firstRow="1" firstCol="1" bandRow="1"/>
+                  <a:tblGrid>
+                    <a:gridCol w="8708879">
+                      <a:extLst>
+                        <a:ext uri="{9D8B030D-6E8A-4147-A177-3AD203B41FA5}">
+                          <a16:colId xmlns:a16="http://schemas.microsoft.com/office/drawing/2014/main" val="1113274642"/>
+                        </a:ext>
+                      </a:extLst>
+                    </a:gridCol>
+                    <a:gridCol w="914038">
+                      <a:extLst>
+                        <a:ext uri="{9D8B030D-6E8A-4147-A177-3AD203B41FA5}">
+                          <a16:colId xmlns:a16="http://schemas.microsoft.com/office/drawing/2014/main" val="3100557621"/>
+                        </a:ext>
+                      </a:extLst>
+                    </a:gridCol>
+                  </a:tblGrid>
+                  <a:tr h="2439923">
+                    <a:tc>
+                      <a:txBody>
+                        <a:bodyPr/>
+                        <a:lstStyle/>
+                        <a:p>
+                          <a:pPr marL="0" marR="0" indent="266700" algn="ctr" defTabSz="914400" rtl="0" eaLnBrk="1" fontAlgn="auto" latinLnBrk="0" hangingPunct="1">
+                            <a:lnSpc>
+                              <a:spcPct val="150000"/>
+                            </a:lnSpc>
+                            <a:spcBef>
+                              <a:spcPts val="0"/>
+                            </a:spcBef>
+                            <a:spcAft>
+                              <a:spcPts val="0"/>
+                            </a:spcAft>
+                            <a:buClrTx/>
+                            <a:buSzTx/>
+                            <a:buFontTx/>
+                            <a:buNone/>
+                            <a:tabLst/>
+                            <a:defRPr/>
+                          </a:pPr>
+                          <a14:m>
+                            <m:oMathPara xmlns:m="http://schemas.openxmlformats.org/officeDocument/2006/math">
+                              <m:oMathParaPr>
+                                <m:jc m:val="centerGroup"/>
+                              </m:oMathParaPr>
+                              <m:oMath xmlns:m="http://schemas.openxmlformats.org/officeDocument/2006/math">
+                                <m:r>
+                                  <a:rPr lang="en-US" sz="2400" i="1" kern="100" smtClean="0">
+                                    <a:effectLst/>
+                                    <a:latin typeface="Cambria Math" panose="02040503050406030204" pitchFamily="18" charset="0"/>
+                                    <a:ea typeface="仿宋_GB2312"/>
+                                  </a:rPr>
+                                  <m:t>𝑙𝑜𝑔𝑝</m:t>
+                                </m:r>
+                                <m:r>
+                                  <a:rPr lang="en-US" sz="2400" i="1" kern="100" smtClean="0">
+                                    <a:effectLst/>
+                                    <a:latin typeface="Cambria Math" panose="02040503050406030204" pitchFamily="18" charset="0"/>
+                                    <a:ea typeface="仿宋_GB2312"/>
+                                  </a:rPr>
+                                  <m:t>(</m:t>
+                                </m:r>
+                                <m:r>
+                                  <a:rPr lang="en-US" sz="2400" i="1" kern="100" smtClean="0">
+                                    <a:effectLst/>
+                                    <a:latin typeface="Cambria Math" panose="02040503050406030204" pitchFamily="18" charset="0"/>
+                                    <a:ea typeface="仿宋_GB2312"/>
+                                  </a:rPr>
+                                  <m:t>𝜃</m:t>
+                                </m:r>
+                                <m:r>
+                                  <a:rPr lang="en-US" sz="2400" i="1" kern="100" smtClean="0">
+                                    <a:effectLst/>
+                                    <a:latin typeface="Cambria Math" panose="02040503050406030204" pitchFamily="18" charset="0"/>
+                                    <a:ea typeface="仿宋_GB2312"/>
+                                  </a:rPr>
+                                  <m:t>│</m:t>
+                                </m:r>
+                                <m:r>
+                                  <a:rPr lang="en-US" sz="2400" i="1" kern="100" smtClean="0">
+                                    <a:effectLst/>
+                                    <a:latin typeface="Cambria Math" panose="02040503050406030204" pitchFamily="18" charset="0"/>
+                                    <a:ea typeface="仿宋_GB2312"/>
+                                  </a:rPr>
+                                  <m:t>𝐷</m:t>
+                                </m:r>
+                                <m:r>
+                                  <a:rPr lang="en-US" sz="2400" i="1" kern="100" smtClean="0">
+                                    <a:effectLst/>
+                                    <a:latin typeface="Cambria Math" panose="02040503050406030204" pitchFamily="18" charset="0"/>
+                                    <a:ea typeface="仿宋_GB2312"/>
+                                  </a:rPr>
+                                  <m:t>)=</m:t>
+                                </m:r>
+                                <m:r>
+                                  <a:rPr lang="en-US" sz="2400" i="1" kern="100" smtClean="0">
+                                    <a:effectLst/>
+                                    <a:latin typeface="Cambria Math" panose="02040503050406030204" pitchFamily="18" charset="0"/>
+                                    <a:ea typeface="仿宋_GB2312"/>
+                                  </a:rPr>
+                                  <m:t>𝑙𝑜𝑔𝑝</m:t>
+                                </m:r>
+                                <m:r>
+                                  <a:rPr lang="en-US" sz="2400" i="1" kern="100" smtClean="0">
+                                    <a:effectLst/>
+                                    <a:latin typeface="Cambria Math" panose="02040503050406030204" pitchFamily="18" charset="0"/>
+                                    <a:ea typeface="仿宋_GB2312"/>
+                                  </a:rPr>
+                                  <m:t>(</m:t>
+                                </m:r>
+                                <m:r>
+                                  <a:rPr lang="en-US" sz="2400" i="1" kern="100" smtClean="0">
+                                    <a:effectLst/>
+                                    <a:latin typeface="Cambria Math" panose="02040503050406030204" pitchFamily="18" charset="0"/>
+                                    <a:ea typeface="仿宋_GB2312"/>
+                                  </a:rPr>
+                                  <m:t>𝐷</m:t>
+                                </m:r>
+                                <m:r>
+                                  <a:rPr lang="en-US" sz="2400" i="1" kern="100" smtClean="0">
+                                    <a:effectLst/>
+                                    <a:latin typeface="Cambria Math" panose="02040503050406030204" pitchFamily="18" charset="0"/>
+                                    <a:ea typeface="仿宋_GB2312"/>
+                                  </a:rPr>
+                                  <m:t>_</m:t>
+                                </m:r>
+                                <m:r>
+                                  <a:rPr lang="en-US" sz="2400" i="1" kern="100" smtClean="0">
+                                    <a:effectLst/>
+                                    <a:latin typeface="Cambria Math" panose="02040503050406030204" pitchFamily="18" charset="0"/>
+                                    <a:ea typeface="仿宋_GB2312"/>
+                                  </a:rPr>
+                                  <m:t>𝐵</m:t>
+                                </m:r>
+                                <m:r>
+                                  <a:rPr lang="en-US" sz="2400" i="1" kern="100" smtClean="0">
+                                    <a:effectLst/>
+                                    <a:latin typeface="Cambria Math" panose="02040503050406030204" pitchFamily="18" charset="0"/>
+                                    <a:ea typeface="仿宋_GB2312"/>
+                                  </a:rPr>
+                                  <m:t>│</m:t>
+                                </m:r>
+                                <m:r>
+                                  <a:rPr lang="en-US" sz="2400" i="1" kern="100" smtClean="0">
+                                    <a:effectLst/>
+                                    <a:latin typeface="Cambria Math" panose="02040503050406030204" pitchFamily="18" charset="0"/>
+                                    <a:ea typeface="仿宋_GB2312"/>
+                                  </a:rPr>
+                                  <m:t>𝜃</m:t>
+                                </m:r>
+                                <m:r>
+                                  <a:rPr lang="en-US" sz="2400" i="1" kern="100" smtClean="0">
+                                    <a:effectLst/>
+                                    <a:latin typeface="Cambria Math" panose="02040503050406030204" pitchFamily="18" charset="0"/>
+                                    <a:ea typeface="仿宋_GB2312"/>
+                                  </a:rPr>
+                                  <m:t>)+</m:t>
+                                </m:r>
+                                <m:r>
+                                  <a:rPr lang="en-US" sz="2400" i="1" kern="100" smtClean="0">
+                                    <a:effectLst/>
+                                    <a:latin typeface="Cambria Math" panose="02040503050406030204" pitchFamily="18" charset="0"/>
+                                    <a:ea typeface="仿宋_GB2312"/>
+                                  </a:rPr>
+                                  <m:t>𝑙𝑜𝑔𝑝</m:t>
+                                </m:r>
+                                <m:r>
+                                  <a:rPr lang="en-US" sz="2400" i="1" kern="100" smtClean="0">
+                                    <a:effectLst/>
+                                    <a:latin typeface="Cambria Math" panose="02040503050406030204" pitchFamily="18" charset="0"/>
+                                    <a:ea typeface="仿宋_GB2312"/>
+                                  </a:rPr>
+                                  <m:t>(</m:t>
+                                </m:r>
+                                <m:r>
+                                  <a:rPr lang="en-US" sz="2400" i="1" kern="100" smtClean="0">
+                                    <a:effectLst/>
+                                    <a:latin typeface="Cambria Math" panose="02040503050406030204" pitchFamily="18" charset="0"/>
+                                    <a:ea typeface="仿宋_GB2312"/>
+                                  </a:rPr>
+                                  <m:t>𝜃</m:t>
+                                </m:r>
+                                <m:r>
+                                  <a:rPr lang="en-US" sz="2400" i="1" kern="100" smtClean="0">
+                                    <a:effectLst/>
+                                    <a:latin typeface="Cambria Math" panose="02040503050406030204" pitchFamily="18" charset="0"/>
+                                    <a:ea typeface="仿宋_GB2312"/>
+                                  </a:rPr>
+                                  <m:t>|</m:t>
+                                </m:r>
+                                <m:r>
+                                  <a:rPr lang="en-US" sz="2400" i="1" kern="100" smtClean="0">
+                                    <a:effectLst/>
+                                    <a:latin typeface="Cambria Math" panose="02040503050406030204" pitchFamily="18" charset="0"/>
+                                    <a:ea typeface="仿宋_GB2312"/>
+                                  </a:rPr>
+                                  <m:t>𝐷</m:t>
+                                </m:r>
+                                <m:r>
+                                  <a:rPr lang="en-US" sz="2400" i="1" kern="100" smtClean="0">
+                                    <a:effectLst/>
+                                    <a:latin typeface="Cambria Math" panose="02040503050406030204" pitchFamily="18" charset="0"/>
+                                    <a:ea typeface="仿宋_GB2312"/>
+                                  </a:rPr>
+                                  <m:t>_</m:t>
+                                </m:r>
+                                <m:r>
+                                  <a:rPr lang="en-US" sz="2400" i="1" kern="100" smtClean="0">
+                                    <a:effectLst/>
+                                    <a:latin typeface="Cambria Math" panose="02040503050406030204" pitchFamily="18" charset="0"/>
+                                    <a:ea typeface="仿宋_GB2312"/>
+                                  </a:rPr>
+                                  <m:t>𝐴</m:t>
+                                </m:r>
+                                <m:r>
+                                  <a:rPr lang="en-US" sz="2400" i="1" kern="100" smtClean="0">
+                                    <a:effectLst/>
+                                    <a:latin typeface="Cambria Math" panose="02040503050406030204" pitchFamily="18" charset="0"/>
+                                    <a:ea typeface="仿宋_GB2312"/>
+                                  </a:rPr>
+                                  <m:t> )−</m:t>
+                                </m:r>
+                                <m:r>
+                                  <a:rPr lang="en-US" sz="2400" i="1" kern="100" smtClean="0">
+                                    <a:effectLst/>
+                                    <a:latin typeface="Cambria Math" panose="02040503050406030204" pitchFamily="18" charset="0"/>
+                                    <a:ea typeface="仿宋_GB2312"/>
+                                  </a:rPr>
+                                  <m:t>𝑙𝑜𝑔𝑝</m:t>
+                                </m:r>
+                                <m:r>
+                                  <a:rPr lang="en-US" sz="2400" i="1" kern="100" smtClean="0">
+                                    <a:effectLst/>
+                                    <a:latin typeface="Cambria Math" panose="02040503050406030204" pitchFamily="18" charset="0"/>
+                                    <a:ea typeface="仿宋_GB2312"/>
+                                  </a:rPr>
+                                  <m:t>(</m:t>
+                                </m:r>
+                                <m:r>
+                                  <a:rPr lang="en-US" sz="2400" i="1" kern="100" smtClean="0">
+                                    <a:effectLst/>
+                                    <a:latin typeface="Cambria Math" panose="02040503050406030204" pitchFamily="18" charset="0"/>
+                                    <a:ea typeface="仿宋_GB2312"/>
+                                  </a:rPr>
+                                  <m:t>𝐷</m:t>
+                                </m:r>
+                                <m:r>
+                                  <a:rPr lang="en-US" sz="2400" i="1" kern="100" smtClean="0">
+                                    <a:effectLst/>
+                                    <a:latin typeface="Cambria Math" panose="02040503050406030204" pitchFamily="18" charset="0"/>
+                                    <a:ea typeface="仿宋_GB2312"/>
+                                  </a:rPr>
+                                  <m:t>_</m:t>
+                                </m:r>
+                                <m:r>
+                                  <a:rPr lang="en-US" sz="2400" i="1" kern="100" smtClean="0">
+                                    <a:effectLst/>
+                                    <a:latin typeface="Cambria Math" panose="02040503050406030204" pitchFamily="18" charset="0"/>
+                                    <a:ea typeface="仿宋_GB2312"/>
+                                  </a:rPr>
+                                  <m:t>𝐵</m:t>
+                                </m:r>
+                                <m:r>
+                                  <a:rPr lang="en-US" sz="2400" i="1" kern="100" smtClean="0">
+                                    <a:effectLst/>
+                                    <a:latin typeface="Cambria Math" panose="02040503050406030204" pitchFamily="18" charset="0"/>
+                                    <a:ea typeface="仿宋_GB2312"/>
+                                  </a:rPr>
+                                  <m:t>)</m:t>
+                                </m:r>
+                              </m:oMath>
+                            </m:oMathPara>
+                          </a14:m>
+                          <a:endParaRPr lang="zh-CN" sz="1800" kern="100" dirty="0">
+                            <a:effectLst/>
+                            <a:latin typeface="Times New Roman" panose="02020603050405020304" pitchFamily="18" charset="0"/>
+                            <a:ea typeface="宋体" panose="02010600030101010101" pitchFamily="2" charset="-122"/>
+                          </a:endParaRPr>
+                        </a:p>
+                      </a:txBody>
+                      <a:tcPr marL="68580" marR="68580" marT="0" marB="0" anchor="ctr">
+                        <a:lnL>
+                          <a:noFill/>
+                        </a:lnL>
+                        <a:lnR>
+                          <a:noFill/>
+                        </a:lnR>
+                        <a:lnT>
+                          <a:noFill/>
+                        </a:lnT>
+                        <a:lnB>
+                          <a:noFill/>
+                        </a:lnB>
+                      </a:tcPr>
+                    </a:tc>
+                    <a:tc>
+                      <a:txBody>
+                        <a:bodyPr/>
+                        <a:lstStyle/>
+                        <a:p>
+                          <a:pPr indent="266700" algn="ctr">
+                            <a:lnSpc>
+                              <a:spcPct val="150000"/>
+                            </a:lnSpc>
+                            <a:spcAft>
+                              <a:spcPts val="0"/>
+                            </a:spcAft>
+                          </a:pPr>
+                          <a:r>
+                            <a:rPr lang="zh-CN" sz="2400" kern="100" dirty="0">
+                              <a:effectLst/>
+                              <a:latin typeface="Times New Roman" panose="02020603050405020304" pitchFamily="18" charset="0"/>
+                              <a:ea typeface="仿宋_GB2312"/>
+                              <a:cs typeface="Times New Roman" panose="02020603050405020304" pitchFamily="18" charset="0"/>
+                            </a:rPr>
+                            <a:t>（</a:t>
+                          </a:r>
+                          <a:r>
+                            <a:rPr lang="en-US" sz="2400" kern="100" dirty="0">
+                              <a:effectLst/>
+                              <a:latin typeface="Times New Roman" panose="02020603050405020304" pitchFamily="18" charset="0"/>
+                              <a:ea typeface="仿宋_GB2312"/>
+                              <a:cs typeface="Times New Roman" panose="02020603050405020304" pitchFamily="18" charset="0"/>
+                            </a:rPr>
+                            <a:t>1</a:t>
+                          </a:r>
+                          <a:r>
+                            <a:rPr lang="zh-CN" sz="2400" kern="100" dirty="0">
+                              <a:effectLst/>
+                              <a:latin typeface="Times New Roman" panose="02020603050405020304" pitchFamily="18" charset="0"/>
+                              <a:ea typeface="仿宋_GB2312"/>
+                              <a:cs typeface="Times New Roman" panose="02020603050405020304" pitchFamily="18" charset="0"/>
+                            </a:rPr>
+                            <a:t>）</a:t>
+                          </a:r>
+                          <a:endParaRPr lang="zh-CN" sz="1800" kern="100" dirty="0">
+                            <a:effectLst/>
+                            <a:latin typeface="Times New Roman" panose="02020603050405020304" pitchFamily="18" charset="0"/>
+                            <a:ea typeface="宋体" panose="02010600030101010101" pitchFamily="2" charset="-122"/>
+                          </a:endParaRPr>
+                        </a:p>
+                      </a:txBody>
+                      <a:tcPr marL="68580" marR="68580" marT="0" marB="0" anchor="ctr">
+                        <a:lnL>
+                          <a:noFill/>
+                        </a:lnL>
+                        <a:lnR>
+                          <a:noFill/>
+                        </a:lnR>
+                        <a:lnT>
+                          <a:noFill/>
+                        </a:lnT>
+                        <a:lnB>
+                          <a:noFill/>
+                        </a:lnB>
+                      </a:tcPr>
+                    </a:tc>
+                    <a:extLst>
+                      <a:ext uri="{0D108BD9-81ED-4DB2-BD59-A6C34878D82A}">
+                        <a16:rowId xmlns:a16="http://schemas.microsoft.com/office/drawing/2014/main" val="935353878"/>
+                      </a:ext>
+                    </a:extLst>
+                  </a:tr>
+                </a:tbl>
+              </a:graphicData>
+            </a:graphic>
+          </p:graphicFrame>
+        </mc:Choice>
+        <mc:Fallback>
+          <p:graphicFrame>
+            <p:nvGraphicFramePr>
+              <p:cNvPr id="5" name="内容占位符 4">
+                <a:extLst>
+                  <a:ext uri="{FF2B5EF4-FFF2-40B4-BE49-F238E27FC236}">
+                    <a16:creationId xmlns:a16="http://schemas.microsoft.com/office/drawing/2014/main" id="{5DB5ABF3-BAFA-CD4F-83BF-1EF46B91C5FE}"/>
+                  </a:ext>
+                </a:extLst>
+              </p:cNvPr>
+              <p:cNvGraphicFramePr>
+                <a:graphicFrameLocks noGrp="1"/>
+              </p:cNvGraphicFramePr>
+              <p:nvPr>
+                <p:ph idx="1"/>
+                <p:extLst>
+                  <p:ext uri="{D42A27DB-BD31-4B8C-83A1-F6EECF244321}">
+                    <p14:modId xmlns:p14="http://schemas.microsoft.com/office/powerpoint/2010/main" val="3354002215"/>
+                  </p:ext>
+                </p:extLst>
+              </p:nvPr>
+            </p:nvGraphicFramePr>
+            <p:xfrm>
+              <a:off x="838200" y="1310165"/>
+              <a:ext cx="9622917" cy="2439923"/>
+            </p:xfrm>
+            <a:graphic>
+              <a:graphicData uri="http://schemas.openxmlformats.org/drawingml/2006/table">
+                <a:tbl>
+                  <a:tblPr firstRow="1" firstCol="1" bandRow="1"/>
+                  <a:tblGrid>
+                    <a:gridCol w="8708879">
+                      <a:extLst>
+                        <a:ext uri="{9D8B030D-6E8A-4147-A177-3AD203B41FA5}">
+                          <a16:colId xmlns:a16="http://schemas.microsoft.com/office/drawing/2014/main" val="1113274642"/>
+                        </a:ext>
+                      </a:extLst>
+                    </a:gridCol>
+                    <a:gridCol w="914038">
+                      <a:extLst>
+                        <a:ext uri="{9D8B030D-6E8A-4147-A177-3AD203B41FA5}">
+                          <a16:colId xmlns:a16="http://schemas.microsoft.com/office/drawing/2014/main" val="3100557621"/>
+                        </a:ext>
+                      </a:extLst>
+                    </a:gridCol>
+                  </a:tblGrid>
+                  <a:tr h="2439923">
+                    <a:tc>
+                      <a:txBody>
+                        <a:bodyPr/>
+                        <a:lstStyle/>
+                        <a:p>
+                          <a:endParaRPr lang="zh-CN"/>
+                        </a:p>
+                      </a:txBody>
+                      <a:tcPr marL="68580" marR="68580" marT="0" marB="0" anchor="ctr">
+                        <a:lnL>
+                          <a:noFill/>
+                        </a:lnL>
+                        <a:lnR>
+                          <a:noFill/>
+                        </a:lnR>
+                        <a:lnT>
+                          <a:noFill/>
+                        </a:lnT>
+                        <a:lnB>
+                          <a:noFill/>
+                        </a:lnB>
+                        <a:blipFill>
+                          <a:blip r:embed="rId3"/>
+                          <a:stretch>
+                            <a:fillRect l="-146" r="-10496"/>
+                          </a:stretch>
+                        </a:blipFill>
+                      </a:tcPr>
+                    </a:tc>
+                    <a:tc>
+                      <a:txBody>
+                        <a:bodyPr/>
+                        <a:lstStyle/>
+                        <a:p>
+                          <a:pPr indent="266700" algn="ctr">
+                            <a:lnSpc>
+                              <a:spcPct val="150000"/>
+                            </a:lnSpc>
+                            <a:spcAft>
+                              <a:spcPts val="0"/>
+                            </a:spcAft>
+                          </a:pPr>
+                          <a:r>
+                            <a:rPr lang="zh-CN" sz="2400" kern="100" dirty="0">
+                              <a:effectLst/>
+                              <a:latin typeface="Times New Roman" panose="02020603050405020304" pitchFamily="18" charset="0"/>
+                              <a:ea typeface="仿宋_GB2312"/>
+                              <a:cs typeface="Times New Roman" panose="02020603050405020304" pitchFamily="18" charset="0"/>
+                            </a:rPr>
+                            <a:t>（</a:t>
+                          </a:r>
+                          <a:r>
+                            <a:rPr lang="en-US" sz="2400" kern="100" dirty="0">
+                              <a:effectLst/>
+                              <a:latin typeface="Times New Roman" panose="02020603050405020304" pitchFamily="18" charset="0"/>
+                              <a:ea typeface="仿宋_GB2312"/>
+                              <a:cs typeface="Times New Roman" panose="02020603050405020304" pitchFamily="18" charset="0"/>
+                            </a:rPr>
+                            <a:t>1</a:t>
+                          </a:r>
+                          <a:r>
+                            <a:rPr lang="zh-CN" sz="2400" kern="100" dirty="0">
+                              <a:effectLst/>
+                              <a:latin typeface="Times New Roman" panose="02020603050405020304" pitchFamily="18" charset="0"/>
+                              <a:ea typeface="仿宋_GB2312"/>
+                              <a:cs typeface="Times New Roman" panose="02020603050405020304" pitchFamily="18" charset="0"/>
+                            </a:rPr>
+                            <a:t>）</a:t>
+                          </a:r>
+                          <a:endParaRPr lang="zh-CN" sz="1800" kern="100" dirty="0">
+                            <a:effectLst/>
+                            <a:latin typeface="Times New Roman" panose="02020603050405020304" pitchFamily="18" charset="0"/>
+                            <a:ea typeface="宋体" panose="02010600030101010101" pitchFamily="2" charset="-122"/>
+                          </a:endParaRPr>
+                        </a:p>
+                      </a:txBody>
+                      <a:tcPr marL="68580" marR="68580" marT="0" marB="0" anchor="ctr">
+                        <a:lnL>
+                          <a:noFill/>
+                        </a:lnL>
+                        <a:lnR>
+                          <a:noFill/>
+                        </a:lnR>
+                        <a:lnT>
+                          <a:noFill/>
+                        </a:lnT>
+                        <a:lnB>
+                          <a:noFill/>
+                        </a:lnB>
+                      </a:tcPr>
+                    </a:tc>
+                    <a:extLst>
+                      <a:ext uri="{0D108BD9-81ED-4DB2-BD59-A6C34878D82A}">
+                        <a16:rowId xmlns:a16="http://schemas.microsoft.com/office/drawing/2014/main" val="935353878"/>
+                      </a:ext>
+                    </a:extLst>
+                  </a:tr>
+                </a:tbl>
+              </a:graphicData>
+            </a:graphic>
+          </p:graphicFrame>
+        </mc:Fallback>
+      </mc:AlternateContent>
+      <p:sp>
+        <p:nvSpPr>
+          <p:cNvPr id="7" name="内容占位符 2">
+            <a:extLst>
+              <a:ext uri="{FF2B5EF4-FFF2-40B4-BE49-F238E27FC236}">
+                <a16:creationId xmlns:a16="http://schemas.microsoft.com/office/drawing/2014/main" id="{FE64825A-DE2A-D04E-B986-41EB4FD82913}"/>
+              </a:ext>
+            </a:extLst>
+          </p:cNvPr>
+          <p:cNvSpPr txBox="1">
+            <a:spLocks/>
+          </p:cNvSpPr>
+          <p:nvPr/>
+        </p:nvSpPr>
+        <p:spPr>
+          <a:xfrm>
+            <a:off x="521208" y="1690688"/>
+            <a:ext cx="10515600" cy="4351338"/>
+          </a:xfrm>
+          <a:prstGeom prst="rect">
+            <a:avLst/>
+          </a:prstGeom>
+        </p:spPr>
+        <p:txBody>
+          <a:bodyPr vert="horz" lIns="91440" tIns="45720" rIns="91440" bIns="45720" rtlCol="0">
+            <a:normAutofit/>
+          </a:bodyPr>
+          <a:lstStyle>
+            <a:lvl1pPr marL="228600" indent="-228600" algn="l" defTabSz="914400" rtl="0" eaLnBrk="1" latinLnBrk="0" hangingPunct="1">
+              <a:lnSpc>
+                <a:spcPct val="90000"/>
+              </a:lnSpc>
+              <a:spcBef>
+                <a:spcPts val="1000"/>
+              </a:spcBef>
+              <a:buFont typeface="Arial" panose="020B0604020202020204" pitchFamily="34" charset="0"/>
+              <a:buChar char="•"/>
+              <a:defRPr sz="2800" kern="1200">
+                <a:solidFill>
+                  <a:schemeClr val="tx1"/>
+                </a:solidFill>
+                <a:latin typeface="+mn-lt"/>
+                <a:ea typeface="+mn-ea"/>
+                <a:cs typeface="+mn-cs"/>
+              </a:defRPr>
+            </a:lvl1pPr>
+            <a:lvl2pPr marL="685800" indent="-228600" algn="l" defTabSz="914400" rtl="0" eaLnBrk="1" latinLnBrk="0" hangingPunct="1">
+              <a:lnSpc>
+                <a:spcPct val="90000"/>
+              </a:lnSpc>
+              <a:spcBef>
+                <a:spcPts val="500"/>
+              </a:spcBef>
+              <a:buFont typeface="Arial" panose="020B0604020202020204" pitchFamily="34" charset="0"/>
+              <a:buChar char="•"/>
+              <a:defRPr sz="2400" kern="1200">
+                <a:solidFill>
+                  <a:schemeClr val="tx1"/>
+                </a:solidFill>
+                <a:latin typeface="+mn-lt"/>
+                <a:ea typeface="+mn-ea"/>
+                <a:cs typeface="+mn-cs"/>
+              </a:defRPr>
+            </a:lvl2pPr>
+            <a:lvl3pPr marL="1143000" indent="-228600" algn="l" defTabSz="914400" rtl="0" eaLnBrk="1" latinLnBrk="0" hangingPunct="1">
+              <a:lnSpc>
+                <a:spcPct val="90000"/>
+              </a:lnSpc>
+              <a:spcBef>
+                <a:spcPts val="500"/>
+              </a:spcBef>
+              <a:buFont typeface="Arial" panose="020B0604020202020204" pitchFamily="34" charset="0"/>
+              <a:buChar char="•"/>
+              <a:defRPr sz="2000" kern="1200">
+                <a:solidFill>
+                  <a:schemeClr val="tx1"/>
+                </a:solidFill>
+                <a:latin typeface="+mn-lt"/>
+                <a:ea typeface="+mn-ea"/>
+                <a:cs typeface="+mn-cs"/>
+              </a:defRPr>
+            </a:lvl3pPr>
+            <a:lvl4pPr marL="1600200" indent="-228600" algn="l" defTabSz="914400" rtl="0" eaLnBrk="1" latinLnBrk="0" hangingPunct="1">
+              <a:lnSpc>
+                <a:spcPct val="90000"/>
+              </a:lnSpc>
+              <a:spcBef>
+                <a:spcPts val="500"/>
+              </a:spcBef>
+              <a:buFont typeface="Arial" panose="020B0604020202020204" pitchFamily="34" charset="0"/>
+              <a:buChar char="•"/>
+              <a:defRPr sz="1800" kern="1200">
+                <a:solidFill>
+                  <a:schemeClr val="tx1"/>
+                </a:solidFill>
+                <a:latin typeface="+mn-lt"/>
+                <a:ea typeface="+mn-ea"/>
+                <a:cs typeface="+mn-cs"/>
+              </a:defRPr>
+            </a:lvl4pPr>
+            <a:lvl5pPr marL="2057400" indent="-228600" algn="l" defTabSz="914400" rtl="0" eaLnBrk="1" latinLnBrk="0" hangingPunct="1">
+              <a:lnSpc>
+                <a:spcPct val="90000"/>
+              </a:lnSpc>
+              <a:spcBef>
+                <a:spcPts val="500"/>
+              </a:spcBef>
+              <a:buFont typeface="Arial" panose="020B0604020202020204" pitchFamily="34" charset="0"/>
+              <a:buChar char="•"/>
+              <a:defRPr sz="1800" kern="1200">
+                <a:solidFill>
+                  <a:schemeClr val="tx1"/>
+                </a:solidFill>
+                <a:latin typeface="+mn-lt"/>
+                <a:ea typeface="+mn-ea"/>
+                <a:cs typeface="+mn-cs"/>
+              </a:defRPr>
+            </a:lvl5pPr>
+            <a:lvl6pPr marL="2514600" indent="-228600" algn="l" defTabSz="914400" rtl="0" eaLnBrk="1" latinLnBrk="0" hangingPunct="1">
+              <a:lnSpc>
+                <a:spcPct val="90000"/>
+              </a:lnSpc>
+              <a:spcBef>
+                <a:spcPts val="500"/>
+              </a:spcBef>
+              <a:buFont typeface="Arial" panose="020B0604020202020204" pitchFamily="34" charset="0"/>
+              <a:buChar char="•"/>
+              <a:defRPr sz="1800" kern="1200">
+                <a:solidFill>
+                  <a:schemeClr val="tx1"/>
+                </a:solidFill>
+                <a:latin typeface="+mn-lt"/>
+                <a:ea typeface="+mn-ea"/>
+                <a:cs typeface="+mn-cs"/>
+              </a:defRPr>
+            </a:lvl6pPr>
+            <a:lvl7pPr marL="2971800" indent="-228600" algn="l" defTabSz="914400" rtl="0" eaLnBrk="1" latinLnBrk="0" hangingPunct="1">
+              <a:lnSpc>
+                <a:spcPct val="90000"/>
+              </a:lnSpc>
+              <a:spcBef>
+                <a:spcPts val="500"/>
+              </a:spcBef>
+              <a:buFont typeface="Arial" panose="020B0604020202020204" pitchFamily="34" charset="0"/>
+              <a:buChar char="•"/>
+              <a:defRPr sz="1800" kern="1200">
+                <a:solidFill>
+                  <a:schemeClr val="tx1"/>
+                </a:solidFill>
+                <a:latin typeface="+mn-lt"/>
+                <a:ea typeface="+mn-ea"/>
+                <a:cs typeface="+mn-cs"/>
+              </a:defRPr>
+            </a:lvl7pPr>
+            <a:lvl8pPr marL="3429000" indent="-228600" algn="l" defTabSz="914400" rtl="0" eaLnBrk="1" latinLnBrk="0" hangingPunct="1">
+              <a:lnSpc>
+                <a:spcPct val="90000"/>
+              </a:lnSpc>
+              <a:spcBef>
+                <a:spcPts val="500"/>
+              </a:spcBef>
+              <a:buFont typeface="Arial" panose="020B0604020202020204" pitchFamily="34" charset="0"/>
+              <a:buChar char="•"/>
+              <a:defRPr sz="1800" kern="1200">
+                <a:solidFill>
+                  <a:schemeClr val="tx1"/>
+                </a:solidFill>
+                <a:latin typeface="+mn-lt"/>
+                <a:ea typeface="+mn-ea"/>
+                <a:cs typeface="+mn-cs"/>
+              </a:defRPr>
+            </a:lvl8pPr>
+            <a:lvl9pPr marL="3886200" indent="-228600" algn="l" defTabSz="914400" rtl="0" eaLnBrk="1" latinLnBrk="0" hangingPunct="1">
+              <a:lnSpc>
+                <a:spcPct val="90000"/>
+              </a:lnSpc>
+              <a:spcBef>
+                <a:spcPts val="500"/>
+              </a:spcBef>
+              <a:buFont typeface="Arial" panose="020B0604020202020204" pitchFamily="34" charset="0"/>
+              <a:buChar char="•"/>
+              <a:defRPr sz="1800" kern="1200">
+                <a:solidFill>
+                  <a:schemeClr val="tx1"/>
+                </a:solidFill>
+                <a:latin typeface="+mn-lt"/>
+                <a:ea typeface="+mn-ea"/>
+                <a:cs typeface="+mn-cs"/>
+              </a:defRPr>
+            </a:lvl9pPr>
+          </a:lstStyle>
+          <a:p>
+            <a:r>
+              <a:rPr lang="zh-CN" altLang="en-US" dirty="0"/>
+              <a:t>假定任务有</a:t>
             </a:r>
             <a:r>
               <a:rPr lang="en-US" altLang="zh-CN" dirty="0"/>
-              <a:t>continual learning</a:t>
+              <a:t>A</a:t>
             </a:r>
             <a:r>
               <a:rPr lang="zh-CN" altLang="en-US" dirty="0"/>
-              <a:t>？）</a:t>
-            </a:r>
-            <a:endParaRPr lang="en-US" altLang="zh-CN" dirty="0"/>
-          </a:p>
-          <a:p>
-            <a:pPr marL="457200" lvl="1" indent="0">
-              <a:buNone/>
-            </a:pPr>
+              <a:t>，</a:t>
+            </a:r>
+            <a:r>
+              <a:rPr lang="en-US" altLang="zh-CN" dirty="0"/>
+              <a:t>B</a:t>
+            </a:r>
             <a:r>
               <a:rPr lang="zh-CN" altLang="en-US" dirty="0"/>
-              <a:t>做成读书报告（几篇）</a:t>
-            </a:r>
-            <a:endParaRPr lang="en-US" altLang="zh-CN" dirty="0"/>
-          </a:p>
-        </p:txBody>
-      </p:sp>
+              <a:t>；目前已经训练完</a:t>
+            </a:r>
+            <a:r>
+              <a:rPr lang="en-US" altLang="zh-CN" dirty="0"/>
+              <a:t>A</a:t>
+            </a:r>
+            <a:r>
+              <a:rPr lang="zh-CN" altLang="en-US" dirty="0"/>
+              <a:t>，现在要训练</a:t>
+            </a:r>
+            <a:r>
+              <a:rPr lang="en-US" altLang="zh-CN" dirty="0"/>
+              <a:t>B</a:t>
+            </a:r>
+          </a:p>
+        </p:txBody>
+      </p:sp>
+      <p:pic>
+        <p:nvPicPr>
+          <p:cNvPr id="6" name="图片 5" descr="表格&#10;&#10;描述已自动生成">
+            <a:extLst>
+              <a:ext uri="{FF2B5EF4-FFF2-40B4-BE49-F238E27FC236}">
+                <a16:creationId xmlns:a16="http://schemas.microsoft.com/office/drawing/2014/main" id="{93B800F4-4F5D-9846-BEEF-84208FEB4B9F}"/>
+              </a:ext>
+            </a:extLst>
+          </p:cNvPr>
+          <p:cNvPicPr/>
+          <p:nvPr/>
+        </p:nvPicPr>
+        <p:blipFill rotWithShape="1">
+          <a:blip r:embed="rId4"/>
+          <a:srcRect l="4655" t="6314" r="9290"/>
+          <a:stretch/>
+        </p:blipFill>
+        <p:spPr bwMode="auto">
+          <a:xfrm>
+            <a:off x="2255710" y="2978027"/>
+            <a:ext cx="6688265" cy="4257615"/>
+          </a:xfrm>
+          <a:prstGeom prst="rect">
+            <a:avLst/>
+          </a:prstGeom>
+          <a:ln>
+            <a:noFill/>
+          </a:ln>
+          <a:extLst>
+            <a:ext uri="{53640926-AAD7-44D8-BBD7-CCE9431645EC}">
+              <a14:shadowObscured xmlns:a14="http://schemas.microsoft.com/office/drawing/2010/main"/>
+            </a:ext>
+          </a:extLst>
+        </p:spPr>
+      </p:pic>
+      <mc:AlternateContent xmlns:mc="http://schemas.openxmlformats.org/markup-compatibility/2006">
+        <mc:Choice xmlns:a14="http://schemas.microsoft.com/office/drawing/2010/main" Requires="a14">
+          <p:sp>
+            <p:nvSpPr>
+              <p:cNvPr id="3" name="矩形 2">
+                <a:extLst>
+                  <a:ext uri="{FF2B5EF4-FFF2-40B4-BE49-F238E27FC236}">
+                    <a16:creationId xmlns:a16="http://schemas.microsoft.com/office/drawing/2014/main" id="{B17FDD98-8A3A-A949-A644-8E73698A00A3}"/>
+                  </a:ext>
+                </a:extLst>
+              </p:cNvPr>
+              <p:cNvSpPr/>
+              <p:nvPr/>
+            </p:nvSpPr>
+            <p:spPr>
+              <a:xfrm>
+                <a:off x="1430179" y="3866347"/>
+                <a:ext cx="8697658" cy="961097"/>
+              </a:xfrm>
+              <a:prstGeom prst="rect">
+                <a:avLst/>
+              </a:prstGeom>
+            </p:spPr>
+            <p:txBody>
+              <a:bodyPr wrap="square">
+                <a:spAutoFit/>
+              </a:bodyPr>
+              <a:lstStyle/>
+              <a:p>
+                <a:pPr indent="266700" algn="just">
+                  <a:lnSpc>
+                    <a:spcPct val="150000"/>
+                  </a:lnSpc>
+                  <a:spcAft>
+                    <a:spcPts val="0"/>
+                  </a:spcAft>
+                </a:pPr>
+                <a:r>
+                  <a:rPr lang="zh-CN" altLang="zh-CN" sz="2000" kern="100" dirty="0">
+                    <a:latin typeface="Times New Roman" panose="02020603050405020304" pitchFamily="18" charset="0"/>
+                    <a:ea typeface="仿宋_GB2312"/>
+                    <a:cs typeface="Times New Roman" panose="02020603050405020304" pitchFamily="18" charset="0"/>
+                  </a:rPr>
+                  <a:t>左边仍然是参数的后验概率（给定全部数据），右边是仅仅依赖于任务</a:t>
+                </a:r>
+                <a:r>
+                  <a:rPr lang="en-US" altLang="zh-CN" sz="2000" kern="100" dirty="0">
+                    <a:latin typeface="Times New Roman" panose="02020603050405020304" pitchFamily="18" charset="0"/>
+                    <a:ea typeface="仿宋_GB2312"/>
+                  </a:rPr>
+                  <a:t>B</a:t>
+                </a:r>
+                <a:r>
+                  <a:rPr lang="zh-CN" altLang="zh-CN" sz="2000" kern="100" dirty="0">
+                    <a:latin typeface="Times New Roman" panose="02020603050405020304" pitchFamily="18" charset="0"/>
+                    <a:ea typeface="仿宋_GB2312"/>
+                    <a:cs typeface="Times New Roman" panose="02020603050405020304" pitchFamily="18" charset="0"/>
+                  </a:rPr>
+                  <a:t>的</a:t>
+                </a:r>
+                <a14:m>
+                  <m:oMath xmlns:m="http://schemas.openxmlformats.org/officeDocument/2006/math">
+                    <m:r>
+                      <a:rPr lang="en-US" altLang="zh-CN" sz="2000" i="1" kern="100">
+                        <a:latin typeface="Cambria Math" panose="02040503050406030204" pitchFamily="18" charset="0"/>
+                        <a:ea typeface="仿宋_GB2312"/>
+                      </a:rPr>
+                      <m:t>𝑙𝑜𝑔𝑝</m:t>
+                    </m:r>
+                    <m:d>
+                      <m:dPr>
+                        <m:ctrlPr>
+                          <a:rPr lang="zh-CN" altLang="zh-CN" sz="2000" i="1" kern="100">
+                            <a:latin typeface="Cambria Math" panose="02040503050406030204" pitchFamily="18" charset="0"/>
+                            <a:ea typeface="Cambria Math" panose="02040503050406030204" pitchFamily="18" charset="0"/>
+                          </a:rPr>
+                        </m:ctrlPr>
+                      </m:dPr>
+                      <m:e>
+                        <m:sSub>
+                          <m:sSubPr>
+                            <m:ctrlPr>
+                              <a:rPr lang="zh-CN" altLang="zh-CN" sz="2000" i="1" kern="100">
+                                <a:latin typeface="Cambria Math" panose="02040503050406030204" pitchFamily="18" charset="0"/>
+                                <a:ea typeface="Cambria Math" panose="02040503050406030204" pitchFamily="18" charset="0"/>
+                              </a:rPr>
+                            </m:ctrlPr>
+                          </m:sSubPr>
+                          <m:e>
+                            <m:r>
+                              <a:rPr lang="en-US" altLang="zh-CN" sz="2000" i="1" kern="100">
+                                <a:latin typeface="Cambria Math" panose="02040503050406030204" pitchFamily="18" charset="0"/>
+                                <a:ea typeface="仿宋_GB2312"/>
+                              </a:rPr>
+                              <m:t>𝐷</m:t>
+                            </m:r>
+                          </m:e>
+                          <m:sub>
+                            <m:r>
+                              <a:rPr lang="en-US" altLang="zh-CN" sz="2000" i="1" kern="100">
+                                <a:latin typeface="Cambria Math" panose="02040503050406030204" pitchFamily="18" charset="0"/>
+                                <a:ea typeface="仿宋_GB2312"/>
+                              </a:rPr>
+                              <m:t>𝐵</m:t>
+                            </m:r>
+                          </m:sub>
+                        </m:sSub>
+                      </m:e>
+                      <m:e>
+                        <m:r>
+                          <a:rPr lang="en-US" altLang="zh-CN" sz="2000" i="1" kern="100">
+                            <a:latin typeface="Cambria Math" panose="02040503050406030204" pitchFamily="18" charset="0"/>
+                            <a:ea typeface="仿宋_GB2312"/>
+                          </a:rPr>
+                          <m:t>𝜃</m:t>
+                        </m:r>
+                      </m:e>
+                    </m:d>
+                  </m:oMath>
+                </a14:m>
+                <a:r>
+                  <a:rPr lang="zh-CN" altLang="zh-CN" sz="2000" kern="100" dirty="0">
+                    <a:latin typeface="Times New Roman" panose="02020603050405020304" pitchFamily="18" charset="0"/>
+                    <a:ea typeface="仿宋_GB2312"/>
+                    <a:cs typeface="Times New Roman" panose="02020603050405020304" pitchFamily="18" charset="0"/>
+                  </a:rPr>
+                  <a:t>。而任务</a:t>
+                </a:r>
+                <a:r>
+                  <a:rPr lang="en-US" altLang="zh-CN" sz="2000" kern="100" dirty="0">
+                    <a:latin typeface="Times New Roman" panose="02020603050405020304" pitchFamily="18" charset="0"/>
+                    <a:ea typeface="仿宋_GB2312"/>
+                  </a:rPr>
+                  <a:t>A</a:t>
+                </a:r>
+                <a:r>
+                  <a:rPr lang="zh-CN" altLang="zh-CN" sz="2000" kern="100" dirty="0">
+                    <a:latin typeface="Times New Roman" panose="02020603050405020304" pitchFamily="18" charset="0"/>
+                    <a:ea typeface="仿宋_GB2312"/>
+                    <a:cs typeface="Times New Roman" panose="02020603050405020304" pitchFamily="18" charset="0"/>
+                  </a:rPr>
+                  <a:t>必须要被后验概率</a:t>
+                </a:r>
+                <a14:m>
+                  <m:oMath xmlns:m="http://schemas.openxmlformats.org/officeDocument/2006/math">
+                    <m:r>
+                      <a:rPr lang="en-US" altLang="zh-CN" sz="2000" i="1" kern="100">
+                        <a:latin typeface="Cambria Math" panose="02040503050406030204" pitchFamily="18" charset="0"/>
+                        <a:ea typeface="仿宋_GB2312"/>
+                      </a:rPr>
+                      <m:t>𝑙𝑜𝑔𝑝</m:t>
+                    </m:r>
+                    <m:d>
+                      <m:dPr>
+                        <m:ctrlPr>
+                          <a:rPr lang="zh-CN" altLang="zh-CN" sz="2000" i="1" kern="100">
+                            <a:latin typeface="Cambria Math" panose="02040503050406030204" pitchFamily="18" charset="0"/>
+                            <a:ea typeface="Cambria Math" panose="02040503050406030204" pitchFamily="18" charset="0"/>
+                          </a:rPr>
+                        </m:ctrlPr>
+                      </m:dPr>
+                      <m:e>
+                        <m:r>
+                          <a:rPr lang="en-US" altLang="zh-CN" sz="2000" i="1" kern="100">
+                            <a:latin typeface="Cambria Math" panose="02040503050406030204" pitchFamily="18" charset="0"/>
+                            <a:ea typeface="仿宋_GB2312"/>
+                          </a:rPr>
+                          <m:t>𝜃</m:t>
+                        </m:r>
+                        <m:r>
+                          <a:rPr lang="en-US" altLang="zh-CN" sz="2000" i="1" kern="100">
+                            <a:latin typeface="Cambria Math" panose="02040503050406030204" pitchFamily="18" charset="0"/>
+                            <a:ea typeface="仿宋_GB2312"/>
+                          </a:rPr>
+                          <m:t>|</m:t>
+                        </m:r>
+                        <m:sSub>
+                          <m:sSubPr>
+                            <m:ctrlPr>
+                              <a:rPr lang="zh-CN" altLang="zh-CN" sz="2000" i="1" kern="100">
+                                <a:latin typeface="Cambria Math" panose="02040503050406030204" pitchFamily="18" charset="0"/>
+                                <a:ea typeface="Cambria Math" panose="02040503050406030204" pitchFamily="18" charset="0"/>
+                              </a:rPr>
+                            </m:ctrlPr>
+                          </m:sSubPr>
+                          <m:e>
+                            <m:r>
+                              <a:rPr lang="en-US" altLang="zh-CN" sz="2000" i="1" kern="100">
+                                <a:latin typeface="Cambria Math" panose="02040503050406030204" pitchFamily="18" charset="0"/>
+                                <a:ea typeface="仿宋_GB2312"/>
+                              </a:rPr>
+                              <m:t>𝐷</m:t>
+                            </m:r>
+                          </m:e>
+                          <m:sub>
+                            <m:r>
+                              <a:rPr lang="en-US" altLang="zh-CN" sz="2000" i="1" kern="100">
+                                <a:latin typeface="Cambria Math" panose="02040503050406030204" pitchFamily="18" charset="0"/>
+                                <a:ea typeface="仿宋_GB2312"/>
+                              </a:rPr>
+                              <m:t>𝐴</m:t>
+                            </m:r>
+                          </m:sub>
+                        </m:sSub>
+                      </m:e>
+                    </m:d>
+                  </m:oMath>
+                </a14:m>
+                <a:r>
+                  <a:rPr lang="zh-CN" altLang="zh-CN" sz="2000" kern="100" dirty="0">
+                    <a:latin typeface="Times New Roman" panose="02020603050405020304" pitchFamily="18" charset="0"/>
+                    <a:ea typeface="仿宋_GB2312"/>
+                    <a:cs typeface="Times New Roman" panose="02020603050405020304" pitchFamily="18" charset="0"/>
+                  </a:rPr>
+                  <a:t>吸收。</a:t>
+                </a:r>
+                <a:endParaRPr lang="zh-CN" altLang="zh-CN" sz="1600" kern="100" dirty="0">
+                  <a:effectLst/>
+                  <a:latin typeface="Times New Roman" panose="02020603050405020304" pitchFamily="18" charset="0"/>
+                  <a:ea typeface="宋体" panose="02010600030101010101" pitchFamily="2" charset="-122"/>
+                </a:endParaRPr>
+              </a:p>
+            </p:txBody>
+          </p:sp>
+        </mc:Choice>
+        <mc:Fallback>
+          <p:sp>
+            <p:nvSpPr>
+              <p:cNvPr id="3" name="矩形 2">
+                <a:extLst>
+                  <a:ext uri="{FF2B5EF4-FFF2-40B4-BE49-F238E27FC236}">
+                    <a16:creationId xmlns:a16="http://schemas.microsoft.com/office/drawing/2014/main" id="{B17FDD98-8A3A-A949-A644-8E73698A00A3}"/>
+                  </a:ext>
+                </a:extLst>
+              </p:cNvPr>
+              <p:cNvSpPr>
+                <a:spLocks noRot="1" noChangeAspect="1" noMove="1" noResize="1" noEditPoints="1" noAdjustHandles="1" noChangeArrowheads="1" noChangeShapeType="1" noTextEdit="1"/>
+              </p:cNvSpPr>
+              <p:nvPr/>
+            </p:nvSpPr>
+            <p:spPr>
+              <a:xfrm>
+                <a:off x="1430179" y="3866347"/>
+                <a:ext cx="8697658" cy="961097"/>
+              </a:xfrm>
+              <a:prstGeom prst="rect">
+                <a:avLst/>
+              </a:prstGeom>
+              <a:blipFill>
+                <a:blip r:embed="rId5"/>
+                <a:stretch>
+                  <a:fillRect l="-730" r="-730" b="-10390"/>
+                </a:stretch>
+              </a:blipFill>
+            </p:spPr>
+            <p:txBody>
+              <a:bodyPr/>
+              <a:lstStyle/>
+              <a:p>
+                <a:r>
+                  <a:rPr lang="zh-CN" altLang="en-US">
+                    <a:noFill/>
+                  </a:rPr>
+                  <a:t> </a:t>
+                </a:r>
+              </a:p>
+            </p:txBody>
+          </p:sp>
+        </mc:Fallback>
+      </mc:AlternateContent>
     </p:spTree>
     <p:extLst>
       <p:ext uri="{BB962C8B-B14F-4D97-AF65-F5344CB8AC3E}">
-        <p14:creationId xmlns:p14="http://schemas.microsoft.com/office/powerpoint/2010/main" val="3796536439"/>
+        <p14:creationId xmlns:p14="http://schemas.microsoft.com/office/powerpoint/2010/main" val="978258814"/>
+      </p:ext>
+    </p:extLst>
+  </p:cSld>
+  <p:clrMapOvr>
+    <a:masterClrMapping/>
+  </p:clrMapOvr>
+  <p:timing>
+    <p:tnLst>
+      <p:par>
+        <p:cTn id="1" dur="indefinite" restart="never" nodeType="tmRoot">
+          <p:childTnLst>
+            <p:seq concurrent="1" nextAc="seek">
+              <p:cTn id="2" dur="indefinite" nodeType="mainSeq">
+                <p:childTnLst>
+                  <p:par>
+                    <p:cTn id="3" fill="hold">
+                      <p:stCondLst>
+                        <p:cond delay="indefinite"/>
+                      </p:stCondLst>
+                      <p:childTnLst>
+                        <p:par>
+                          <p:cTn id="4" fill="hold">
+                            <p:stCondLst>
+                              <p:cond delay="0"/>
+                            </p:stCondLst>
+                            <p:childTnLst>
+                              <p:par>
+                                <p:cTn id="5" presetID="1" presetClass="exit" presetSubtype="0" fill="hold" nodeType="clickEffect">
+                                  <p:stCondLst>
+                                    <p:cond delay="0"/>
+                                  </p:stCondLst>
+                                  <p:childTnLst>
+                                    <p:set>
+                                      <p:cBhvr>
+                                        <p:cTn id="6" dur="1" fill="hold">
+                                          <p:stCondLst>
+                                            <p:cond delay="0"/>
+                                          </p:stCondLst>
+                                        </p:cTn>
+                                        <p:tgtEl>
+                                          <p:spTgt spid="6"/>
+                                        </p:tgtEl>
+                                        <p:attrNameLst>
+                                          <p:attrName>style.visibility</p:attrName>
+                                        </p:attrNameLst>
+                                      </p:cBhvr>
+                                      <p:to>
+                                        <p:strVal val="hidden"/>
+                                      </p:to>
+                                    </p:set>
+                                  </p:childTnLst>
+                                </p:cTn>
+                              </p:par>
+                            </p:childTnLst>
+                          </p:cTn>
+                        </p:par>
+                      </p:childTnLst>
+                    </p:cTn>
+                  </p:par>
+                  <p:par>
+                    <p:cTn id="7" fill="hold">
+                      <p:stCondLst>
+                        <p:cond delay="indefinite"/>
+                      </p:stCondLst>
+                      <p:childTnLst>
+                        <p:par>
+                          <p:cTn id="8" fill="hold">
+                            <p:stCondLst>
+                              <p:cond delay="0"/>
+                            </p:stCondLst>
+                            <p:childTnLst>
+                              <p:par>
+                                <p:cTn id="9" presetID="1" presetClass="entr" presetSubtype="0" fill="hold" grpId="0" nodeType="clickEffect">
+                                  <p:stCondLst>
+                                    <p:cond delay="0"/>
+                                  </p:stCondLst>
+                                  <p:childTnLst>
+                                    <p:set>
+                                      <p:cBhvr>
+                                        <p:cTn id="10" dur="1" fill="hold">
+                                          <p:stCondLst>
+                                            <p:cond delay="0"/>
+                                          </p:stCondLst>
+                                        </p:cTn>
+                                        <p:tgtEl>
+                                          <p:spTgt spid="3"/>
+                                        </p:tgtEl>
+                                        <p:attrNameLst>
+                                          <p:attrName>style.visibility</p:attrName>
+                                        </p:attrNameLst>
+                                      </p:cBhvr>
+                                      <p:to>
+                                        <p:strVal val="visible"/>
+                                      </p:to>
+                                    </p:set>
+                                  </p:childTnLst>
+                                </p:cTn>
+                              </p:par>
+                            </p:childTnLst>
+                          </p:cTn>
+                        </p:par>
+                      </p:childTnLst>
+                    </p:cTn>
+                  </p:par>
+                </p:childTnLst>
+              </p:cTn>
+              <p:prevCondLst>
+                <p:cond evt="onPrev" delay="0">
+                  <p:tgtEl>
+                    <p:sldTgt/>
+                  </p:tgtEl>
+                </p:cond>
+              </p:prevCondLst>
+              <p:nextCondLst>
+                <p:cond evt="onNext" delay="0">
+                  <p:tgtEl>
+                    <p:sldTgt/>
+                  </p:tgtEl>
+                </p:cond>
+              </p:nextCondLst>
+            </p:seq>
+          </p:childTnLst>
+        </p:cTn>
+      </p:par>
+    </p:tnLst>
+    <p:bldLst>
+      <p:bldP spid="3" grpId="0"/>
+    </p:bldLst>
+  </p:timing>
+</p:sld>
+</file>
+
+<file path=ppt/slides/slide8.xml><?xml version="1.0" encoding="utf-8"?>
+<p:sld xmlns:a="http://schemas.openxmlformats.org/drawingml/2006/main" xmlns:r="http://schemas.openxmlformats.org/officeDocument/2006/relationships" xmlns:p="http://schemas.openxmlformats.org/presentationml/2006/main">
+  <p:cSld>
+    <p:spTree>
+      <p:nvGrpSpPr>
+        <p:cNvPr id="1" name=""/>
+        <p:cNvGrpSpPr/>
+        <p:nvPr/>
+      </p:nvGrpSpPr>
+      <p:grpSpPr>
+        <a:xfrm>
+          <a:off x="0" y="0"/>
+          <a:ext cx="0" cy="0"/>
+          <a:chOff x="0" y="0"/>
+          <a:chExt cx="0" cy="0"/>
+        </a:xfrm>
+      </p:grpSpPr>
+      <p:sp>
+        <p:nvSpPr>
+          <p:cNvPr id="2" name="标题 1">
+            <a:extLst>
+              <a:ext uri="{FF2B5EF4-FFF2-40B4-BE49-F238E27FC236}">
+                <a16:creationId xmlns:a16="http://schemas.microsoft.com/office/drawing/2014/main" id="{6B06083C-51A4-3E43-9AC7-CE9002CD5E0A}"/>
+              </a:ext>
+            </a:extLst>
+          </p:cNvPr>
+          <p:cNvSpPr>
+            <a:spLocks noGrp="1"/>
+          </p:cNvSpPr>
+          <p:nvPr>
+            <p:ph type="title"/>
+          </p:nvPr>
+        </p:nvSpPr>
+        <p:spPr/>
+        <p:txBody>
+          <a:bodyPr/>
+          <a:lstStyle/>
+          <a:p>
+            <a:r>
+              <a:rPr kumimoji="1" lang="zh-CN" altLang="en-US" dirty="0"/>
+              <a:t>给定</a:t>
+            </a:r>
+            <a:r>
+              <a:rPr kumimoji="1" lang="en-US" altLang="zh-CN" dirty="0"/>
+              <a:t>Loss</a:t>
+            </a:r>
+            <a:endParaRPr kumimoji="1" lang="zh-CN" altLang="en-US" dirty="0"/>
+          </a:p>
+        </p:txBody>
+      </p:sp>
+      <mc:AlternateContent xmlns:mc="http://schemas.openxmlformats.org/markup-compatibility/2006">
+        <mc:Choice xmlns:a14="http://schemas.microsoft.com/office/drawing/2010/main" Requires="a14">
+          <p:sp>
+            <p:nvSpPr>
+              <p:cNvPr id="3" name="内容占位符 2">
+                <a:extLst>
+                  <a:ext uri="{FF2B5EF4-FFF2-40B4-BE49-F238E27FC236}">
+                    <a16:creationId xmlns:a16="http://schemas.microsoft.com/office/drawing/2014/main" id="{B9025829-66B7-D244-8D5B-DACAE31D00C2}"/>
+                  </a:ext>
+                </a:extLst>
+              </p:cNvPr>
+              <p:cNvSpPr>
+                <a:spLocks noGrp="1"/>
+              </p:cNvSpPr>
+              <p:nvPr>
+                <p:ph idx="1"/>
+              </p:nvPr>
+            </p:nvSpPr>
+            <p:spPr/>
+            <p:txBody>
+              <a:bodyPr/>
+              <a:lstStyle/>
+              <a:p>
+                <a14:m>
+                  <m:oMath xmlns:m="http://schemas.openxmlformats.org/officeDocument/2006/math">
+                    <m:r>
+                      <a:rPr lang="en-US" altLang="zh-CN" i="1"/>
+                      <m:t>𝐿</m:t>
+                    </m:r>
+                    <m:d>
+                      <m:dPr>
+                        <m:ctrlPr>
+                          <a:rPr lang="zh-CN" altLang="zh-CN" i="1"/>
+                        </m:ctrlPr>
+                      </m:dPr>
+                      <m:e>
+                        <m:r>
+                          <a:rPr lang="en-US" altLang="zh-CN" i="1"/>
+                          <m:t>𝜃</m:t>
+                        </m:r>
+                      </m:e>
+                    </m:d>
+                    <m:r>
+                      <a:rPr lang="en-US" altLang="zh-CN" i="1"/>
+                      <m:t>=</m:t>
+                    </m:r>
+                    <m:sSub>
+                      <m:sSubPr>
+                        <m:ctrlPr>
+                          <a:rPr lang="zh-CN" altLang="zh-CN" i="1"/>
+                        </m:ctrlPr>
+                      </m:sSubPr>
+                      <m:e>
+                        <m:r>
+                          <a:rPr lang="en-US" altLang="zh-CN" i="1"/>
+                          <m:t>𝐿</m:t>
+                        </m:r>
+                      </m:e>
+                      <m:sub>
+                        <m:r>
+                          <a:rPr lang="en-US" altLang="zh-CN" i="1"/>
+                          <m:t>𝐵</m:t>
+                        </m:r>
+                      </m:sub>
+                    </m:sSub>
+                    <m:d>
+                      <m:dPr>
+                        <m:ctrlPr>
+                          <a:rPr lang="zh-CN" altLang="zh-CN" i="1"/>
+                        </m:ctrlPr>
+                      </m:dPr>
+                      <m:e>
+                        <m:r>
+                          <a:rPr lang="en-US" altLang="zh-CN" i="1"/>
+                          <m:t>𝜃</m:t>
+                        </m:r>
+                      </m:e>
+                    </m:d>
+                    <m:r>
+                      <a:rPr lang="en-US" altLang="zh-CN" i="1"/>
+                      <m:t>+ </m:t>
+                    </m:r>
+                    <m:nary>
+                      <m:naryPr>
+                        <m:chr m:val="∑"/>
+                        <m:limLoc m:val="undOvr"/>
+                        <m:supHide m:val="on"/>
+                        <m:ctrlPr>
+                          <a:rPr lang="zh-CN" altLang="zh-CN" i="1"/>
+                        </m:ctrlPr>
+                      </m:naryPr>
+                      <m:sub>
+                        <m:r>
+                          <a:rPr lang="en-US" altLang="zh-CN" i="1"/>
+                          <m:t>𝑖</m:t>
+                        </m:r>
+                      </m:sub>
+                      <m:sup/>
+                      <m:e>
+                        <m:f>
+                          <m:fPr>
+                            <m:ctrlPr>
+                              <a:rPr lang="zh-CN" altLang="zh-CN" i="1"/>
+                            </m:ctrlPr>
+                          </m:fPr>
+                          <m:num>
+                            <m:r>
+                              <a:rPr lang="en-US" altLang="zh-CN" i="1"/>
+                              <m:t>𝜆</m:t>
+                            </m:r>
+                          </m:num>
+                          <m:den>
+                            <m:r>
+                              <a:rPr lang="en-US" altLang="zh-CN" i="1"/>
+                              <m:t>2</m:t>
+                            </m:r>
+                          </m:den>
+                        </m:f>
+                        <m:sSup>
+                          <m:sSupPr>
+                            <m:ctrlPr>
+                              <a:rPr lang="zh-CN" altLang="zh-CN" i="1"/>
+                            </m:ctrlPr>
+                          </m:sSupPr>
+                          <m:e>
+                            <m:sSub>
+                              <m:sSubPr>
+                                <m:ctrlPr>
+                                  <a:rPr lang="zh-CN" altLang="zh-CN" i="1"/>
+                                </m:ctrlPr>
+                              </m:sSubPr>
+                              <m:e>
+                                <m:r>
+                                  <a:rPr lang="en-US" altLang="zh-CN" i="1"/>
+                                  <m:t>𝐹</m:t>
+                                </m:r>
+                              </m:e>
+                              <m:sub>
+                                <m:r>
+                                  <a:rPr lang="en-US" altLang="zh-CN" i="1"/>
+                                  <m:t>𝑖</m:t>
+                                </m:r>
+                              </m:sub>
+                            </m:sSub>
+                            <m:r>
+                              <a:rPr lang="en-US" altLang="zh-CN" i="1"/>
+                              <m:t>(</m:t>
+                            </m:r>
+                            <m:sSub>
+                              <m:sSubPr>
+                                <m:ctrlPr>
+                                  <a:rPr lang="zh-CN" altLang="zh-CN" i="1"/>
+                                </m:ctrlPr>
+                              </m:sSubPr>
+                              <m:e>
+                                <m:r>
+                                  <a:rPr lang="en-US" altLang="zh-CN" i="1"/>
+                                  <m:t>𝜃</m:t>
+                                </m:r>
+                              </m:e>
+                              <m:sub>
+                                <m:r>
+                                  <a:rPr lang="en-US" altLang="zh-CN" i="1"/>
+                                  <m:t>𝑖</m:t>
+                                </m:r>
+                              </m:sub>
+                            </m:sSub>
+                            <m:r>
+                              <a:rPr lang="en-US" altLang="zh-CN" i="1"/>
+                              <m:t>−</m:t>
+                            </m:r>
+                            <m:sSub>
+                              <m:sSubPr>
+                                <m:ctrlPr>
+                                  <a:rPr lang="zh-CN" altLang="zh-CN" i="1"/>
+                                </m:ctrlPr>
+                              </m:sSubPr>
+                              <m:e>
+                                <m:r>
+                                  <a:rPr lang="en-US" altLang="zh-CN" i="1"/>
+                                  <m:t>𝜃</m:t>
+                                </m:r>
+                              </m:e>
+                              <m:sub>
+                                <m:r>
+                                  <a:rPr lang="en-US" altLang="zh-CN" i="1"/>
+                                  <m:t>𝐴</m:t>
+                                </m:r>
+                                <m:r>
+                                  <a:rPr lang="en-US" altLang="zh-CN" i="1"/>
+                                  <m:t>, </m:t>
+                                </m:r>
+                                <m:r>
+                                  <a:rPr lang="en-US" altLang="zh-CN" i="1"/>
+                                  <m:t>𝑖</m:t>
+                                </m:r>
+                              </m:sub>
+                            </m:sSub>
+                            <m:r>
+                              <a:rPr lang="en-US" altLang="zh-CN" i="1"/>
+                              <m:t>)</m:t>
+                            </m:r>
+                          </m:e>
+                          <m:sup>
+                            <m:r>
+                              <a:rPr lang="en-US" altLang="zh-CN" i="1"/>
+                              <m:t>2</m:t>
+                            </m:r>
+                          </m:sup>
+                        </m:sSup>
+                      </m:e>
+                    </m:nary>
+                  </m:oMath>
+                </a14:m>
+                <a:endParaRPr kumimoji="1" lang="en-US" altLang="zh-CN" dirty="0"/>
+              </a:p>
+              <a:p>
+                <a:r>
+                  <a:rPr kumimoji="1" lang="zh-CN" altLang="en-US" dirty="0"/>
+                  <a:t>相当于正则化，约束了梯度方向。</a:t>
+                </a:r>
+              </a:p>
+            </p:txBody>
+          </p:sp>
+        </mc:Choice>
+        <mc:Fallback>
+          <p:sp>
+            <p:nvSpPr>
+              <p:cNvPr id="3" name="内容占位符 2">
+                <a:extLst>
+                  <a:ext uri="{FF2B5EF4-FFF2-40B4-BE49-F238E27FC236}">
+                    <a16:creationId xmlns:a16="http://schemas.microsoft.com/office/drawing/2014/main" id="{B9025829-66B7-D244-8D5B-DACAE31D00C2}"/>
+                  </a:ext>
+                </a:extLst>
+              </p:cNvPr>
+              <p:cNvSpPr>
+                <a:spLocks noGrp="1" noRot="1" noChangeAspect="1" noMove="1" noResize="1" noEditPoints="1" noAdjustHandles="1" noChangeArrowheads="1" noChangeShapeType="1" noTextEdit="1"/>
+              </p:cNvSpPr>
+              <p:nvPr>
+                <p:ph idx="1"/>
+              </p:nvPr>
+            </p:nvSpPr>
+            <p:spPr>
+              <a:blipFill>
+                <a:blip r:embed="rId2"/>
+                <a:stretch>
+                  <a:fillRect l="-965" t="-14327"/>
+                </a:stretch>
+              </a:blipFill>
+            </p:spPr>
+            <p:txBody>
+              <a:bodyPr/>
+              <a:lstStyle/>
+              <a:p>
+                <a:r>
+                  <a:rPr lang="zh-CN" altLang="en-US">
+                    <a:noFill/>
+                  </a:rPr>
+                  <a:t> </a:t>
+                </a:r>
+              </a:p>
+            </p:txBody>
+          </p:sp>
+        </mc:Fallback>
+      </mc:AlternateContent>
+    </p:spTree>
+    <p:extLst>
+      <p:ext uri="{BB962C8B-B14F-4D97-AF65-F5344CB8AC3E}">
+        <p14:creationId xmlns:p14="http://schemas.microsoft.com/office/powerpoint/2010/main" val="2045464047"/>
+      </p:ext>
+    </p:extLst>
+  </p:cSld>
+  <p:clrMapOvr>
+    <a:masterClrMapping/>
+  </p:clrMapOvr>
+</p:sld>
+</file>
+
+<file path=ppt/slides/slide9.xml><?xml version="1.0" encoding="utf-8"?>
+<p:sld xmlns:a="http://schemas.openxmlformats.org/drawingml/2006/main" xmlns:r="http://schemas.openxmlformats.org/officeDocument/2006/relationships" xmlns:p="http://schemas.openxmlformats.org/presentationml/2006/main">
+  <p:cSld>
+    <p:spTree>
+      <p:nvGrpSpPr>
+        <p:cNvPr id="1" name=""/>
+        <p:cNvGrpSpPr/>
+        <p:nvPr/>
+      </p:nvGrpSpPr>
+      <p:grpSpPr>
+        <a:xfrm>
+          <a:off x="0" y="0"/>
+          <a:ext cx="0" cy="0"/>
+          <a:chOff x="0" y="0"/>
+          <a:chExt cx="0" cy="0"/>
+        </a:xfrm>
+      </p:grpSpPr>
+      <p:sp>
+        <p:nvSpPr>
+          <p:cNvPr id="2" name="标题 1">
+            <a:extLst>
+              <a:ext uri="{FF2B5EF4-FFF2-40B4-BE49-F238E27FC236}">
+                <a16:creationId xmlns:a16="http://schemas.microsoft.com/office/drawing/2014/main" id="{79BB53CD-6BF3-DE49-86EE-2297D80711E8}"/>
+              </a:ext>
+            </a:extLst>
+          </p:cNvPr>
+          <p:cNvSpPr>
+            <a:spLocks noGrp="1"/>
+          </p:cNvSpPr>
+          <p:nvPr>
+            <p:ph type="title"/>
+          </p:nvPr>
+        </p:nvSpPr>
+        <p:spPr/>
+        <p:txBody>
+          <a:bodyPr/>
+          <a:lstStyle/>
+          <a:p>
+            <a:r>
+              <a:rPr kumimoji="1" lang="zh-CN" altLang="en-US" dirty="0"/>
+              <a:t>有监督任务</a:t>
+            </a:r>
+          </a:p>
+        </p:txBody>
+      </p:sp>
+      <p:sp>
+        <p:nvSpPr>
+          <p:cNvPr id="3" name="内容占位符 2">
+            <a:extLst>
+              <a:ext uri="{FF2B5EF4-FFF2-40B4-BE49-F238E27FC236}">
+                <a16:creationId xmlns:a16="http://schemas.microsoft.com/office/drawing/2014/main" id="{2E59CA5D-B91A-C14E-B374-F932FC53E5E0}"/>
+              </a:ext>
+            </a:extLst>
+          </p:cNvPr>
+          <p:cNvSpPr>
+            <a:spLocks noGrp="1"/>
+          </p:cNvSpPr>
+          <p:nvPr>
+            <p:ph idx="1"/>
+          </p:nvPr>
+        </p:nvSpPr>
+        <p:spPr/>
+        <p:txBody>
+          <a:bodyPr/>
+          <a:lstStyle/>
+          <a:p>
+            <a:endParaRPr kumimoji="1" lang="zh-CN" altLang="en-US"/>
+          </a:p>
+        </p:txBody>
+      </p:sp>
+      <p:pic>
+        <p:nvPicPr>
+          <p:cNvPr id="4" name="图片 3" descr="图形用户界面&#10;&#10;描述已自动生成">
+            <a:extLst>
+              <a:ext uri="{FF2B5EF4-FFF2-40B4-BE49-F238E27FC236}">
+                <a16:creationId xmlns:a16="http://schemas.microsoft.com/office/drawing/2014/main" id="{41DE1923-EF86-FF4E-AD59-7F5DE7751425}"/>
+              </a:ext>
+            </a:extLst>
+          </p:cNvPr>
+          <p:cNvPicPr/>
+          <p:nvPr/>
+        </p:nvPicPr>
+        <p:blipFill>
+          <a:blip r:embed="rId3"/>
+          <a:stretch>
+            <a:fillRect/>
+          </a:stretch>
+        </p:blipFill>
+        <p:spPr>
+          <a:xfrm>
+            <a:off x="738316" y="1492742"/>
+            <a:ext cx="10715368" cy="5017104"/>
+          </a:xfrm>
+          <a:prstGeom prst="rect">
+            <a:avLst/>
+          </a:prstGeom>
+          <a:ln>
+            <a:solidFill>
+              <a:schemeClr val="accent1"/>
+            </a:solidFill>
+          </a:ln>
+        </p:spPr>
+      </p:pic>
+    </p:spTree>
+    <p:extLst>
+      <p:ext uri="{BB962C8B-B14F-4D97-AF65-F5344CB8AC3E}">
+        <p14:creationId xmlns:p14="http://schemas.microsoft.com/office/powerpoint/2010/main" val="1030196242"/>
       </p:ext>
     </p:extLst>
   </p:cSld>
@@ -4373,4 +9726,299 @@
     </a:ext>
   </a:extLst>
 </a:theme>
+</file>
+
+<file path=ppt/theme/theme2.xml><?xml version="1.0" encoding="utf-8"?>
+<a:theme xmlns:a="http://schemas.openxmlformats.org/drawingml/2006/main" name="Office 主题​​">
+  <a:themeElements>
+    <a:clrScheme name="Office">
+      <a:dk1>
+        <a:sysClr val="windowText" lastClr="000000"/>
+      </a:dk1>
+      <a:lt1>
+        <a:sysClr val="window" lastClr="FFFFFF"/>
+      </a:lt1>
+      <a:dk2>
+        <a:srgbClr val="44546A"/>
+      </a:dk2>
+      <a:lt2>
+        <a:srgbClr val="E7E6E6"/>
+      </a:lt2>
+      <a:accent1>
+        <a:srgbClr val="4472C4"/>
+      </a:accent1>
+      <a:accent2>
+        <a:srgbClr val="ED7D31"/>
+      </a:accent2>
+      <a:accent3>
+        <a:srgbClr val="A5A5A5"/>
+      </a:accent3>
+      <a:accent4>
+        <a:srgbClr val="FFC000"/>
+      </a:accent4>
+      <a:accent5>
+        <a:srgbClr val="5B9BD5"/>
+      </a:accent5>
+      <a:accent6>
+        <a:srgbClr val="70AD47"/>
+      </a:accent6>
+      <a:hlink>
+        <a:srgbClr val="0563C1"/>
+      </a:hlink>
+      <a:folHlink>
+        <a:srgbClr val="954F72"/>
+      </a:folHlink>
+    </a:clrScheme>
+    <a:fontScheme name="Office">
+      <a:majorFont>
+        <a:latin typeface="等线 Light" panose="020F0302020204030204"/>
+        <a:ea typeface=""/>
+        <a:cs typeface=""/>
+        <a:font script="Jpan" typeface="游ゴシック Light"/>
+        <a:font script="Hang" typeface="맑은 고딕"/>
+        <a:font script="Hans" typeface="等线 Light"/>
+        <a:font script="Hant" typeface="新細明體"/>
+        <a:font script="Arab" typeface="Times New Roman"/>
+        <a:font script="Hebr" typeface="Times New Roman"/>
+        <a:font script="Thai" typeface="Angsana New"/>
+        <a:font script="Ethi" typeface="Nyala"/>
+        <a:font script="Beng" typeface="Vrinda"/>
+        <a:font script="Gujr" typeface="Shruti"/>
+        <a:font script="Khmr" typeface="MoolBoran"/>
+        <a:font script="Knda" typeface="Tunga"/>
+        <a:font script="Guru" typeface="Raavi"/>
+        <a:font script="Cans" typeface="Euphemia"/>
+        <a:font script="Cher" typeface="Plantagenet Cherokee"/>
+        <a:font script="Yiii" typeface="Microsoft Yi Baiti"/>
+        <a:font script="Tibt" typeface="Microsoft Himalaya"/>
+        <a:font script="Thaa" typeface="MV Boli"/>
+        <a:font script="Deva" typeface="Mangal"/>
+        <a:font script="Telu" typeface="Gautami"/>
+        <a:font script="Taml" typeface="Latha"/>
+        <a:font script="Syrc" typeface="Estrangelo Edessa"/>
+        <a:font script="Orya" typeface="Kalinga"/>
+        <a:font script="Mlym" typeface="Kartika"/>
+        <a:font script="Laoo" typeface="DokChampa"/>
+        <a:font script="Sinh" typeface="Iskoola Pota"/>
+        <a:font script="Mong" typeface="Mongolian Baiti"/>
+        <a:font script="Viet" typeface="Times New Roman"/>
+        <a:font script="Uigh" typeface="Microsoft Uighur"/>
+        <a:font script="Geor" typeface="Sylfaen"/>
+        <a:font script="Armn" typeface="Arial"/>
+        <a:font script="Bugi" typeface="Leelawadee UI"/>
+        <a:font script="Bopo" typeface="Microsoft JhengHei"/>
+        <a:font script="Java" typeface="Javanese Text"/>
+        <a:font script="Lisu" typeface="Segoe UI"/>
+        <a:font script="Mymr" typeface="Myanmar Text"/>
+        <a:font script="Nkoo" typeface="Ebrima"/>
+        <a:font script="Olck" typeface="Nirmala UI"/>
+        <a:font script="Osma" typeface="Ebrima"/>
+        <a:font script="Phag" typeface="Phagspa"/>
+        <a:font script="Syrn" typeface="Estrangelo Edessa"/>
+        <a:font script="Syrj" typeface="Estrangelo Edessa"/>
+        <a:font script="Syre" typeface="Estrangelo Edessa"/>
+        <a:font script="Sora" typeface="Nirmala UI"/>
+        <a:font script="Tale" typeface="Microsoft Tai Le"/>
+        <a:font script="Talu" typeface="Microsoft New Tai Lue"/>
+        <a:font script="Tfng" typeface="Ebrima"/>
+      </a:majorFont>
+      <a:minorFont>
+        <a:latin typeface="等线" panose="020F0502020204030204"/>
+        <a:ea typeface=""/>
+        <a:cs typeface=""/>
+        <a:font script="Jpan" typeface="游ゴシック"/>
+        <a:font script="Hang" typeface="맑은 고딕"/>
+        <a:font script="Hans" typeface="等线"/>
+        <a:font script="Hant" typeface="新細明體"/>
+        <a:font script="Arab" typeface="Arial"/>
+        <a:font script="Hebr" typeface="Arial"/>
+        <a:font script="Thai" typeface="Cordia New"/>
+        <a:font script="Ethi" typeface="Nyala"/>
+        <a:font script="Beng" typeface="Vrinda"/>
+        <a:font script="Gujr" typeface="Shruti"/>
+        <a:font script="Khmr" typeface="DaunPenh"/>
+        <a:font script="Knda" typeface="Tunga"/>
+        <a:font script="Guru" typeface="Raavi"/>
+        <a:font script="Cans" typeface="Euphemia"/>
+        <a:font script="Cher" typeface="Plantagenet Cherokee"/>
+        <a:font script="Yiii" typeface="Microsoft Yi Baiti"/>
+        <a:font script="Tibt" typeface="Microsoft Himalaya"/>
+        <a:font script="Thaa" typeface="MV Boli"/>
+        <a:font script="Deva" typeface="Mangal"/>
+        <a:font script="Telu" typeface="Gautami"/>
+        <a:font script="Taml" typeface="Latha"/>
+        <a:font script="Syrc" typeface="Estrangelo Edessa"/>
+        <a:font script="Orya" typeface="Kalinga"/>
+        <a:font script="Mlym" typeface="Kartika"/>
+        <a:font script="Laoo" typeface="DokChampa"/>
+        <a:font script="Sinh" typeface="Iskoola Pota"/>
+        <a:font script="Mong" typeface="Mongolian Baiti"/>
+        <a:font script="Viet" typeface="Arial"/>
+        <a:font script="Uigh" typeface="Microsoft Uighur"/>
+        <a:font script="Geor" typeface="Sylfaen"/>
+        <a:font script="Armn" typeface="Arial"/>
+        <a:font script="Bugi" typeface="Leelawadee UI"/>
+        <a:font script="Bopo" typeface="Microsoft JhengHei"/>
+        <a:font script="Java" typeface="Javanese Text"/>
+        <a:font script="Lisu" typeface="Segoe UI"/>
+        <a:font script="Mymr" typeface="Myanmar Text"/>
+        <a:font script="Nkoo" typeface="Ebrima"/>
+        <a:font script="Olck" typeface="Nirmala UI"/>
+        <a:font script="Osma" typeface="Ebrima"/>
+        <a:font script="Phag" typeface="Phagspa"/>
+        <a:font script="Syrn" typeface="Estrangelo Edessa"/>
+        <a:font script="Syrj" typeface="Estrangelo Edessa"/>
+        <a:font script="Syre" typeface="Estrangelo Edessa"/>
+        <a:font script="Sora" typeface="Nirmala UI"/>
+        <a:font script="Tale" typeface="Microsoft Tai Le"/>
+        <a:font script="Talu" typeface="Microsoft New Tai Lue"/>
+        <a:font script="Tfng" typeface="Ebrima"/>
+      </a:minorFont>
+    </a:fontScheme>
+    <a:fmtScheme name="Office">
+      <a:fillStyleLst>
+        <a:solidFill>
+          <a:schemeClr val="phClr"/>
+        </a:solidFill>
+        <a:gradFill rotWithShape="1">
+          <a:gsLst>
+            <a:gs pos="0">
+              <a:schemeClr val="phClr">
+                <a:lumMod val="110000"/>
+                <a:satMod val="105000"/>
+                <a:tint val="67000"/>
+              </a:schemeClr>
+            </a:gs>
+            <a:gs pos="50000">
+              <a:schemeClr val="phClr">
+                <a:lumMod val="105000"/>
+                <a:satMod val="103000"/>
+                <a:tint val="73000"/>
+              </a:schemeClr>
+            </a:gs>
+            <a:gs pos="100000">
+              <a:schemeClr val="phClr">
+                <a:lumMod val="105000"/>
+                <a:satMod val="109000"/>
+                <a:tint val="81000"/>
+              </a:schemeClr>
+            </a:gs>
+          </a:gsLst>
+          <a:lin ang="5400000" scaled="0"/>
+        </a:gradFill>
+        <a:gradFill rotWithShape="1">
+          <a:gsLst>
+            <a:gs pos="0">
+              <a:schemeClr val="phClr">
+                <a:satMod val="103000"/>
+                <a:lumMod val="102000"/>
+                <a:tint val="94000"/>
+              </a:schemeClr>
+            </a:gs>
+            <a:gs pos="50000">
+              <a:schemeClr val="phClr">
+                <a:satMod val="110000"/>
+                <a:lumMod val="100000"/>
+                <a:shade val="100000"/>
+              </a:schemeClr>
+            </a:gs>
+            <a:gs pos="100000">
+              <a:schemeClr val="phClr">
+                <a:lumMod val="99000"/>
+                <a:satMod val="120000"/>
+                <a:shade val="78000"/>
+              </a:schemeClr>
+            </a:gs>
+          </a:gsLst>
+          <a:lin ang="5400000" scaled="0"/>
+        </a:gradFill>
+      </a:fillStyleLst>
+      <a:lnStyleLst>
+        <a:ln w="6350" cap="flat" cmpd="sng" algn="ctr">
+          <a:solidFill>
+            <a:schemeClr val="phClr"/>
+          </a:solidFill>
+          <a:prstDash val="solid"/>
+          <a:miter lim="800000"/>
+        </a:ln>
+        <a:ln w="12700" cap="flat" cmpd="sng" algn="ctr">
+          <a:solidFill>
+            <a:schemeClr val="phClr"/>
+          </a:solidFill>
+          <a:prstDash val="solid"/>
+          <a:miter lim="800000"/>
+        </a:ln>
+        <a:ln w="19050" cap="flat" cmpd="sng" algn="ctr">
+          <a:solidFill>
+            <a:schemeClr val="phClr"/>
+          </a:solidFill>
+          <a:prstDash val="solid"/>
+          <a:miter lim="800000"/>
+        </a:ln>
+      </a:lnStyleLst>
+      <a:effectStyleLst>
+        <a:effectStyle>
+          <a:effectLst/>
+        </a:effectStyle>
+        <a:effectStyle>
+          <a:effectLst/>
+        </a:effectStyle>
+        <a:effectStyle>
+          <a:effectLst>
+            <a:outerShdw blurRad="57150" dist="19050" dir="5400000" algn="ctr" rotWithShape="0">
+              <a:srgbClr val="000000">
+                <a:alpha val="63000"/>
+              </a:srgbClr>
+            </a:outerShdw>
+          </a:effectLst>
+        </a:effectStyle>
+      </a:effectStyleLst>
+      <a:bgFillStyleLst>
+        <a:solidFill>
+          <a:schemeClr val="phClr"/>
+        </a:solidFill>
+        <a:solidFill>
+          <a:schemeClr val="phClr">
+            <a:tint val="95000"/>
+            <a:satMod val="170000"/>
+          </a:schemeClr>
+        </a:solidFill>
+        <a:gradFill rotWithShape="1">
+          <a:gsLst>
+            <a:gs pos="0">
+              <a:schemeClr val="phClr">
+                <a:tint val="93000"/>
+                <a:satMod val="150000"/>
+                <a:shade val="98000"/>
+                <a:lumMod val="102000"/>
+              </a:schemeClr>
+            </a:gs>
+            <a:gs pos="50000">
+              <a:schemeClr val="phClr">
+                <a:tint val="98000"/>
+                <a:satMod val="130000"/>
+                <a:shade val="90000"/>
+                <a:lumMod val="103000"/>
+              </a:schemeClr>
+            </a:gs>
+            <a:gs pos="100000">
+              <a:schemeClr val="phClr">
+                <a:shade val="63000"/>
+                <a:satMod val="120000"/>
+              </a:schemeClr>
+            </a:gs>
+          </a:gsLst>
+          <a:lin ang="5400000" scaled="0"/>
+        </a:gradFill>
+      </a:bgFillStyleLst>
+    </a:fmtScheme>
+  </a:themeElements>
+  <a:objectDefaults/>
+  <a:extraClrSchemeLst/>
+  <a:extLst>
+    <a:ext uri="{05A4C25C-085E-4340-85A3-A5531E510DB2}">
+      <thm15:themeFamily xmlns:thm15="http://schemas.microsoft.com/office/thememl/2012/main" name="Office Theme" id="{62F939B6-93AF-4DB8-9C6B-D6C7DFDC589F}" vid="{4A3C46E8-61CC-4603-A589-7422A47A8E4A}"/>
+    </a:ext>
+  </a:extLst>
+</a:theme>
 </file>
--- a/陈文儒.pptx
+++ b/陈文儒.pptx
@@ -5,7 +5,7 @@
     <p:sldMasterId id="2147483648" r:id="rId1"/>
   </p:sldMasterIdLst>
   <p:notesMasterIdLst>
-    <p:notesMasterId r:id="rId24"/>
+    <p:notesMasterId r:id="rId25"/>
   </p:notesMasterIdLst>
   <p:sldIdLst>
     <p:sldId id="257" r:id="rId2"/>
@@ -28,8 +28,9 @@
     <p:sldId id="275" r:id="rId19"/>
     <p:sldId id="277" r:id="rId20"/>
     <p:sldId id="267" r:id="rId21"/>
-    <p:sldId id="278" r:id="rId22"/>
-    <p:sldId id="258" r:id="rId23"/>
+    <p:sldId id="279" r:id="rId22"/>
+    <p:sldId id="278" r:id="rId23"/>
+    <p:sldId id="258" r:id="rId24"/>
   </p:sldIdLst>
   <p:sldSz cx="12192000" cy="6858000"/>
   <p:notesSz cx="6858000" cy="9144000"/>
@@ -218,7 +219,7 @@
           <a:p>
             <a:fld id="{815E49A0-7CEB-7943-869A-FE8E8786D922}" type="datetimeFigureOut">
               <a:rPr kumimoji="1" lang="zh-CN" altLang="en-US" smtClean="0"/>
-              <a:t>2020/9/28</a:t>
+              <a:t>2020/9/29</a:t>
             </a:fld>
             <a:endParaRPr kumimoji="1" lang="zh-CN" altLang="en-US"/>
           </a:p>
@@ -884,7 +885,7 @@
           <a:p>
             <a:fld id="{82081F3E-35AF-425A-87E8-112B7AD6669B}" type="datetimeFigureOut">
               <a:rPr lang="zh-CN" altLang="en-US" smtClean="0"/>
-              <a:t>2020/9/28</a:t>
+              <a:t>2020/9/29</a:t>
             </a:fld>
             <a:endParaRPr lang="zh-CN" altLang="en-US"/>
           </a:p>
@@ -1082,7 +1083,7 @@
           <a:p>
             <a:fld id="{82081F3E-35AF-425A-87E8-112B7AD6669B}" type="datetimeFigureOut">
               <a:rPr lang="zh-CN" altLang="en-US" smtClean="0"/>
-              <a:t>2020/9/28</a:t>
+              <a:t>2020/9/29</a:t>
             </a:fld>
             <a:endParaRPr lang="zh-CN" altLang="en-US"/>
           </a:p>
@@ -1290,7 +1291,7 @@
           <a:p>
             <a:fld id="{82081F3E-35AF-425A-87E8-112B7AD6669B}" type="datetimeFigureOut">
               <a:rPr lang="zh-CN" altLang="en-US" smtClean="0"/>
-              <a:t>2020/9/28</a:t>
+              <a:t>2020/9/29</a:t>
             </a:fld>
             <a:endParaRPr lang="zh-CN" altLang="en-US"/>
           </a:p>
@@ -1488,7 +1489,7 @@
           <a:p>
             <a:fld id="{82081F3E-35AF-425A-87E8-112B7AD6669B}" type="datetimeFigureOut">
               <a:rPr lang="zh-CN" altLang="en-US" smtClean="0"/>
-              <a:t>2020/9/28</a:t>
+              <a:t>2020/9/29</a:t>
             </a:fld>
             <a:endParaRPr lang="zh-CN" altLang="en-US"/>
           </a:p>
@@ -1763,7 +1764,7 @@
           <a:p>
             <a:fld id="{82081F3E-35AF-425A-87E8-112B7AD6669B}" type="datetimeFigureOut">
               <a:rPr lang="zh-CN" altLang="en-US" smtClean="0"/>
-              <a:t>2020/9/28</a:t>
+              <a:t>2020/9/29</a:t>
             </a:fld>
             <a:endParaRPr lang="zh-CN" altLang="en-US"/>
           </a:p>
@@ -2028,7 +2029,7 @@
           <a:p>
             <a:fld id="{82081F3E-35AF-425A-87E8-112B7AD6669B}" type="datetimeFigureOut">
               <a:rPr lang="zh-CN" altLang="en-US" smtClean="0"/>
-              <a:t>2020/9/28</a:t>
+              <a:t>2020/9/29</a:t>
             </a:fld>
             <a:endParaRPr lang="zh-CN" altLang="en-US"/>
           </a:p>
@@ -2440,7 +2441,7 @@
           <a:p>
             <a:fld id="{82081F3E-35AF-425A-87E8-112B7AD6669B}" type="datetimeFigureOut">
               <a:rPr lang="zh-CN" altLang="en-US" smtClean="0"/>
-              <a:t>2020/9/28</a:t>
+              <a:t>2020/9/29</a:t>
             </a:fld>
             <a:endParaRPr lang="zh-CN" altLang="en-US"/>
           </a:p>
@@ -2581,7 +2582,7 @@
           <a:p>
             <a:fld id="{82081F3E-35AF-425A-87E8-112B7AD6669B}" type="datetimeFigureOut">
               <a:rPr lang="zh-CN" altLang="en-US" smtClean="0"/>
-              <a:t>2020/9/28</a:t>
+              <a:t>2020/9/29</a:t>
             </a:fld>
             <a:endParaRPr lang="zh-CN" altLang="en-US"/>
           </a:p>
@@ -2694,7 +2695,7 @@
           <a:p>
             <a:fld id="{82081F3E-35AF-425A-87E8-112B7AD6669B}" type="datetimeFigureOut">
               <a:rPr lang="zh-CN" altLang="en-US" smtClean="0"/>
-              <a:t>2020/9/28</a:t>
+              <a:t>2020/9/29</a:t>
             </a:fld>
             <a:endParaRPr lang="zh-CN" altLang="en-US"/>
           </a:p>
@@ -3005,7 +3006,7 @@
           <a:p>
             <a:fld id="{82081F3E-35AF-425A-87E8-112B7AD6669B}" type="datetimeFigureOut">
               <a:rPr lang="zh-CN" altLang="en-US" smtClean="0"/>
-              <a:t>2020/9/28</a:t>
+              <a:t>2020/9/29</a:t>
             </a:fld>
             <a:endParaRPr lang="zh-CN" altLang="en-US"/>
           </a:p>
@@ -3293,7 +3294,7 @@
           <a:p>
             <a:fld id="{82081F3E-35AF-425A-87E8-112B7AD6669B}" type="datetimeFigureOut">
               <a:rPr lang="zh-CN" altLang="en-US" smtClean="0"/>
-              <a:t>2020/9/28</a:t>
+              <a:t>2020/9/29</a:t>
             </a:fld>
             <a:endParaRPr lang="zh-CN" altLang="en-US"/>
           </a:p>
@@ -3534,7 +3535,7 @@
           <a:p>
             <a:fld id="{82081F3E-35AF-425A-87E8-112B7AD6669B}" type="datetimeFigureOut">
               <a:rPr lang="zh-CN" altLang="en-US" smtClean="0"/>
-              <a:t>2020/9/28</a:t>
+              <a:t>2020/9/29</a:t>
             </a:fld>
             <a:endParaRPr lang="zh-CN" altLang="en-US"/>
           </a:p>
@@ -4070,8 +4071,8 @@
           </a:p>
         </p:txBody>
       </p:sp>
-      <mc:AlternateContent xmlns:mc="http://schemas.openxmlformats.org/markup-compatibility/2006">
-        <mc:Choice xmlns:a14="http://schemas.microsoft.com/office/drawing/2010/main" Requires="a14">
+      <mc:AlternateContent xmlns:mc="http://schemas.openxmlformats.org/markup-compatibility/2006" xmlns:a14="http://schemas.microsoft.com/office/drawing/2010/main">
+        <mc:Choice Requires="a14">
           <p:sp>
             <p:nvSpPr>
               <p:cNvPr id="3" name="内容占位符 2">
@@ -4369,7 +4370,7 @@
             </p:txBody>
           </p:sp>
         </mc:Choice>
-        <mc:Fallback>
+        <mc:Fallback xmlns="">
           <p:sp>
             <p:nvSpPr>
               <p:cNvPr id="3" name="内容占位符 2">
@@ -4613,8 +4614,8 @@
           </a:p>
         </p:txBody>
       </p:sp>
-      <mc:AlternateContent xmlns:mc="http://schemas.openxmlformats.org/markup-compatibility/2006">
-        <mc:Choice xmlns:a14="http://schemas.microsoft.com/office/drawing/2010/main" Requires="a14">
+      <mc:AlternateContent xmlns:mc="http://schemas.openxmlformats.org/markup-compatibility/2006" xmlns:a14="http://schemas.microsoft.com/office/drawing/2010/main">
+        <mc:Choice Requires="a14">
           <p:sp>
             <p:nvSpPr>
               <p:cNvPr id="3" name="内容占位符 2">
@@ -4774,7 +4775,7 @@
             </p:txBody>
           </p:sp>
         </mc:Choice>
-        <mc:Fallback>
+        <mc:Fallback xmlns="">
           <p:sp>
             <p:nvSpPr>
               <p:cNvPr id="3" name="内容占位符 2">
@@ -4874,8 +4875,8 @@
           <a:chExt cx="0" cy="0"/>
         </a:xfrm>
       </p:grpSpPr>
-      <mc:AlternateContent xmlns:mc="http://schemas.openxmlformats.org/markup-compatibility/2006">
-        <mc:Choice xmlns:a14="http://schemas.microsoft.com/office/drawing/2010/main" Requires="a14">
+      <mc:AlternateContent xmlns:mc="http://schemas.openxmlformats.org/markup-compatibility/2006" xmlns:a14="http://schemas.microsoft.com/office/drawing/2010/main">
+        <mc:Choice Requires="a14">
           <p:sp>
             <p:nvSpPr>
               <p:cNvPr id="2" name="标题 1">
@@ -4951,7 +4952,7 @@
             </p:txBody>
           </p:sp>
         </mc:Choice>
-        <mc:Fallback>
+        <mc:Fallback xmlns="">
           <p:sp>
             <p:nvSpPr>
               <p:cNvPr id="2" name="标题 1">
@@ -5165,8 +5166,8 @@
           </a:p>
         </p:txBody>
       </p:sp>
-      <mc:AlternateContent xmlns:mc="http://schemas.openxmlformats.org/markup-compatibility/2006">
-        <mc:Choice xmlns:a14="http://schemas.microsoft.com/office/drawing/2010/main" Requires="a14">
+      <mc:AlternateContent xmlns:mc="http://schemas.openxmlformats.org/markup-compatibility/2006" xmlns:a14="http://schemas.microsoft.com/office/drawing/2010/main">
+        <mc:Choice Requires="a14">
           <p:sp>
             <p:nvSpPr>
               <p:cNvPr id="3" name="内容占位符 2">
@@ -5197,7 +5198,9 @@
                     <m:sSub>
                       <m:sSubPr>
                         <m:ctrlPr>
-                          <a:rPr lang="zh-CN" altLang="zh-CN" i="1"/>
+                          <a:rPr lang="zh-CN" altLang="zh-CN" i="1">
+                            <a:latin typeface="Cambria Math" panose="02040503050406030204" pitchFamily="18" charset="0"/>
+                          </a:rPr>
                         </m:ctrlPr>
                       </m:sSubPr>
                       <m:e>
@@ -5371,7 +5374,7 @@
             </p:txBody>
           </p:sp>
         </mc:Choice>
-        <mc:Fallback>
+        <mc:Fallback xmlns="">
           <p:sp>
             <p:nvSpPr>
               <p:cNvPr id="3" name="内容占位符 2">
@@ -6254,7 +6257,7 @@
           <p:cNvPr id="2" name="标题 1">
             <a:extLst>
               <a:ext uri="{FF2B5EF4-FFF2-40B4-BE49-F238E27FC236}">
-                <a16:creationId xmlns:a16="http://schemas.microsoft.com/office/drawing/2014/main" id="{979E63F8-AF71-0F41-AED9-CDDC76600C3A}"/>
+                <a16:creationId xmlns:a16="http://schemas.microsoft.com/office/drawing/2014/main" id="{7E667FBE-F8D5-744A-B7EA-16EC4C2875F8}"/>
               </a:ext>
             </a:extLst>
           </p:cNvPr>
@@ -6263,6 +6266,40 @@
           </p:cNvSpPr>
           <p:nvPr>
             <p:ph type="title"/>
+          </p:nvPr>
+        </p:nvSpPr>
+        <p:spPr/>
+        <p:txBody>
+          <a:bodyPr>
+            <a:normAutofit fontScale="90000"/>
+          </a:bodyPr>
+          <a:lstStyle/>
+          <a:p>
+            <a:r>
+              <a:rPr lang="en" altLang="zh-CN" dirty="0"/>
+              <a:t>Overcoming Catastrophic Forgetting with Hard Attention to the Task</a:t>
+            </a:r>
+            <a:br>
+              <a:rPr lang="en" altLang="zh-CN" dirty="0"/>
+            </a:br>
+            <a:endParaRPr kumimoji="1" lang="zh-CN" altLang="en-US" dirty="0"/>
+          </a:p>
+        </p:txBody>
+      </p:sp>
+      <p:sp>
+        <p:nvSpPr>
+          <p:cNvPr id="3" name="内容占位符 2">
+            <a:extLst>
+              <a:ext uri="{FF2B5EF4-FFF2-40B4-BE49-F238E27FC236}">
+                <a16:creationId xmlns:a16="http://schemas.microsoft.com/office/drawing/2014/main" id="{7B9522A7-4A14-1E4F-AEEC-2A67254DA66F}"/>
+              </a:ext>
+            </a:extLst>
+          </p:cNvPr>
+          <p:cNvSpPr>
+            <a:spLocks noGrp="1"/>
+          </p:cNvSpPr>
+          <p:nvPr>
+            <p:ph idx="1"/>
           </p:nvPr>
         </p:nvSpPr>
         <p:spPr/>
@@ -6272,101 +6309,52 @@
           <a:p>
             <a:r>
               <a:rPr kumimoji="1" lang="zh-CN" altLang="en-US" dirty="0"/>
-              <a:t>总结</a:t>
-            </a:r>
-          </a:p>
-        </p:txBody>
-      </p:sp>
-      <p:sp>
-        <p:nvSpPr>
-          <p:cNvPr id="3" name="内容占位符 2">
-            <a:extLst>
-              <a:ext uri="{FF2B5EF4-FFF2-40B4-BE49-F238E27FC236}">
-                <a16:creationId xmlns:a16="http://schemas.microsoft.com/office/drawing/2014/main" id="{AFAAD002-4446-5344-9FC3-531F68D9E8BA}"/>
-              </a:ext>
-            </a:extLst>
-          </p:cNvPr>
-          <p:cNvSpPr>
-            <a:spLocks noGrp="1"/>
-          </p:cNvSpPr>
-          <p:nvPr>
-            <p:ph idx="1"/>
-          </p:nvPr>
-        </p:nvSpPr>
-        <p:spPr/>
-        <p:txBody>
-          <a:bodyPr/>
-          <a:lstStyle/>
-          <a:p>
-            <a:r>
-              <a:rPr kumimoji="1" lang="zh-CN" altLang="en-US" dirty="0"/>
-              <a:t>方法：</a:t>
-            </a:r>
-            <a:endParaRPr kumimoji="1" lang="en-US" altLang="zh-CN" dirty="0"/>
-          </a:p>
-          <a:p>
+              <a:t>采用了</a:t>
+            </a:r>
             <a:r>
               <a:rPr kumimoji="1" lang="en-US" altLang="zh-CN" dirty="0"/>
-              <a:t>1</a:t>
-            </a:r>
-            <a:r>
-              <a:rPr kumimoji="1" lang="zh-CN" altLang="en-US" dirty="0"/>
-              <a:t>、</a:t>
-            </a:r>
-            <a:r>
-              <a:rPr kumimoji="1" lang="en-US" altLang="zh-CN" dirty="0"/>
-              <a:t>regularization</a:t>
-            </a:r>
-          </a:p>
-          <a:p>
-            <a:r>
-              <a:rPr kumimoji="1" lang="en-US" altLang="zh-CN" dirty="0"/>
-              <a:t>2</a:t>
-            </a:r>
-            <a:r>
-              <a:rPr kumimoji="1" lang="zh-CN" altLang="en-US" dirty="0"/>
-              <a:t>、训练新模型，模型聚合</a:t>
-            </a:r>
-            <a:endParaRPr kumimoji="1" lang="en-US" altLang="zh-CN" dirty="0"/>
-          </a:p>
-          <a:p>
-            <a:r>
-              <a:rPr kumimoji="1" lang="en-US" altLang="zh-CN" dirty="0"/>
-              <a:t>3</a:t>
-            </a:r>
-            <a:r>
-              <a:rPr kumimoji="1" lang="zh-CN" altLang="en-US" dirty="0"/>
-              <a:t>、重复训练之前的数据</a:t>
-            </a:r>
-            <a:endParaRPr kumimoji="1" lang="en-US" altLang="zh-CN" dirty="0"/>
-          </a:p>
-          <a:p>
-            <a:r>
-              <a:rPr kumimoji="1" lang="en-US" altLang="zh-CN" dirty="0"/>
-              <a:t>4</a:t>
-            </a:r>
-            <a:r>
-              <a:rPr kumimoji="1" lang="zh-CN" altLang="en-US" dirty="0"/>
-              <a:t>、长短时记忆，不断将短时记忆整合到长时记忆中</a:t>
-            </a:r>
-            <a:endParaRPr kumimoji="1" lang="en-US" altLang="zh-CN" dirty="0"/>
-          </a:p>
-          <a:p>
-            <a:r>
-              <a:rPr kumimoji="1" lang="en-US" altLang="zh-CN" dirty="0"/>
-              <a:t>5</a:t>
-            </a:r>
-            <a:r>
-              <a:rPr kumimoji="1" lang="zh-CN" altLang="en-US" dirty="0"/>
-              <a:t>、尽可能让学习的知识记在少数的神经元上</a:t>
-            </a:r>
-          </a:p>
-        </p:txBody>
-      </p:sp>
+              <a:t>hard-attention</a:t>
+            </a:r>
+          </a:p>
+          <a:p>
+            <a:endParaRPr kumimoji="1" lang="zh-CN" altLang="en-US" dirty="0"/>
+          </a:p>
+        </p:txBody>
+      </p:sp>
+      <p:pic>
+        <p:nvPicPr>
+          <p:cNvPr id="4" name="图片 3">
+            <a:extLst>
+              <a:ext uri="{FF2B5EF4-FFF2-40B4-BE49-F238E27FC236}">
+                <a16:creationId xmlns:a16="http://schemas.microsoft.com/office/drawing/2014/main" id="{A3377796-CFF8-8344-A426-B8848DC1A563}"/>
+              </a:ext>
+            </a:extLst>
+          </p:cNvPr>
+          <p:cNvPicPr>
+            <a:picLocks noChangeAspect="1"/>
+          </p:cNvPicPr>
+          <p:nvPr/>
+        </p:nvPicPr>
+        <p:blipFill>
+          <a:blip r:embed="rId2"/>
+          <a:stretch>
+            <a:fillRect/>
+          </a:stretch>
+        </p:blipFill>
+        <p:spPr>
+          <a:xfrm>
+            <a:off x="6611418" y="1048511"/>
+            <a:ext cx="4649164" cy="5868225"/>
+          </a:xfrm>
+          <a:prstGeom prst="rect">
+            <a:avLst/>
+          </a:prstGeom>
+        </p:spPr>
+      </p:pic>
     </p:spTree>
     <p:extLst>
       <p:ext uri="{BB962C8B-B14F-4D97-AF65-F5344CB8AC3E}">
-        <p14:creationId xmlns:p14="http://schemas.microsoft.com/office/powerpoint/2010/main" val="1030938928"/>
+        <p14:creationId xmlns:p14="http://schemas.microsoft.com/office/powerpoint/2010/main" val="2618614955"/>
       </p:ext>
     </p:extLst>
   </p:cSld>
@@ -6398,7 +6386,7 @@
           <p:cNvPr id="2" name="标题 1">
             <a:extLst>
               <a:ext uri="{FF2B5EF4-FFF2-40B4-BE49-F238E27FC236}">
-                <a16:creationId xmlns:a16="http://schemas.microsoft.com/office/drawing/2014/main" id="{246904B2-A85E-4E42-85E6-F8A8003BEB61}"/>
+                <a16:creationId xmlns:a16="http://schemas.microsoft.com/office/drawing/2014/main" id="{979E63F8-AF71-0F41-AED9-CDDC76600C3A}"/>
               </a:ext>
             </a:extLst>
           </p:cNvPr>
@@ -6415,6 +6403,150 @@
           <a:lstStyle/>
           <a:p>
             <a:r>
+              <a:rPr kumimoji="1" lang="zh-CN" altLang="en-US" dirty="0"/>
+              <a:t>总结</a:t>
+            </a:r>
+          </a:p>
+        </p:txBody>
+      </p:sp>
+      <p:sp>
+        <p:nvSpPr>
+          <p:cNvPr id="3" name="内容占位符 2">
+            <a:extLst>
+              <a:ext uri="{FF2B5EF4-FFF2-40B4-BE49-F238E27FC236}">
+                <a16:creationId xmlns:a16="http://schemas.microsoft.com/office/drawing/2014/main" id="{AFAAD002-4446-5344-9FC3-531F68D9E8BA}"/>
+              </a:ext>
+            </a:extLst>
+          </p:cNvPr>
+          <p:cNvSpPr>
+            <a:spLocks noGrp="1"/>
+          </p:cNvSpPr>
+          <p:nvPr>
+            <p:ph idx="1"/>
+          </p:nvPr>
+        </p:nvSpPr>
+        <p:spPr/>
+        <p:txBody>
+          <a:bodyPr/>
+          <a:lstStyle/>
+          <a:p>
+            <a:r>
+              <a:rPr kumimoji="1" lang="zh-CN" altLang="en-US" dirty="0"/>
+              <a:t>方法：</a:t>
+            </a:r>
+            <a:endParaRPr kumimoji="1" lang="en-US" altLang="zh-CN" dirty="0"/>
+          </a:p>
+          <a:p>
+            <a:r>
+              <a:rPr kumimoji="1" lang="en-US" altLang="zh-CN" dirty="0"/>
+              <a:t>1</a:t>
+            </a:r>
+            <a:r>
+              <a:rPr kumimoji="1" lang="zh-CN" altLang="en-US" dirty="0"/>
+              <a:t>、</a:t>
+            </a:r>
+            <a:r>
+              <a:rPr kumimoji="1" lang="en-US" altLang="zh-CN" dirty="0"/>
+              <a:t>regularization</a:t>
+            </a:r>
+          </a:p>
+          <a:p>
+            <a:r>
+              <a:rPr kumimoji="1" lang="en-US" altLang="zh-CN" dirty="0"/>
+              <a:t>2</a:t>
+            </a:r>
+            <a:r>
+              <a:rPr kumimoji="1" lang="zh-CN" altLang="en-US" dirty="0"/>
+              <a:t>、训练新模型，模型聚合</a:t>
+            </a:r>
+            <a:endParaRPr kumimoji="1" lang="en-US" altLang="zh-CN" dirty="0"/>
+          </a:p>
+          <a:p>
+            <a:r>
+              <a:rPr kumimoji="1" lang="en-US" altLang="zh-CN" dirty="0"/>
+              <a:t>3</a:t>
+            </a:r>
+            <a:r>
+              <a:rPr kumimoji="1" lang="zh-CN" altLang="en-US" dirty="0"/>
+              <a:t>、重复训练之前的数据</a:t>
+            </a:r>
+            <a:endParaRPr kumimoji="1" lang="en-US" altLang="zh-CN" dirty="0"/>
+          </a:p>
+          <a:p>
+            <a:r>
+              <a:rPr kumimoji="1" lang="en-US" altLang="zh-CN" dirty="0"/>
+              <a:t>4</a:t>
+            </a:r>
+            <a:r>
+              <a:rPr kumimoji="1" lang="zh-CN" altLang="en-US" dirty="0"/>
+              <a:t>、长短时记忆，不断将短时记忆整合到长时记忆中</a:t>
+            </a:r>
+            <a:endParaRPr kumimoji="1" lang="en-US" altLang="zh-CN" dirty="0"/>
+          </a:p>
+          <a:p>
+            <a:r>
+              <a:rPr kumimoji="1" lang="en-US" altLang="zh-CN" dirty="0"/>
+              <a:t>5</a:t>
+            </a:r>
+            <a:r>
+              <a:rPr kumimoji="1" lang="zh-CN" altLang="en-US" dirty="0"/>
+              <a:t>、尽可能让学习的知识记在少数的神经元上</a:t>
+            </a:r>
+          </a:p>
+        </p:txBody>
+      </p:sp>
+    </p:spTree>
+    <p:extLst>
+      <p:ext uri="{BB962C8B-B14F-4D97-AF65-F5344CB8AC3E}">
+        <p14:creationId xmlns:p14="http://schemas.microsoft.com/office/powerpoint/2010/main" val="1030938928"/>
+      </p:ext>
+    </p:extLst>
+  </p:cSld>
+  <p:clrMapOvr>
+    <a:masterClrMapping/>
+  </p:clrMapOvr>
+</p:sld>
+</file>
+
+<file path=ppt/slides/slide23.xml><?xml version="1.0" encoding="utf-8"?>
+<p:sld xmlns:a="http://schemas.openxmlformats.org/drawingml/2006/main" xmlns:r="http://schemas.openxmlformats.org/officeDocument/2006/relationships" xmlns:p="http://schemas.openxmlformats.org/presentationml/2006/main">
+  <p:cSld>
+    <p:spTree>
+      <p:nvGrpSpPr>
+        <p:cNvPr id="1" name=""/>
+        <p:cNvGrpSpPr/>
+        <p:nvPr/>
+      </p:nvGrpSpPr>
+      <p:grpSpPr>
+        <a:xfrm>
+          <a:off x="0" y="0"/>
+          <a:ext cx="0" cy="0"/>
+          <a:chOff x="0" y="0"/>
+          <a:chExt cx="0" cy="0"/>
+        </a:xfrm>
+      </p:grpSpPr>
+      <p:sp>
+        <p:nvSpPr>
+          <p:cNvPr id="2" name="标题 1">
+            <a:extLst>
+              <a:ext uri="{FF2B5EF4-FFF2-40B4-BE49-F238E27FC236}">
+                <a16:creationId xmlns:a16="http://schemas.microsoft.com/office/drawing/2014/main" id="{246904B2-A85E-4E42-85E6-F8A8003BEB61}"/>
+              </a:ext>
+            </a:extLst>
+          </p:cNvPr>
+          <p:cNvSpPr>
+            <a:spLocks noGrp="1"/>
+          </p:cNvSpPr>
+          <p:nvPr>
+            <p:ph type="title"/>
+          </p:nvPr>
+        </p:nvSpPr>
+        <p:spPr/>
+        <p:txBody>
+          <a:bodyPr/>
+          <a:lstStyle/>
+          <a:p>
+            <a:r>
               <a:rPr lang="zh-CN" altLang="en-US" dirty="0"/>
               <a:t>下周工作</a:t>
             </a:r>
@@ -6444,25 +6576,15 @@
           <a:p>
             <a:r>
               <a:rPr lang="zh-CN" altLang="en-US" dirty="0"/>
-              <a:t>推荐论文阅读（比如</a:t>
+              <a:t>近期（</a:t>
             </a:r>
             <a:r>
               <a:rPr lang="en-US" altLang="zh-CN" dirty="0"/>
-              <a:t>continual learning</a:t>
+              <a:t>2020</a:t>
             </a:r>
             <a:r>
               <a:rPr lang="zh-CN" altLang="en-US" dirty="0"/>
-              <a:t>？）</a:t>
-            </a:r>
-            <a:endParaRPr lang="en-US" altLang="zh-CN" dirty="0"/>
-          </a:p>
-          <a:p>
-            <a:pPr marL="457200" lvl="1" indent="0">
-              <a:buNone/>
-            </a:pPr>
-            <a:r>
-              <a:rPr lang="zh-CN" altLang="en-US" dirty="0"/>
-              <a:t>做成读书报告（几篇）</a:t>
+              <a:t>）论文阅读，以及目标检测领域与联邦学习、继续学习结合</a:t>
             </a:r>
             <a:endParaRPr lang="en-US" altLang="zh-CN" dirty="0"/>
           </a:p>
@@ -6862,8 +6984,8 @@
           </a:p>
         </p:txBody>
       </p:sp>
-      <mc:AlternateContent xmlns:mc="http://schemas.openxmlformats.org/markup-compatibility/2006">
-        <mc:Choice xmlns:a14="http://schemas.microsoft.com/office/drawing/2010/main" Requires="a14">
+      <mc:AlternateContent xmlns:mc="http://schemas.openxmlformats.org/markup-compatibility/2006" xmlns:a14="http://schemas.microsoft.com/office/drawing/2010/main">
+        <mc:Choice Requires="a14">
           <p:graphicFrame>
             <p:nvGraphicFramePr>
               <p:cNvPr id="5" name="内容占位符 4">
@@ -7190,7 +7312,7 @@
             </a:graphic>
           </p:graphicFrame>
         </mc:Choice>
-        <mc:Fallback>
+        <mc:Fallback xmlns="">
           <p:graphicFrame>
             <p:nvGraphicFramePr>
               <p:cNvPr id="5" name="内容占位符 4">
@@ -7340,8 +7462,8 @@
           </p:graphicFrame>
         </mc:Fallback>
       </mc:AlternateContent>
-      <mc:AlternateContent xmlns:mc="http://schemas.openxmlformats.org/markup-compatibility/2006">
-        <mc:Choice xmlns:a14="http://schemas.microsoft.com/office/drawing/2010/main" Requires="a14">
+      <mc:AlternateContent xmlns:mc="http://schemas.openxmlformats.org/markup-compatibility/2006" xmlns:a14="http://schemas.microsoft.com/office/drawing/2010/main">
+        <mc:Choice Requires="a14">
           <p:sp>
             <p:nvSpPr>
               <p:cNvPr id="7" name="内容占位符 2">
@@ -7564,24 +7686,32 @@
                 <a14:m>
                   <m:oMath xmlns:m="http://schemas.openxmlformats.org/officeDocument/2006/math">
                     <m:r>
-                      <a:rPr lang="en-US" altLang="zh-CN" i="1"/>
+                      <a:rPr lang="en-US" altLang="zh-CN" i="1">
+                        <a:latin typeface="Cambria Math" panose="02040503050406030204" pitchFamily="18" charset="0"/>
+                      </a:rPr>
                       <m:t>𝑙𝑜𝑔𝑝</m:t>
                     </m:r>
                     <m:d>
                       <m:dPr>
                         <m:ctrlPr>
-                          <a:rPr lang="zh-CN" altLang="zh-CN" i="1"/>
+                          <a:rPr lang="zh-CN" altLang="zh-CN" i="1">
+                            <a:latin typeface="Cambria Math" panose="02040503050406030204" pitchFamily="18" charset="0"/>
+                          </a:rPr>
                         </m:ctrlPr>
                       </m:dPr>
                       <m:e>
                         <m:r>
-                          <a:rPr lang="en-US" altLang="zh-CN" i="1"/>
+                          <a:rPr lang="en-US" altLang="zh-CN" i="1">
+                            <a:latin typeface="Cambria Math" panose="02040503050406030204" pitchFamily="18" charset="0"/>
+                          </a:rPr>
                           <m:t>𝐷</m:t>
                         </m:r>
                       </m:e>
                       <m:e>
                         <m:r>
-                          <a:rPr lang="en-US" altLang="zh-CN" i="1"/>
+                          <a:rPr lang="en-US" altLang="zh-CN" i="1">
+                            <a:latin typeface="Cambria Math" panose="02040503050406030204" pitchFamily="18" charset="0"/>
+                          </a:rPr>
                           <m:t>𝜃</m:t>
                         </m:r>
                       </m:e>
@@ -7627,7 +7757,7 @@
             </p:txBody>
           </p:sp>
         </mc:Choice>
-        <mc:Fallback>
+        <mc:Fallback xmlns="">
           <p:sp>
             <p:nvSpPr>
               <p:cNvPr id="7" name="内容占位符 2">
@@ -7773,8 +7903,8 @@
           </a:p>
         </p:txBody>
       </p:sp>
-      <mc:AlternateContent xmlns:mc="http://schemas.openxmlformats.org/markup-compatibility/2006">
-        <mc:Choice xmlns:a14="http://schemas.microsoft.com/office/drawing/2010/main" Requires="a14">
+      <mc:AlternateContent xmlns:mc="http://schemas.openxmlformats.org/markup-compatibility/2006" xmlns:a14="http://schemas.microsoft.com/office/drawing/2010/main">
+        <mc:Choice Requires="a14">
           <p:graphicFrame>
             <p:nvGraphicFramePr>
               <p:cNvPr id="5" name="内容占位符 4">
@@ -8171,7 +8301,7 @@
             </a:graphic>
           </p:graphicFrame>
         </mc:Choice>
-        <mc:Fallback>
+        <mc:Fallback xmlns="">
           <p:graphicFrame>
             <p:nvGraphicFramePr>
               <p:cNvPr id="5" name="内容占位符 4">
@@ -8583,8 +8713,8 @@
           </a:extLst>
         </p:spPr>
       </p:pic>
-      <mc:AlternateContent xmlns:mc="http://schemas.openxmlformats.org/markup-compatibility/2006">
-        <mc:Choice xmlns:a14="http://schemas.microsoft.com/office/drawing/2010/main" Requires="a14">
+      <mc:AlternateContent xmlns:mc="http://schemas.openxmlformats.org/markup-compatibility/2006" xmlns:a14="http://schemas.microsoft.com/office/drawing/2010/main">
+        <mc:Choice Requires="a14">
           <p:sp>
             <p:nvSpPr>
               <p:cNvPr id="3" name="矩形 2">
@@ -8808,7 +8938,7 @@
             </p:txBody>
           </p:sp>
         </mc:Choice>
-        <mc:Fallback>
+        <mc:Fallback xmlns="">
           <p:sp>
             <p:nvSpPr>
               <p:cNvPr id="3" name="矩形 2">
@@ -9039,8 +9169,8 @@
           </a:p>
         </p:txBody>
       </p:sp>
-      <mc:AlternateContent xmlns:mc="http://schemas.openxmlformats.org/markup-compatibility/2006">
-        <mc:Choice xmlns:a14="http://schemas.microsoft.com/office/drawing/2010/main" Requires="a14">
+      <mc:AlternateContent xmlns:mc="http://schemas.openxmlformats.org/markup-compatibility/2006" xmlns:a14="http://schemas.microsoft.com/office/drawing/2010/main">
+        <mc:Choice Requires="a14">
           <p:sp>
             <p:nvSpPr>
               <p:cNvPr id="3" name="内容占位符 2">
@@ -9065,41 +9195,55 @@
                 <a14:m>
                   <m:oMath xmlns:m="http://schemas.openxmlformats.org/officeDocument/2006/math">
                     <m:r>
-                      <a:rPr lang="en-US" altLang="zh-CN" i="1"/>
+                      <a:rPr lang="en-US" altLang="zh-CN" i="1">
+                        <a:latin typeface="Cambria Math" panose="02040503050406030204" pitchFamily="18" charset="0"/>
+                      </a:rPr>
                       <m:t>𝐿</m:t>
                     </m:r>
                     <m:d>
                       <m:dPr>
                         <m:ctrlPr>
-                          <a:rPr lang="zh-CN" altLang="zh-CN" i="1"/>
+                          <a:rPr lang="zh-CN" altLang="zh-CN" i="1">
+                            <a:latin typeface="Cambria Math" panose="02040503050406030204" pitchFamily="18" charset="0"/>
+                          </a:rPr>
                         </m:ctrlPr>
                       </m:dPr>
                       <m:e>
                         <m:r>
-                          <a:rPr lang="en-US" altLang="zh-CN" i="1"/>
+                          <a:rPr lang="en-US" altLang="zh-CN" i="1">
+                            <a:latin typeface="Cambria Math" panose="02040503050406030204" pitchFamily="18" charset="0"/>
+                          </a:rPr>
                           <m:t>𝜃</m:t>
                         </m:r>
                       </m:e>
                     </m:d>
                     <m:r>
-                      <a:rPr lang="en-US" altLang="zh-CN" i="1"/>
+                      <a:rPr lang="en-US" altLang="zh-CN" i="1">
+                        <a:latin typeface="Cambria Math" panose="02040503050406030204" pitchFamily="18" charset="0"/>
+                      </a:rPr>
                       <m:t>=</m:t>
                     </m:r>
                     <m:sSub>
                       <m:sSubPr>
                         <m:ctrlPr>
-                          <a:rPr lang="zh-CN" altLang="zh-CN" i="1"/>
+                          <a:rPr lang="zh-CN" altLang="zh-CN" i="1">
+                            <a:latin typeface="Cambria Math" panose="02040503050406030204" pitchFamily="18" charset="0"/>
+                          </a:rPr>
                         </m:ctrlPr>
                       </m:sSubPr>
                       <m:e>
                         <m:r>
-                          <a:rPr lang="en-US" altLang="zh-CN" i="1"/>
+                          <a:rPr lang="en-US" altLang="zh-CN" i="1">
+                            <a:latin typeface="Cambria Math" panose="02040503050406030204" pitchFamily="18" charset="0"/>
+                          </a:rPr>
                           <m:t>𝐿</m:t>
                         </m:r>
                       </m:e>
                       <m:sub>
                         <m:r>
-                          <a:rPr lang="en-US" altLang="zh-CN" i="1"/>
+                          <a:rPr lang="en-US" altLang="zh-CN" i="1">
+                            <a:latin typeface="Cambria Math" panose="02040503050406030204" pitchFamily="18" charset="0"/>
+                          </a:rPr>
                           <m:t>𝐵</m:t>
                         </m:r>
                       </m:sub>
@@ -9107,18 +9251,24 @@
                     <m:d>
                       <m:dPr>
                         <m:ctrlPr>
-                          <a:rPr lang="zh-CN" altLang="zh-CN" i="1"/>
+                          <a:rPr lang="zh-CN" altLang="zh-CN" i="1">
+                            <a:latin typeface="Cambria Math" panose="02040503050406030204" pitchFamily="18" charset="0"/>
+                          </a:rPr>
                         </m:ctrlPr>
                       </m:dPr>
                       <m:e>
                         <m:r>
-                          <a:rPr lang="en-US" altLang="zh-CN" i="1"/>
+                          <a:rPr lang="en-US" altLang="zh-CN" i="1">
+                            <a:latin typeface="Cambria Math" panose="02040503050406030204" pitchFamily="18" charset="0"/>
+                          </a:rPr>
                           <m:t>𝜃</m:t>
                         </m:r>
                       </m:e>
                     </m:d>
                     <m:r>
-                      <a:rPr lang="en-US" altLang="zh-CN" i="1"/>
+                      <a:rPr lang="en-US" altLang="zh-CN" i="1">
+                        <a:latin typeface="Cambria Math" panose="02040503050406030204" pitchFamily="18" charset="0"/>
+                      </a:rPr>
                       <m:t>+ </m:t>
                     </m:r>
                     <m:nary>
@@ -9127,12 +9277,16 @@
                         <m:limLoc m:val="undOvr"/>
                         <m:supHide m:val="on"/>
                         <m:ctrlPr>
-                          <a:rPr lang="zh-CN" altLang="zh-CN" i="1"/>
+                          <a:rPr lang="zh-CN" altLang="zh-CN" i="1">
+                            <a:latin typeface="Cambria Math" panose="02040503050406030204" pitchFamily="18" charset="0"/>
+                          </a:rPr>
                         </m:ctrlPr>
                       </m:naryPr>
                       <m:sub>
                         <m:r>
-                          <a:rPr lang="en-US" altLang="zh-CN" i="1"/>
+                          <a:rPr lang="en-US" altLang="zh-CN" i="1">
+                            <a:latin typeface="Cambria Math" panose="02040503050406030204" pitchFamily="18" charset="0"/>
+                          </a:rPr>
                           <m:t>𝑖</m:t>
                         </m:r>
                       </m:sub>
@@ -9141,18 +9295,24 @@
                         <m:f>
                           <m:fPr>
                             <m:ctrlPr>
-                              <a:rPr lang="zh-CN" altLang="zh-CN" i="1"/>
+                              <a:rPr lang="zh-CN" altLang="zh-CN" i="1">
+                                <a:latin typeface="Cambria Math" panose="02040503050406030204" pitchFamily="18" charset="0"/>
+                              </a:rPr>
                             </m:ctrlPr>
                           </m:fPr>
                           <m:num>
                             <m:r>
-                              <a:rPr lang="en-US" altLang="zh-CN" i="1"/>
+                              <a:rPr lang="en-US" altLang="zh-CN" i="1">
+                                <a:latin typeface="Cambria Math" panose="02040503050406030204" pitchFamily="18" charset="0"/>
+                              </a:rPr>
                               <m:t>𝜆</m:t>
                             </m:r>
                           </m:num>
                           <m:den>
                             <m:r>
-                              <a:rPr lang="en-US" altLang="zh-CN" i="1"/>
+                              <a:rPr lang="en-US" altLang="zh-CN" i="1">
+                                <a:latin typeface="Cambria Math" panose="02040503050406030204" pitchFamily="18" charset="0"/>
+                              </a:rPr>
                               <m:t>2</m:t>
                             </m:r>
                           </m:den>
@@ -9160,91 +9320,123 @@
                         <m:sSup>
                           <m:sSupPr>
                             <m:ctrlPr>
-                              <a:rPr lang="zh-CN" altLang="zh-CN" i="1"/>
+                              <a:rPr lang="zh-CN" altLang="zh-CN" i="1">
+                                <a:latin typeface="Cambria Math" panose="02040503050406030204" pitchFamily="18" charset="0"/>
+                              </a:rPr>
                             </m:ctrlPr>
                           </m:sSupPr>
                           <m:e>
                             <m:sSub>
                               <m:sSubPr>
                                 <m:ctrlPr>
-                                  <a:rPr lang="zh-CN" altLang="zh-CN" i="1"/>
+                                  <a:rPr lang="zh-CN" altLang="zh-CN" i="1">
+                                    <a:latin typeface="Cambria Math" panose="02040503050406030204" pitchFamily="18" charset="0"/>
+                                  </a:rPr>
                                 </m:ctrlPr>
                               </m:sSubPr>
                               <m:e>
                                 <m:r>
-                                  <a:rPr lang="en-US" altLang="zh-CN" i="1"/>
+                                  <a:rPr lang="en-US" altLang="zh-CN" i="1">
+                                    <a:latin typeface="Cambria Math" panose="02040503050406030204" pitchFamily="18" charset="0"/>
+                                  </a:rPr>
                                   <m:t>𝐹</m:t>
                                 </m:r>
                               </m:e>
                               <m:sub>
                                 <m:r>
-                                  <a:rPr lang="en-US" altLang="zh-CN" i="1"/>
+                                  <a:rPr lang="en-US" altLang="zh-CN" i="1">
+                                    <a:latin typeface="Cambria Math" panose="02040503050406030204" pitchFamily="18" charset="0"/>
+                                  </a:rPr>
                                   <m:t>𝑖</m:t>
                                 </m:r>
                               </m:sub>
                             </m:sSub>
                             <m:r>
-                              <a:rPr lang="en-US" altLang="zh-CN" i="1"/>
+                              <a:rPr lang="en-US" altLang="zh-CN" i="1">
+                                <a:latin typeface="Cambria Math" panose="02040503050406030204" pitchFamily="18" charset="0"/>
+                              </a:rPr>
                               <m:t>(</m:t>
                             </m:r>
                             <m:sSub>
                               <m:sSubPr>
                                 <m:ctrlPr>
-                                  <a:rPr lang="zh-CN" altLang="zh-CN" i="1"/>
+                                  <a:rPr lang="zh-CN" altLang="zh-CN" i="1">
+                                    <a:latin typeface="Cambria Math" panose="02040503050406030204" pitchFamily="18" charset="0"/>
+                                  </a:rPr>
                                 </m:ctrlPr>
                               </m:sSubPr>
                               <m:e>
                                 <m:r>
-                                  <a:rPr lang="en-US" altLang="zh-CN" i="1"/>
+                                  <a:rPr lang="en-US" altLang="zh-CN" i="1">
+                                    <a:latin typeface="Cambria Math" panose="02040503050406030204" pitchFamily="18" charset="0"/>
+                                  </a:rPr>
                                   <m:t>𝜃</m:t>
                                 </m:r>
                               </m:e>
                               <m:sub>
                                 <m:r>
-                                  <a:rPr lang="en-US" altLang="zh-CN" i="1"/>
+                                  <a:rPr lang="en-US" altLang="zh-CN" i="1">
+                                    <a:latin typeface="Cambria Math" panose="02040503050406030204" pitchFamily="18" charset="0"/>
+                                  </a:rPr>
                                   <m:t>𝑖</m:t>
                                 </m:r>
                               </m:sub>
                             </m:sSub>
                             <m:r>
-                              <a:rPr lang="en-US" altLang="zh-CN" i="1"/>
+                              <a:rPr lang="en-US" altLang="zh-CN" i="1">
+                                <a:latin typeface="Cambria Math" panose="02040503050406030204" pitchFamily="18" charset="0"/>
+                              </a:rPr>
                               <m:t>−</m:t>
                             </m:r>
                             <m:sSub>
                               <m:sSubPr>
                                 <m:ctrlPr>
-                                  <a:rPr lang="zh-CN" altLang="zh-CN" i="1"/>
+                                  <a:rPr lang="zh-CN" altLang="zh-CN" i="1">
+                                    <a:latin typeface="Cambria Math" panose="02040503050406030204" pitchFamily="18" charset="0"/>
+                                  </a:rPr>
                                 </m:ctrlPr>
                               </m:sSubPr>
                               <m:e>
                                 <m:r>
-                                  <a:rPr lang="en-US" altLang="zh-CN" i="1"/>
+                                  <a:rPr lang="en-US" altLang="zh-CN" i="1">
+                                    <a:latin typeface="Cambria Math" panose="02040503050406030204" pitchFamily="18" charset="0"/>
+                                  </a:rPr>
                                   <m:t>𝜃</m:t>
                                 </m:r>
                               </m:e>
                               <m:sub>
                                 <m:r>
-                                  <a:rPr lang="en-US" altLang="zh-CN" i="1"/>
+                                  <a:rPr lang="en-US" altLang="zh-CN" i="1">
+                                    <a:latin typeface="Cambria Math" panose="02040503050406030204" pitchFamily="18" charset="0"/>
+                                  </a:rPr>
                                   <m:t>𝐴</m:t>
                                 </m:r>
                                 <m:r>
-                                  <a:rPr lang="en-US" altLang="zh-CN" i="1"/>
+                                  <a:rPr lang="en-US" altLang="zh-CN" i="1">
+                                    <a:latin typeface="Cambria Math" panose="02040503050406030204" pitchFamily="18" charset="0"/>
+                                  </a:rPr>
                                   <m:t>, </m:t>
                                 </m:r>
                                 <m:r>
-                                  <a:rPr lang="en-US" altLang="zh-CN" i="1"/>
+                                  <a:rPr lang="en-US" altLang="zh-CN" i="1">
+                                    <a:latin typeface="Cambria Math" panose="02040503050406030204" pitchFamily="18" charset="0"/>
+                                  </a:rPr>
                                   <m:t>𝑖</m:t>
                                 </m:r>
                               </m:sub>
                             </m:sSub>
                             <m:r>
-                              <a:rPr lang="en-US" altLang="zh-CN" i="1"/>
+                              <a:rPr lang="en-US" altLang="zh-CN" i="1">
+                                <a:latin typeface="Cambria Math" panose="02040503050406030204" pitchFamily="18" charset="0"/>
+                              </a:rPr>
                               <m:t>)</m:t>
                             </m:r>
                           </m:e>
                           <m:sup>
                             <m:r>
-                              <a:rPr lang="en-US" altLang="zh-CN" i="1"/>
+                              <a:rPr lang="en-US" altLang="zh-CN" i="1">
+                                <a:latin typeface="Cambria Math" panose="02040503050406030204" pitchFamily="18" charset="0"/>
+                              </a:rPr>
                               <m:t>2</m:t>
                             </m:r>
                           </m:sup>
@@ -9264,7 +9456,7 @@
             </p:txBody>
           </p:sp>
         </mc:Choice>
-        <mc:Fallback>
+        <mc:Fallback xmlns="">
           <p:sp>
             <p:nvSpPr>
               <p:cNvPr id="3" name="内容占位符 2">
